--- a/01 Classes/Aula 10 - Programação Microcontroladores - Projetos com Microcontroladores Boas Práticas e Wifi.pptx
+++ b/01 Classes/Aula 10 - Programação Microcontroladores - Projetos com Microcontroladores Boas Práticas e Wifi.pptx
@@ -5,18 +5,24 @@
     <p:sldMasterId id="2147483648" r:id="rId1"/>
   </p:sldMasterIdLst>
   <p:notesMasterIdLst>
-    <p:notesMasterId r:id="rId11"/>
+    <p:notesMasterId r:id="rId17"/>
   </p:notesMasterIdLst>
   <p:sldIdLst>
     <p:sldId id="256" r:id="rId2"/>
     <p:sldId id="291" r:id="rId3"/>
     <p:sldId id="340" r:id="rId4"/>
-    <p:sldId id="341" r:id="rId5"/>
-    <p:sldId id="333" r:id="rId6"/>
-    <p:sldId id="323" r:id="rId7"/>
-    <p:sldId id="334" r:id="rId8"/>
-    <p:sldId id="337" r:id="rId9"/>
-    <p:sldId id="309" r:id="rId10"/>
+    <p:sldId id="342" r:id="rId5"/>
+    <p:sldId id="343" r:id="rId6"/>
+    <p:sldId id="344" r:id="rId7"/>
+    <p:sldId id="345" r:id="rId8"/>
+    <p:sldId id="346" r:id="rId9"/>
+    <p:sldId id="341" r:id="rId10"/>
+    <p:sldId id="347" r:id="rId11"/>
+    <p:sldId id="333" r:id="rId12"/>
+    <p:sldId id="323" r:id="rId13"/>
+    <p:sldId id="334" r:id="rId14"/>
+    <p:sldId id="337" r:id="rId15"/>
+    <p:sldId id="309" r:id="rId16"/>
   </p:sldIdLst>
   <p:sldSz cx="9144000" cy="5143500" type="screen16x9"/>
   <p:notesSz cx="6858000" cy="9144000"/>
@@ -563,6 +569,270 @@
 </p:notes>
 </file>
 
+<file path=ppt/notesSlides/notesSlide10.xml><?xml version="1.0" encoding="utf-8"?>
+<p:notes xmlns:a="http://schemas.openxmlformats.org/drawingml/2006/main" xmlns:r="http://schemas.openxmlformats.org/officeDocument/2006/relationships" xmlns:p="http://schemas.openxmlformats.org/presentationml/2006/main">
+  <p:cSld>
+    <p:spTree>
+      <p:nvGrpSpPr>
+        <p:cNvPr id="1" name=""/>
+        <p:cNvGrpSpPr/>
+        <p:nvPr/>
+      </p:nvGrpSpPr>
+      <p:grpSpPr>
+        <a:xfrm>
+          <a:off x="0" y="0"/>
+          <a:ext cx="0" cy="0"/>
+          <a:chOff x="0" y="0"/>
+          <a:chExt cx="0" cy="0"/>
+        </a:xfrm>
+      </p:grpSpPr>
+      <p:sp>
+        <p:nvSpPr>
+          <p:cNvPr id="2" name="Espaço Reservado para Imagem de Slide 1"/>
+          <p:cNvSpPr>
+            <a:spLocks noGrp="1" noRot="1" noChangeAspect="1"/>
+          </p:cNvSpPr>
+          <p:nvPr>
+            <p:ph type="sldImg"/>
+          </p:nvPr>
+        </p:nvSpPr>
+        <p:spPr>
+          <a:xfrm>
+            <a:off x="381000" y="685800"/>
+            <a:ext cx="6096000" cy="3429000"/>
+          </a:xfrm>
+        </p:spPr>
+      </p:sp>
+      <p:sp>
+        <p:nvSpPr>
+          <p:cNvPr id="3" name="Espaço Reservado para Anotações 2"/>
+          <p:cNvSpPr>
+            <a:spLocks noGrp="1"/>
+          </p:cNvSpPr>
+          <p:nvPr>
+            <p:ph type="body" idx="1"/>
+          </p:nvPr>
+        </p:nvSpPr>
+        <p:spPr/>
+        <p:txBody>
+          <a:bodyPr/>
+          <a:lstStyle/>
+          <a:p>
+            <a:endParaRPr lang="pt-BR" dirty="0"/>
+          </a:p>
+        </p:txBody>
+      </p:sp>
+    </p:spTree>
+    <p:extLst>
+      <p:ext uri="{BB962C8B-B14F-4D97-AF65-F5344CB8AC3E}">
+        <p14:creationId xmlns:p14="http://schemas.microsoft.com/office/powerpoint/2010/main" val="585304384"/>
+      </p:ext>
+    </p:extLst>
+  </p:cSld>
+  <p:clrMapOvr>
+    <a:masterClrMapping/>
+  </p:clrMapOvr>
+</p:notes>
+</file>
+
+<file path=ppt/notesSlides/notesSlide11.xml><?xml version="1.0" encoding="utf-8"?>
+<p:notes xmlns:a="http://schemas.openxmlformats.org/drawingml/2006/main" xmlns:r="http://schemas.openxmlformats.org/officeDocument/2006/relationships" xmlns:p="http://schemas.openxmlformats.org/presentationml/2006/main">
+  <p:cSld>
+    <p:spTree>
+      <p:nvGrpSpPr>
+        <p:cNvPr id="1" name=""/>
+        <p:cNvGrpSpPr/>
+        <p:nvPr/>
+      </p:nvGrpSpPr>
+      <p:grpSpPr>
+        <a:xfrm>
+          <a:off x="0" y="0"/>
+          <a:ext cx="0" cy="0"/>
+          <a:chOff x="0" y="0"/>
+          <a:chExt cx="0" cy="0"/>
+        </a:xfrm>
+      </p:grpSpPr>
+      <p:sp>
+        <p:nvSpPr>
+          <p:cNvPr id="2" name="Espaço Reservado para Imagem de Slide 1"/>
+          <p:cNvSpPr>
+            <a:spLocks noGrp="1" noRot="1" noChangeAspect="1"/>
+          </p:cNvSpPr>
+          <p:nvPr>
+            <p:ph type="sldImg"/>
+          </p:nvPr>
+        </p:nvSpPr>
+        <p:spPr>
+          <a:xfrm>
+            <a:off x="381000" y="685800"/>
+            <a:ext cx="6096000" cy="3429000"/>
+          </a:xfrm>
+        </p:spPr>
+      </p:sp>
+      <p:sp>
+        <p:nvSpPr>
+          <p:cNvPr id="3" name="Espaço Reservado para Anotações 2"/>
+          <p:cNvSpPr>
+            <a:spLocks noGrp="1"/>
+          </p:cNvSpPr>
+          <p:nvPr>
+            <p:ph type="body" idx="1"/>
+          </p:nvPr>
+        </p:nvSpPr>
+        <p:spPr/>
+        <p:txBody>
+          <a:bodyPr/>
+          <a:lstStyle/>
+          <a:p>
+            <a:endParaRPr lang="pt-BR" dirty="0"/>
+          </a:p>
+        </p:txBody>
+      </p:sp>
+    </p:spTree>
+    <p:extLst>
+      <p:ext uri="{BB962C8B-B14F-4D97-AF65-F5344CB8AC3E}">
+        <p14:creationId xmlns:p14="http://schemas.microsoft.com/office/powerpoint/2010/main" val="2709569597"/>
+      </p:ext>
+    </p:extLst>
+  </p:cSld>
+  <p:clrMapOvr>
+    <a:masterClrMapping/>
+  </p:clrMapOvr>
+</p:notes>
+</file>
+
+<file path=ppt/notesSlides/notesSlide12.xml><?xml version="1.0" encoding="utf-8"?>
+<p:notes xmlns:a="http://schemas.openxmlformats.org/drawingml/2006/main" xmlns:r="http://schemas.openxmlformats.org/officeDocument/2006/relationships" xmlns:p="http://schemas.openxmlformats.org/presentationml/2006/main">
+  <p:cSld>
+    <p:spTree>
+      <p:nvGrpSpPr>
+        <p:cNvPr id="1" name=""/>
+        <p:cNvGrpSpPr/>
+        <p:nvPr/>
+      </p:nvGrpSpPr>
+      <p:grpSpPr>
+        <a:xfrm>
+          <a:off x="0" y="0"/>
+          <a:ext cx="0" cy="0"/>
+          <a:chOff x="0" y="0"/>
+          <a:chExt cx="0" cy="0"/>
+        </a:xfrm>
+      </p:grpSpPr>
+      <p:sp>
+        <p:nvSpPr>
+          <p:cNvPr id="2" name="Espaço Reservado para Imagem de Slide 1"/>
+          <p:cNvSpPr>
+            <a:spLocks noGrp="1" noRot="1" noChangeAspect="1"/>
+          </p:cNvSpPr>
+          <p:nvPr>
+            <p:ph type="sldImg"/>
+          </p:nvPr>
+        </p:nvSpPr>
+        <p:spPr>
+          <a:xfrm>
+            <a:off x="381000" y="685800"/>
+            <a:ext cx="6096000" cy="3429000"/>
+          </a:xfrm>
+        </p:spPr>
+      </p:sp>
+      <p:sp>
+        <p:nvSpPr>
+          <p:cNvPr id="3" name="Espaço Reservado para Anotações 2"/>
+          <p:cNvSpPr>
+            <a:spLocks noGrp="1"/>
+          </p:cNvSpPr>
+          <p:nvPr>
+            <p:ph type="body" idx="1"/>
+          </p:nvPr>
+        </p:nvSpPr>
+        <p:spPr/>
+        <p:txBody>
+          <a:bodyPr/>
+          <a:lstStyle/>
+          <a:p>
+            <a:endParaRPr lang="pt-BR" dirty="0"/>
+          </a:p>
+        </p:txBody>
+      </p:sp>
+    </p:spTree>
+    <p:extLst>
+      <p:ext uri="{BB962C8B-B14F-4D97-AF65-F5344CB8AC3E}">
+        <p14:creationId xmlns:p14="http://schemas.microsoft.com/office/powerpoint/2010/main" val="2296249050"/>
+      </p:ext>
+    </p:extLst>
+  </p:cSld>
+  <p:clrMapOvr>
+    <a:masterClrMapping/>
+  </p:clrMapOvr>
+</p:notes>
+</file>
+
+<file path=ppt/notesSlides/notesSlide13.xml><?xml version="1.0" encoding="utf-8"?>
+<p:notes xmlns:a="http://schemas.openxmlformats.org/drawingml/2006/main" xmlns:r="http://schemas.openxmlformats.org/officeDocument/2006/relationships" xmlns:p="http://schemas.openxmlformats.org/presentationml/2006/main">
+  <p:cSld>
+    <p:spTree>
+      <p:nvGrpSpPr>
+        <p:cNvPr id="1" name=""/>
+        <p:cNvGrpSpPr/>
+        <p:nvPr/>
+      </p:nvGrpSpPr>
+      <p:grpSpPr>
+        <a:xfrm>
+          <a:off x="0" y="0"/>
+          <a:ext cx="0" cy="0"/>
+          <a:chOff x="0" y="0"/>
+          <a:chExt cx="0" cy="0"/>
+        </a:xfrm>
+      </p:grpSpPr>
+      <p:sp>
+        <p:nvSpPr>
+          <p:cNvPr id="2" name="Espaço Reservado para Imagem de Slide 1"/>
+          <p:cNvSpPr>
+            <a:spLocks noGrp="1" noRot="1" noChangeAspect="1"/>
+          </p:cNvSpPr>
+          <p:nvPr>
+            <p:ph type="sldImg"/>
+          </p:nvPr>
+        </p:nvSpPr>
+        <p:spPr>
+          <a:xfrm>
+            <a:off x="381000" y="685800"/>
+            <a:ext cx="6096000" cy="3429000"/>
+          </a:xfrm>
+        </p:spPr>
+      </p:sp>
+      <p:sp>
+        <p:nvSpPr>
+          <p:cNvPr id="3" name="Espaço Reservado para Anotações 2"/>
+          <p:cNvSpPr>
+            <a:spLocks noGrp="1"/>
+          </p:cNvSpPr>
+          <p:nvPr>
+            <p:ph type="body" idx="1"/>
+          </p:nvPr>
+        </p:nvSpPr>
+        <p:spPr/>
+        <p:txBody>
+          <a:bodyPr/>
+          <a:lstStyle/>
+          <a:p>
+            <a:endParaRPr lang="pt-BR" dirty="0"/>
+          </a:p>
+        </p:txBody>
+      </p:sp>
+    </p:spTree>
+    <p:extLst>
+      <p:ext uri="{BB962C8B-B14F-4D97-AF65-F5344CB8AC3E}">
+        <p14:creationId xmlns:p14="http://schemas.microsoft.com/office/powerpoint/2010/main" val="4290351292"/>
+      </p:ext>
+    </p:extLst>
+  </p:cSld>
+  <p:clrMapOvr>
+    <a:masterClrMapping/>
+  </p:clrMapOvr>
+</p:notes>
+</file>
+
 <file path=ppt/notesSlides/notesSlide2.xml><?xml version="1.0" encoding="utf-8"?>
 <p:notes xmlns:a="http://schemas.openxmlformats.org/drawingml/2006/main" xmlns:r="http://schemas.openxmlformats.org/officeDocument/2006/relationships" xmlns:p="http://schemas.openxmlformats.org/presentationml/2006/main">
   <p:cSld>
@@ -685,7 +955,7 @@
     </p:spTree>
     <p:extLst>
       <p:ext uri="{BB962C8B-B14F-4D97-AF65-F5344CB8AC3E}">
-        <p14:creationId xmlns:p14="http://schemas.microsoft.com/office/powerpoint/2010/main" val="3850541385"/>
+        <p14:creationId xmlns:p14="http://schemas.microsoft.com/office/powerpoint/2010/main" val="2251879192"/>
       </p:ext>
     </p:extLst>
   </p:cSld>
@@ -751,7 +1021,7 @@
     </p:spTree>
     <p:extLst>
       <p:ext uri="{BB962C8B-B14F-4D97-AF65-F5344CB8AC3E}">
-        <p14:creationId xmlns:p14="http://schemas.microsoft.com/office/powerpoint/2010/main" val="585304384"/>
+        <p14:creationId xmlns:p14="http://schemas.microsoft.com/office/powerpoint/2010/main" val="1627463029"/>
       </p:ext>
     </p:extLst>
   </p:cSld>
@@ -817,7 +1087,7 @@
     </p:spTree>
     <p:extLst>
       <p:ext uri="{BB962C8B-B14F-4D97-AF65-F5344CB8AC3E}">
-        <p14:creationId xmlns:p14="http://schemas.microsoft.com/office/powerpoint/2010/main" val="2709569597"/>
+        <p14:creationId xmlns:p14="http://schemas.microsoft.com/office/powerpoint/2010/main" val="2747689872"/>
       </p:ext>
     </p:extLst>
   </p:cSld>
@@ -883,7 +1153,7 @@
     </p:spTree>
     <p:extLst>
       <p:ext uri="{BB962C8B-B14F-4D97-AF65-F5344CB8AC3E}">
-        <p14:creationId xmlns:p14="http://schemas.microsoft.com/office/powerpoint/2010/main" val="2296249050"/>
+        <p14:creationId xmlns:p14="http://schemas.microsoft.com/office/powerpoint/2010/main" val="1664975094"/>
       </p:ext>
     </p:extLst>
   </p:cSld>
@@ -949,7 +1219,139 @@
     </p:spTree>
     <p:extLst>
       <p:ext uri="{BB962C8B-B14F-4D97-AF65-F5344CB8AC3E}">
-        <p14:creationId xmlns:p14="http://schemas.microsoft.com/office/powerpoint/2010/main" val="4290351292"/>
+        <p14:creationId xmlns:p14="http://schemas.microsoft.com/office/powerpoint/2010/main" val="2917132316"/>
+      </p:ext>
+    </p:extLst>
+  </p:cSld>
+  <p:clrMapOvr>
+    <a:masterClrMapping/>
+  </p:clrMapOvr>
+</p:notes>
+</file>
+
+<file path=ppt/notesSlides/notesSlide8.xml><?xml version="1.0" encoding="utf-8"?>
+<p:notes xmlns:a="http://schemas.openxmlformats.org/drawingml/2006/main" xmlns:r="http://schemas.openxmlformats.org/officeDocument/2006/relationships" xmlns:p="http://schemas.openxmlformats.org/presentationml/2006/main">
+  <p:cSld>
+    <p:spTree>
+      <p:nvGrpSpPr>
+        <p:cNvPr id="1" name=""/>
+        <p:cNvGrpSpPr/>
+        <p:nvPr/>
+      </p:nvGrpSpPr>
+      <p:grpSpPr>
+        <a:xfrm>
+          <a:off x="0" y="0"/>
+          <a:ext cx="0" cy="0"/>
+          <a:chOff x="0" y="0"/>
+          <a:chExt cx="0" cy="0"/>
+        </a:xfrm>
+      </p:grpSpPr>
+      <p:sp>
+        <p:nvSpPr>
+          <p:cNvPr id="2" name="Espaço Reservado para Imagem de Slide 1"/>
+          <p:cNvSpPr>
+            <a:spLocks noGrp="1" noRot="1" noChangeAspect="1"/>
+          </p:cNvSpPr>
+          <p:nvPr>
+            <p:ph type="sldImg"/>
+          </p:nvPr>
+        </p:nvSpPr>
+        <p:spPr>
+          <a:xfrm>
+            <a:off x="381000" y="685800"/>
+            <a:ext cx="6096000" cy="3429000"/>
+          </a:xfrm>
+        </p:spPr>
+      </p:sp>
+      <p:sp>
+        <p:nvSpPr>
+          <p:cNvPr id="3" name="Espaço Reservado para Anotações 2"/>
+          <p:cNvSpPr>
+            <a:spLocks noGrp="1"/>
+          </p:cNvSpPr>
+          <p:nvPr>
+            <p:ph type="body" idx="1"/>
+          </p:nvPr>
+        </p:nvSpPr>
+        <p:spPr/>
+        <p:txBody>
+          <a:bodyPr/>
+          <a:lstStyle/>
+          <a:p>
+            <a:endParaRPr lang="pt-BR" dirty="0"/>
+          </a:p>
+        </p:txBody>
+      </p:sp>
+    </p:spTree>
+    <p:extLst>
+      <p:ext uri="{BB962C8B-B14F-4D97-AF65-F5344CB8AC3E}">
+        <p14:creationId xmlns:p14="http://schemas.microsoft.com/office/powerpoint/2010/main" val="3850541385"/>
+      </p:ext>
+    </p:extLst>
+  </p:cSld>
+  <p:clrMapOvr>
+    <a:masterClrMapping/>
+  </p:clrMapOvr>
+</p:notes>
+</file>
+
+<file path=ppt/notesSlides/notesSlide9.xml><?xml version="1.0" encoding="utf-8"?>
+<p:notes xmlns:a="http://schemas.openxmlformats.org/drawingml/2006/main" xmlns:r="http://schemas.openxmlformats.org/officeDocument/2006/relationships" xmlns:p="http://schemas.openxmlformats.org/presentationml/2006/main">
+  <p:cSld>
+    <p:spTree>
+      <p:nvGrpSpPr>
+        <p:cNvPr id="1" name=""/>
+        <p:cNvGrpSpPr/>
+        <p:nvPr/>
+      </p:nvGrpSpPr>
+      <p:grpSpPr>
+        <a:xfrm>
+          <a:off x="0" y="0"/>
+          <a:ext cx="0" cy="0"/>
+          <a:chOff x="0" y="0"/>
+          <a:chExt cx="0" cy="0"/>
+        </a:xfrm>
+      </p:grpSpPr>
+      <p:sp>
+        <p:nvSpPr>
+          <p:cNvPr id="2" name="Espaço Reservado para Imagem de Slide 1"/>
+          <p:cNvSpPr>
+            <a:spLocks noGrp="1" noRot="1" noChangeAspect="1"/>
+          </p:cNvSpPr>
+          <p:nvPr>
+            <p:ph type="sldImg"/>
+          </p:nvPr>
+        </p:nvSpPr>
+        <p:spPr>
+          <a:xfrm>
+            <a:off x="381000" y="685800"/>
+            <a:ext cx="6096000" cy="3429000"/>
+          </a:xfrm>
+        </p:spPr>
+      </p:sp>
+      <p:sp>
+        <p:nvSpPr>
+          <p:cNvPr id="3" name="Espaço Reservado para Anotações 2"/>
+          <p:cNvSpPr>
+            <a:spLocks noGrp="1"/>
+          </p:cNvSpPr>
+          <p:nvPr>
+            <p:ph type="body" idx="1"/>
+          </p:nvPr>
+        </p:nvSpPr>
+        <p:spPr/>
+        <p:txBody>
+          <a:bodyPr/>
+          <a:lstStyle/>
+          <a:p>
+            <a:endParaRPr lang="pt-BR" dirty="0"/>
+          </a:p>
+        </p:txBody>
+      </p:sp>
+    </p:spTree>
+    <p:extLst>
+      <p:ext uri="{BB962C8B-B14F-4D97-AF65-F5344CB8AC3E}">
+        <p14:creationId xmlns:p14="http://schemas.microsoft.com/office/powerpoint/2010/main" val="4284722111"/>
       </p:ext>
     </p:extLst>
   </p:cSld>
@@ -3896,6 +4298,1644 @@
 </p:sld>
 </file>
 
+<file path=ppt/slides/slide10.xml><?xml version="1.0" encoding="utf-8"?>
+<p:sld xmlns:a="http://schemas.openxmlformats.org/drawingml/2006/main" xmlns:r="http://schemas.openxmlformats.org/officeDocument/2006/relationships" xmlns:p="http://schemas.openxmlformats.org/presentationml/2006/main">
+  <p:cSld>
+    <p:spTree>
+      <p:nvGrpSpPr>
+        <p:cNvPr id="1" name=""/>
+        <p:cNvGrpSpPr/>
+        <p:nvPr/>
+      </p:nvGrpSpPr>
+      <p:grpSpPr>
+        <a:xfrm>
+          <a:off x="0" y="0"/>
+          <a:ext cx="0" cy="0"/>
+          <a:chOff x="0" y="0"/>
+          <a:chExt cx="0" cy="0"/>
+        </a:xfrm>
+      </p:grpSpPr>
+      <p:sp>
+        <p:nvSpPr>
+          <p:cNvPr id="6" name="Title 1"/>
+          <p:cNvSpPr>
+            <a:spLocks noGrp="1"/>
+          </p:cNvSpPr>
+          <p:nvPr>
+            <p:ph type="title"/>
+          </p:nvPr>
+        </p:nvSpPr>
+        <p:spPr>
+          <a:xfrm>
+            <a:off x="457200" y="205980"/>
+            <a:ext cx="8229600" cy="857251"/>
+          </a:xfrm>
+        </p:spPr>
+        <p:txBody>
+          <a:bodyPr>
+            <a:normAutofit/>
+          </a:bodyPr>
+          <a:lstStyle/>
+          <a:p>
+            <a:r>
+              <a:rPr lang="en-US" b="1" dirty="0" err="1">
+                <a:solidFill>
+                  <a:srgbClr val="0070C0"/>
+                </a:solidFill>
+              </a:rPr>
+              <a:t>Microcontrolador</a:t>
+            </a:r>
+            <a:endParaRPr lang="en-US" b="1" dirty="0">
+              <a:solidFill>
+                <a:srgbClr val="0070C0"/>
+              </a:solidFill>
+            </a:endParaRPr>
+          </a:p>
+        </p:txBody>
+      </p:sp>
+      <p:sp>
+        <p:nvSpPr>
+          <p:cNvPr id="8" name="Text Placeholder 2"/>
+          <p:cNvSpPr>
+            <a:spLocks noGrp="1"/>
+          </p:cNvSpPr>
+          <p:nvPr>
+            <p:ph type="body" sz="half" idx="1"/>
+          </p:nvPr>
+        </p:nvSpPr>
+        <p:spPr>
+          <a:xfrm>
+            <a:off x="142865" y="1395222"/>
+            <a:ext cx="8865056" cy="3542298"/>
+          </a:xfrm>
+        </p:spPr>
+        <p:txBody>
+          <a:bodyPr>
+            <a:noAutofit/>
+          </a:bodyPr>
+          <a:lstStyle/>
+          <a:p>
+            <a:pPr marL="0" indent="0" algn="just">
+              <a:buNone/>
+            </a:pPr>
+            <a:endParaRPr lang="pt-BR" sz="2000" dirty="0">
+              <a:solidFill>
+                <a:schemeClr val="tx1"/>
+              </a:solidFill>
+              <a:latin typeface="Times New Roman" panose="02020603050405020304" pitchFamily="18" charset="0"/>
+              <a:cs typeface="Times New Roman" panose="02020603050405020304" pitchFamily="18" charset="0"/>
+            </a:endParaRPr>
+          </a:p>
+          <a:p>
+            <a:pPr marL="0" indent="0" algn="just">
+              <a:buNone/>
+            </a:pPr>
+            <a:endParaRPr lang="pt-BR" sz="2000" dirty="0">
+              <a:solidFill>
+                <a:schemeClr val="tx1"/>
+              </a:solidFill>
+              <a:latin typeface="Times New Roman" panose="02020603050405020304" pitchFamily="18" charset="0"/>
+              <a:cs typeface="Times New Roman" panose="02020603050405020304" pitchFamily="18" charset="0"/>
+            </a:endParaRPr>
+          </a:p>
+          <a:p>
+            <a:pPr marL="0" indent="0" algn="just">
+              <a:buNone/>
+            </a:pPr>
+            <a:r>
+              <a:rPr lang="pt-BR" sz="2000" dirty="0">
+                <a:solidFill>
+                  <a:schemeClr val="tx1"/>
+                </a:solidFill>
+                <a:latin typeface="Times New Roman" panose="02020603050405020304" pitchFamily="18" charset="0"/>
+                <a:cs typeface="Times New Roman" panose="02020603050405020304" pitchFamily="18" charset="0"/>
+              </a:rPr>
+              <a:t>Em síntese, um </a:t>
+            </a:r>
+            <a:r>
+              <a:rPr lang="pt-BR" sz="2000" b="1" dirty="0">
+                <a:solidFill>
+                  <a:schemeClr val="tx1"/>
+                </a:solidFill>
+                <a:latin typeface="Times New Roman" panose="02020603050405020304" pitchFamily="18" charset="0"/>
+                <a:cs typeface="Times New Roman" panose="02020603050405020304" pitchFamily="18" charset="0"/>
+              </a:rPr>
+              <a:t>microcomputador</a:t>
+            </a:r>
+            <a:r>
+              <a:rPr lang="pt-BR" sz="2000" dirty="0">
+                <a:solidFill>
+                  <a:schemeClr val="tx1"/>
+                </a:solidFill>
+                <a:latin typeface="Times New Roman" panose="02020603050405020304" pitchFamily="18" charset="0"/>
+                <a:cs typeface="Times New Roman" panose="02020603050405020304" pitchFamily="18" charset="0"/>
+              </a:rPr>
+              <a:t>, consiste de uma memória RAM, memória não-volátil EEPROM, memória de programa, controladores de E/S digital e analógica (opcional) em torno de uma CPU com um conjunto reduzido de instruções(</a:t>
+            </a:r>
+            <a:r>
+              <a:rPr lang="pt-BR" sz="2000" b="1" dirty="0">
+                <a:solidFill>
+                  <a:schemeClr val="tx1"/>
+                </a:solidFill>
+                <a:latin typeface="Times New Roman" panose="02020603050405020304" pitchFamily="18" charset="0"/>
+                <a:cs typeface="Times New Roman" panose="02020603050405020304" pitchFamily="18" charset="0"/>
+              </a:rPr>
+              <a:t>RISC</a:t>
+            </a:r>
+            <a:r>
+              <a:rPr lang="pt-BR" sz="2000" dirty="0">
+                <a:solidFill>
+                  <a:schemeClr val="tx1"/>
+                </a:solidFill>
+                <a:latin typeface="Times New Roman" panose="02020603050405020304" pitchFamily="18" charset="0"/>
+                <a:cs typeface="Times New Roman" panose="02020603050405020304" pitchFamily="18" charset="0"/>
+              </a:rPr>
+              <a:t>), dentro de um único chip.</a:t>
+            </a:r>
+          </a:p>
+        </p:txBody>
+      </p:sp>
+    </p:spTree>
+    <p:extLst>
+      <p:ext uri="{BB962C8B-B14F-4D97-AF65-F5344CB8AC3E}">
+        <p14:creationId xmlns:p14="http://schemas.microsoft.com/office/powerpoint/2010/main" val="2602017719"/>
+      </p:ext>
+    </p:extLst>
+  </p:cSld>
+  <p:clrMapOvr>
+    <a:masterClrMapping/>
+  </p:clrMapOvr>
+  <p:transition spd="med"/>
+</p:sld>
+</file>
+
+<file path=ppt/slides/slide11.xml><?xml version="1.0" encoding="utf-8"?>
+<p:sld xmlns:a="http://schemas.openxmlformats.org/drawingml/2006/main" xmlns:r="http://schemas.openxmlformats.org/officeDocument/2006/relationships" xmlns:p="http://schemas.openxmlformats.org/presentationml/2006/main">
+  <p:cSld>
+    <p:spTree>
+      <p:nvGrpSpPr>
+        <p:cNvPr id="1" name=""/>
+        <p:cNvGrpSpPr/>
+        <p:nvPr/>
+      </p:nvGrpSpPr>
+      <p:grpSpPr>
+        <a:xfrm>
+          <a:off x="0" y="0"/>
+          <a:ext cx="0" cy="0"/>
+          <a:chOff x="0" y="0"/>
+          <a:chExt cx="0" cy="0"/>
+        </a:xfrm>
+      </p:grpSpPr>
+      <p:sp>
+        <p:nvSpPr>
+          <p:cNvPr id="6" name="Title 1"/>
+          <p:cNvSpPr>
+            <a:spLocks noGrp="1"/>
+          </p:cNvSpPr>
+          <p:nvPr>
+            <p:ph type="title"/>
+          </p:nvPr>
+        </p:nvSpPr>
+        <p:spPr>
+          <a:xfrm>
+            <a:off x="457200" y="205980"/>
+            <a:ext cx="8229600" cy="857251"/>
+          </a:xfrm>
+        </p:spPr>
+        <p:txBody>
+          <a:bodyPr>
+            <a:normAutofit/>
+          </a:bodyPr>
+          <a:lstStyle/>
+          <a:p>
+            <a:r>
+              <a:rPr lang="en-US" b="1" dirty="0" err="1">
+                <a:solidFill>
+                  <a:srgbClr val="0070C0"/>
+                </a:solidFill>
+              </a:rPr>
+              <a:t>Leitura</a:t>
+            </a:r>
+            <a:r>
+              <a:rPr lang="en-US" b="1" dirty="0">
+                <a:solidFill>
+                  <a:srgbClr val="0070C0"/>
+                </a:solidFill>
+              </a:rPr>
+              <a:t> </a:t>
+            </a:r>
+            <a:r>
+              <a:rPr lang="en-US" b="1" dirty="0" err="1">
+                <a:solidFill>
+                  <a:srgbClr val="0070C0"/>
+                </a:solidFill>
+              </a:rPr>
+              <a:t>Específica</a:t>
+            </a:r>
+            <a:endParaRPr lang="en-US" b="1" dirty="0">
+              <a:solidFill>
+                <a:srgbClr val="0070C0"/>
+              </a:solidFill>
+            </a:endParaRPr>
+          </a:p>
+        </p:txBody>
+      </p:sp>
+      <p:sp>
+        <p:nvSpPr>
+          <p:cNvPr id="8" name="Text Placeholder 2"/>
+          <p:cNvSpPr>
+            <a:spLocks noGrp="1"/>
+          </p:cNvSpPr>
+          <p:nvPr>
+            <p:ph type="body" sz="half" idx="1"/>
+          </p:nvPr>
+        </p:nvSpPr>
+        <p:spPr>
+          <a:xfrm>
+            <a:off x="142865" y="1200150"/>
+            <a:ext cx="8865056" cy="3737369"/>
+          </a:xfrm>
+        </p:spPr>
+        <p:txBody>
+          <a:bodyPr>
+            <a:noAutofit/>
+          </a:bodyPr>
+          <a:lstStyle/>
+          <a:p>
+            <a:pPr marL="0" indent="0" algn="just">
+              <a:buNone/>
+            </a:pPr>
+            <a:r>
+              <a:rPr lang="pt-BR" sz="2000" dirty="0">
+                <a:latin typeface="Times New Roman" panose="02020603050405020304" pitchFamily="18" charset="0"/>
+                <a:cs typeface="Times New Roman" panose="02020603050405020304" pitchFamily="18" charset="0"/>
+              </a:rPr>
+              <a:t>[1] </a:t>
+            </a:r>
+            <a:r>
+              <a:rPr lang="pt-BR" sz="2000" b="1" dirty="0">
+                <a:latin typeface="Times New Roman" panose="02020603050405020304" pitchFamily="18" charset="0"/>
+                <a:cs typeface="Times New Roman" panose="02020603050405020304" pitchFamily="18" charset="0"/>
+              </a:rPr>
+              <a:t>7 melhores práticas para quem é iniciante em Arduino.</a:t>
+            </a:r>
+          </a:p>
+          <a:p>
+            <a:pPr marL="0" indent="0" algn="just">
+              <a:buNone/>
+            </a:pPr>
+            <a:r>
+              <a:rPr lang="pt-BR" sz="2000" b="1" dirty="0">
+                <a:solidFill>
+                  <a:srgbClr val="FF0000"/>
+                </a:solidFill>
+                <a:latin typeface="Times New Roman" panose="02020603050405020304" pitchFamily="18" charset="0"/>
+                <a:cs typeface="Times New Roman" panose="02020603050405020304" pitchFamily="18" charset="0"/>
+              </a:rPr>
+              <a:t>Disponível em: </a:t>
+            </a:r>
+            <a:r>
+              <a:rPr lang="pt-BR" sz="2000" dirty="0">
+                <a:latin typeface="Times New Roman" panose="02020603050405020304" pitchFamily="18" charset="0"/>
+                <a:cs typeface="Times New Roman" panose="02020603050405020304" pitchFamily="18" charset="0"/>
+                <a:hlinkClick r:id="rId3"/>
+              </a:rPr>
+              <a:t>https://www.vivaolinux.com.br/artigo/7-melhores-praticas-para-quem-e-iniciante-em-Arduino</a:t>
+            </a:r>
+            <a:r>
+              <a:rPr lang="pt-BR" sz="2000" dirty="0">
+                <a:latin typeface="Times New Roman" panose="02020603050405020304" pitchFamily="18" charset="0"/>
+                <a:cs typeface="Times New Roman" panose="02020603050405020304" pitchFamily="18" charset="0"/>
+              </a:rPr>
+              <a:t> </a:t>
+            </a:r>
+          </a:p>
+          <a:p>
+            <a:pPr marL="0" indent="0" algn="just">
+              <a:buNone/>
+            </a:pPr>
+            <a:endParaRPr lang="pt-BR" sz="2000" dirty="0">
+              <a:latin typeface="Times New Roman" panose="02020603050405020304" pitchFamily="18" charset="0"/>
+              <a:cs typeface="Times New Roman" panose="02020603050405020304" pitchFamily="18" charset="0"/>
+            </a:endParaRPr>
+          </a:p>
+          <a:p>
+            <a:pPr marL="0" indent="0" algn="just">
+              <a:buNone/>
+            </a:pPr>
+            <a:endParaRPr lang="pt-BR" sz="2000" dirty="0">
+              <a:latin typeface="Times New Roman" panose="02020603050405020304" pitchFamily="18" charset="0"/>
+              <a:cs typeface="Times New Roman" panose="02020603050405020304" pitchFamily="18" charset="0"/>
+            </a:endParaRPr>
+          </a:p>
+          <a:p>
+            <a:pPr marL="0" indent="0" algn="just">
+              <a:buNone/>
+            </a:pPr>
+            <a:r>
+              <a:rPr lang="pt-BR" sz="2000" dirty="0">
+                <a:latin typeface="Times New Roman" panose="02020603050405020304" pitchFamily="18" charset="0"/>
+                <a:cs typeface="Times New Roman" panose="02020603050405020304" pitchFamily="18" charset="0"/>
+              </a:rPr>
+              <a:t>[2] </a:t>
+            </a:r>
+            <a:r>
+              <a:rPr lang="en-US" sz="2000" b="1" dirty="0">
+                <a:latin typeface="Times New Roman" panose="02020603050405020304" pitchFamily="18" charset="0"/>
+                <a:cs typeface="Times New Roman" panose="02020603050405020304" pitchFamily="18" charset="0"/>
+              </a:rPr>
+              <a:t>Best practices for selecting the right microcontroller</a:t>
+            </a:r>
+            <a:r>
+              <a:rPr lang="pt-BR" sz="2000" b="1" dirty="0">
+                <a:latin typeface="Times New Roman" panose="02020603050405020304" pitchFamily="18" charset="0"/>
+                <a:cs typeface="Times New Roman" panose="02020603050405020304" pitchFamily="18" charset="0"/>
+              </a:rPr>
+              <a:t>.</a:t>
+            </a:r>
+            <a:endParaRPr lang="pt-BR" sz="2000" dirty="0">
+              <a:latin typeface="Times New Roman" panose="02020603050405020304" pitchFamily="18" charset="0"/>
+              <a:cs typeface="Times New Roman" panose="02020603050405020304" pitchFamily="18" charset="0"/>
+            </a:endParaRPr>
+          </a:p>
+          <a:p>
+            <a:pPr marL="0" indent="0" algn="just">
+              <a:buNone/>
+            </a:pPr>
+            <a:r>
+              <a:rPr lang="pt-BR" sz="2000" b="1" dirty="0">
+                <a:solidFill>
+                  <a:srgbClr val="FF0000"/>
+                </a:solidFill>
+                <a:latin typeface="Times New Roman" panose="02020603050405020304" pitchFamily="18" charset="0"/>
+                <a:cs typeface="Times New Roman" panose="02020603050405020304" pitchFamily="18" charset="0"/>
+              </a:rPr>
+              <a:t>Disponível em: </a:t>
+            </a:r>
+            <a:r>
+              <a:rPr lang="pt-BR" sz="2000" dirty="0">
+                <a:solidFill>
+                  <a:srgbClr val="FF0000"/>
+                </a:solidFill>
+                <a:latin typeface="Times New Roman" panose="02020603050405020304" pitchFamily="18" charset="0"/>
+                <a:cs typeface="Times New Roman" panose="02020603050405020304" pitchFamily="18" charset="0"/>
+                <a:hlinkClick r:id="rId4"/>
+              </a:rPr>
+              <a:t>https://electronics360.globalspec.com/article/16048/best-practices-for-selecting-the-right-microcontroller</a:t>
+            </a:r>
+            <a:r>
+              <a:rPr lang="pt-BR" sz="2000" dirty="0">
+                <a:solidFill>
+                  <a:srgbClr val="FF0000"/>
+                </a:solidFill>
+                <a:latin typeface="Times New Roman" panose="02020603050405020304" pitchFamily="18" charset="0"/>
+                <a:cs typeface="Times New Roman" panose="02020603050405020304" pitchFamily="18" charset="0"/>
+              </a:rPr>
+              <a:t> </a:t>
+            </a:r>
+            <a:endParaRPr lang="pt-BR" sz="2000" dirty="0">
+              <a:latin typeface="Times New Roman" panose="02020603050405020304" pitchFamily="18" charset="0"/>
+              <a:cs typeface="Times New Roman" panose="02020603050405020304" pitchFamily="18" charset="0"/>
+            </a:endParaRPr>
+          </a:p>
+        </p:txBody>
+      </p:sp>
+    </p:spTree>
+    <p:extLst>
+      <p:ext uri="{BB962C8B-B14F-4D97-AF65-F5344CB8AC3E}">
+        <p14:creationId xmlns:p14="http://schemas.microsoft.com/office/powerpoint/2010/main" val="3680270425"/>
+      </p:ext>
+    </p:extLst>
+  </p:cSld>
+  <p:clrMapOvr>
+    <a:masterClrMapping/>
+  </p:clrMapOvr>
+  <p:transition spd="med"/>
+</p:sld>
+</file>
+
+<file path=ppt/slides/slide12.xml><?xml version="1.0" encoding="utf-8"?>
+<p:sld xmlns:a="http://schemas.openxmlformats.org/drawingml/2006/main" xmlns:r="http://schemas.openxmlformats.org/officeDocument/2006/relationships" xmlns:p="http://schemas.openxmlformats.org/presentationml/2006/main">
+  <p:cSld>
+    <p:spTree>
+      <p:nvGrpSpPr>
+        <p:cNvPr id="1" name=""/>
+        <p:cNvGrpSpPr/>
+        <p:nvPr/>
+      </p:nvGrpSpPr>
+      <p:grpSpPr>
+        <a:xfrm>
+          <a:off x="0" y="0"/>
+          <a:ext cx="0" cy="0"/>
+          <a:chOff x="0" y="0"/>
+          <a:chExt cx="0" cy="0"/>
+        </a:xfrm>
+      </p:grpSpPr>
+      <p:sp>
+        <p:nvSpPr>
+          <p:cNvPr id="6" name="Title 1"/>
+          <p:cNvSpPr>
+            <a:spLocks noGrp="1"/>
+          </p:cNvSpPr>
+          <p:nvPr>
+            <p:ph type="title"/>
+          </p:nvPr>
+        </p:nvSpPr>
+        <p:spPr>
+          <a:xfrm>
+            <a:off x="457200" y="205980"/>
+            <a:ext cx="8229600" cy="857251"/>
+          </a:xfrm>
+        </p:spPr>
+        <p:txBody>
+          <a:bodyPr>
+            <a:normAutofit/>
+          </a:bodyPr>
+          <a:lstStyle/>
+          <a:p>
+            <a:r>
+              <a:rPr lang="en-US" b="1" dirty="0" err="1">
+                <a:solidFill>
+                  <a:srgbClr val="0070C0"/>
+                </a:solidFill>
+              </a:rPr>
+              <a:t>Aprenda</a:t>
+            </a:r>
+            <a:r>
+              <a:rPr lang="en-US" b="1" dirty="0">
+                <a:solidFill>
+                  <a:srgbClr val="0070C0"/>
+                </a:solidFill>
+              </a:rPr>
+              <a:t>+</a:t>
+            </a:r>
+          </a:p>
+        </p:txBody>
+      </p:sp>
+      <p:sp>
+        <p:nvSpPr>
+          <p:cNvPr id="8" name="Text Placeholder 2"/>
+          <p:cNvSpPr>
+            <a:spLocks noGrp="1"/>
+          </p:cNvSpPr>
+          <p:nvPr>
+            <p:ph type="body" sz="half" idx="1"/>
+          </p:nvPr>
+        </p:nvSpPr>
+        <p:spPr>
+          <a:xfrm>
+            <a:off x="142865" y="1200150"/>
+            <a:ext cx="8865056" cy="3737370"/>
+          </a:xfrm>
+        </p:spPr>
+        <p:txBody>
+          <a:bodyPr>
+            <a:noAutofit/>
+          </a:bodyPr>
+          <a:lstStyle/>
+          <a:p>
+            <a:pPr marL="0" indent="0" algn="just">
+              <a:buNone/>
+            </a:pPr>
+            <a:r>
+              <a:rPr lang="pt-BR" sz="2000" dirty="0">
+                <a:latin typeface="Times New Roman" panose="02020603050405020304" pitchFamily="18" charset="0"/>
+                <a:cs typeface="Times New Roman" panose="02020603050405020304" pitchFamily="18" charset="0"/>
+              </a:rPr>
+              <a:t>[1] </a:t>
+            </a:r>
+            <a:r>
+              <a:rPr lang="pt-BR" sz="2000" b="1" dirty="0">
+                <a:latin typeface="Times New Roman" panose="02020603050405020304" pitchFamily="18" charset="0"/>
+                <a:cs typeface="Times New Roman" panose="02020603050405020304" pitchFamily="18" charset="0"/>
+              </a:rPr>
+              <a:t>Repositórios a prova de balas para Sistemas Embarcados.</a:t>
+            </a:r>
+            <a:endParaRPr lang="pt-BR" sz="2000" dirty="0">
+              <a:latin typeface="Times New Roman" panose="02020603050405020304" pitchFamily="18" charset="0"/>
+              <a:cs typeface="Times New Roman" panose="02020603050405020304" pitchFamily="18" charset="0"/>
+            </a:endParaRPr>
+          </a:p>
+          <a:p>
+            <a:pPr marL="0" indent="0" algn="just">
+              <a:buNone/>
+            </a:pPr>
+            <a:r>
+              <a:rPr lang="pt-BR" sz="2000" b="1" dirty="0">
+                <a:solidFill>
+                  <a:srgbClr val="FF0000"/>
+                </a:solidFill>
+                <a:latin typeface="Times New Roman" panose="02020603050405020304" pitchFamily="18" charset="0"/>
+                <a:cs typeface="Times New Roman" panose="02020603050405020304" pitchFamily="18" charset="0"/>
+              </a:rPr>
+              <a:t>Disponível em: </a:t>
+            </a:r>
+            <a:r>
+              <a:rPr lang="pt-BR" sz="2000" dirty="0">
+                <a:latin typeface="Times New Roman" panose="02020603050405020304" pitchFamily="18" charset="0"/>
+                <a:cs typeface="Times New Roman" panose="02020603050405020304" pitchFamily="18" charset="0"/>
+                <a:hlinkClick r:id="rId3"/>
+              </a:rPr>
+              <a:t>https://youtu.be/7qfbKlExIlk</a:t>
+            </a:r>
+            <a:r>
+              <a:rPr lang="pt-BR" sz="2000" dirty="0">
+                <a:latin typeface="Times New Roman" panose="02020603050405020304" pitchFamily="18" charset="0"/>
+                <a:cs typeface="Times New Roman" panose="02020603050405020304" pitchFamily="18" charset="0"/>
+              </a:rPr>
+              <a:t> </a:t>
+            </a:r>
+          </a:p>
+          <a:p>
+            <a:pPr marL="0" indent="0" algn="just">
+              <a:buNone/>
+            </a:pPr>
+            <a:endParaRPr lang="pt-BR" sz="2000" dirty="0">
+              <a:latin typeface="Times New Roman" panose="02020603050405020304" pitchFamily="18" charset="0"/>
+              <a:cs typeface="Times New Roman" panose="02020603050405020304" pitchFamily="18" charset="0"/>
+            </a:endParaRPr>
+          </a:p>
+          <a:p>
+            <a:pPr marL="0" indent="0" algn="just">
+              <a:buNone/>
+            </a:pPr>
+            <a:endParaRPr lang="pt-BR" sz="2000" dirty="0">
+              <a:latin typeface="Times New Roman" panose="02020603050405020304" pitchFamily="18" charset="0"/>
+              <a:cs typeface="Times New Roman" panose="02020603050405020304" pitchFamily="18" charset="0"/>
+            </a:endParaRPr>
+          </a:p>
+          <a:p>
+            <a:pPr marL="0" indent="0" algn="just">
+              <a:buNone/>
+            </a:pPr>
+            <a:endParaRPr lang="pt-BR" sz="2000" dirty="0">
+              <a:latin typeface="Times New Roman" panose="02020603050405020304" pitchFamily="18" charset="0"/>
+              <a:cs typeface="Times New Roman" panose="02020603050405020304" pitchFamily="18" charset="0"/>
+            </a:endParaRPr>
+          </a:p>
+          <a:p>
+            <a:pPr marL="0" indent="0" algn="just">
+              <a:buNone/>
+            </a:pPr>
+            <a:r>
+              <a:rPr lang="pt-BR" sz="2000" dirty="0">
+                <a:latin typeface="Times New Roman" panose="02020603050405020304" pitchFamily="18" charset="0"/>
+                <a:cs typeface="Times New Roman" panose="02020603050405020304" pitchFamily="18" charset="0"/>
+              </a:rPr>
+              <a:t>[2] </a:t>
+            </a:r>
+            <a:r>
+              <a:rPr lang="pt-BR" sz="2000" b="1" dirty="0">
+                <a:latin typeface="Times New Roman" panose="02020603050405020304" pitchFamily="18" charset="0"/>
+                <a:cs typeface="Times New Roman" panose="02020603050405020304" pitchFamily="18" charset="0"/>
+              </a:rPr>
+              <a:t>Boas práticas sistemas microcontroladores.</a:t>
+            </a:r>
+            <a:endParaRPr lang="pt-BR" sz="2000" dirty="0">
+              <a:latin typeface="Times New Roman" panose="02020603050405020304" pitchFamily="18" charset="0"/>
+              <a:cs typeface="Times New Roman" panose="02020603050405020304" pitchFamily="18" charset="0"/>
+            </a:endParaRPr>
+          </a:p>
+          <a:p>
+            <a:pPr marL="0" indent="0" algn="just">
+              <a:buNone/>
+            </a:pPr>
+            <a:r>
+              <a:rPr lang="pt-BR" sz="2000" b="1" dirty="0">
+                <a:solidFill>
+                  <a:srgbClr val="FF0000"/>
+                </a:solidFill>
+                <a:latin typeface="Times New Roman" panose="02020603050405020304" pitchFamily="18" charset="0"/>
+                <a:cs typeface="Times New Roman" panose="02020603050405020304" pitchFamily="18" charset="0"/>
+              </a:rPr>
+              <a:t>Disponível em: </a:t>
+            </a:r>
+            <a:r>
+              <a:rPr lang="pt-BR" sz="2000" dirty="0">
+                <a:latin typeface="Times New Roman" panose="02020603050405020304" pitchFamily="18" charset="0"/>
+                <a:cs typeface="Times New Roman" panose="02020603050405020304" pitchFamily="18" charset="0"/>
+                <a:hlinkClick r:id="rId4"/>
+              </a:rPr>
+              <a:t>https://youtu.be/GYAhbYnObLI</a:t>
+            </a:r>
+            <a:r>
+              <a:rPr lang="pt-BR" sz="2000" dirty="0">
+                <a:latin typeface="Times New Roman" panose="02020603050405020304" pitchFamily="18" charset="0"/>
+                <a:cs typeface="Times New Roman" panose="02020603050405020304" pitchFamily="18" charset="0"/>
+              </a:rPr>
+              <a:t> </a:t>
+            </a:r>
+          </a:p>
+        </p:txBody>
+      </p:sp>
+    </p:spTree>
+    <p:extLst>
+      <p:ext uri="{BB962C8B-B14F-4D97-AF65-F5344CB8AC3E}">
+        <p14:creationId xmlns:p14="http://schemas.microsoft.com/office/powerpoint/2010/main" val="2747596967"/>
+      </p:ext>
+    </p:extLst>
+  </p:cSld>
+  <p:clrMapOvr>
+    <a:masterClrMapping/>
+  </p:clrMapOvr>
+  <p:transition spd="med"/>
+</p:sld>
+</file>
+
+<file path=ppt/slides/slide13.xml><?xml version="1.0" encoding="utf-8"?>
+<p:sld xmlns:a="http://schemas.openxmlformats.org/drawingml/2006/main" xmlns:r="http://schemas.openxmlformats.org/officeDocument/2006/relationships" xmlns:p="http://schemas.openxmlformats.org/presentationml/2006/main">
+  <p:cSld>
+    <p:spTree>
+      <p:nvGrpSpPr>
+        <p:cNvPr id="1" name=""/>
+        <p:cNvGrpSpPr/>
+        <p:nvPr/>
+      </p:nvGrpSpPr>
+      <p:grpSpPr>
+        <a:xfrm>
+          <a:off x="0" y="0"/>
+          <a:ext cx="0" cy="0"/>
+          <a:chOff x="0" y="0"/>
+          <a:chExt cx="0" cy="0"/>
+        </a:xfrm>
+      </p:grpSpPr>
+      <p:sp>
+        <p:nvSpPr>
+          <p:cNvPr id="6" name="Title 1"/>
+          <p:cNvSpPr>
+            <a:spLocks noGrp="1"/>
+          </p:cNvSpPr>
+          <p:nvPr>
+            <p:ph type="title"/>
+          </p:nvPr>
+        </p:nvSpPr>
+        <p:spPr>
+          <a:xfrm>
+            <a:off x="457200" y="205980"/>
+            <a:ext cx="8229600" cy="857251"/>
+          </a:xfrm>
+        </p:spPr>
+        <p:txBody>
+          <a:bodyPr>
+            <a:normAutofit/>
+          </a:bodyPr>
+          <a:lstStyle/>
+          <a:p>
+            <a:r>
+              <a:rPr lang="en-US" b="1" dirty="0" err="1">
+                <a:solidFill>
+                  <a:srgbClr val="0070C0"/>
+                </a:solidFill>
+              </a:rPr>
+              <a:t>Dinâmica</a:t>
+            </a:r>
+            <a:r>
+              <a:rPr lang="en-US" b="1" dirty="0">
+                <a:solidFill>
+                  <a:srgbClr val="0070C0"/>
+                </a:solidFill>
+              </a:rPr>
+              <a:t>/</a:t>
+            </a:r>
+            <a:r>
+              <a:rPr lang="en-US" b="1" dirty="0" err="1">
+                <a:solidFill>
+                  <a:srgbClr val="0070C0"/>
+                </a:solidFill>
+              </a:rPr>
+              <a:t>Atividade</a:t>
+            </a:r>
+            <a:r>
+              <a:rPr lang="en-US" b="1" dirty="0">
+                <a:solidFill>
+                  <a:srgbClr val="0070C0"/>
+                </a:solidFill>
+              </a:rPr>
+              <a:t> - </a:t>
+            </a:r>
+            <a:r>
+              <a:rPr lang="en-US" b="1" dirty="0" err="1">
+                <a:solidFill>
+                  <a:srgbClr val="0070C0"/>
+                </a:solidFill>
+              </a:rPr>
+              <a:t>Exercício</a:t>
+            </a:r>
+            <a:endParaRPr lang="en-US" b="1" dirty="0">
+              <a:solidFill>
+                <a:srgbClr val="0070C0"/>
+              </a:solidFill>
+            </a:endParaRPr>
+          </a:p>
+        </p:txBody>
+      </p:sp>
+      <p:sp>
+        <p:nvSpPr>
+          <p:cNvPr id="8" name="Text Placeholder 2"/>
+          <p:cNvSpPr>
+            <a:spLocks noGrp="1"/>
+          </p:cNvSpPr>
+          <p:nvPr>
+            <p:ph type="body" sz="half" idx="1"/>
+          </p:nvPr>
+        </p:nvSpPr>
+        <p:spPr>
+          <a:xfrm>
+            <a:off x="139472" y="1063230"/>
+            <a:ext cx="8865056" cy="3996450"/>
+          </a:xfrm>
+        </p:spPr>
+        <p:txBody>
+          <a:bodyPr>
+            <a:noAutofit/>
+          </a:bodyPr>
+          <a:lstStyle/>
+          <a:p>
+            <a:pPr marL="0" indent="0" algn="just">
+              <a:buNone/>
+            </a:pPr>
+            <a:endParaRPr lang="pt-BR" sz="2000" dirty="0">
+              <a:latin typeface="Times New Roman" panose="02020603050405020304" pitchFamily="18" charset="0"/>
+              <a:cs typeface="Times New Roman" panose="02020603050405020304" pitchFamily="18" charset="0"/>
+            </a:endParaRPr>
+          </a:p>
+          <a:p>
+            <a:pPr marL="0" indent="0" algn="just">
+              <a:buNone/>
+            </a:pPr>
+            <a:r>
+              <a:rPr lang="pt-BR" sz="2000" dirty="0">
+                <a:solidFill>
+                  <a:schemeClr val="tx1"/>
+                </a:solidFill>
+                <a:latin typeface="Times New Roman" panose="02020603050405020304" pitchFamily="18" charset="0"/>
+                <a:cs typeface="Times New Roman" panose="02020603050405020304" pitchFamily="18" charset="0"/>
+              </a:rPr>
+              <a:t>Elaborar, sobre Microcontroladores:</a:t>
+            </a:r>
+          </a:p>
+          <a:p>
+            <a:pPr marL="0" indent="0" algn="just">
+              <a:buNone/>
+            </a:pPr>
+            <a:endParaRPr lang="pt-BR" sz="2000" dirty="0">
+              <a:solidFill>
+                <a:schemeClr val="tx1"/>
+              </a:solidFill>
+              <a:latin typeface="Times New Roman" panose="02020603050405020304" pitchFamily="18" charset="0"/>
+              <a:cs typeface="Times New Roman" panose="02020603050405020304" pitchFamily="18" charset="0"/>
+            </a:endParaRPr>
+          </a:p>
+          <a:p>
+            <a:pPr marL="0" indent="0" algn="just">
+              <a:buNone/>
+            </a:pPr>
+            <a:endParaRPr lang="pt-BR" sz="2000" dirty="0">
+              <a:solidFill>
+                <a:schemeClr val="tx1"/>
+              </a:solidFill>
+              <a:latin typeface="Times New Roman" panose="02020603050405020304" pitchFamily="18" charset="0"/>
+              <a:cs typeface="Times New Roman" panose="02020603050405020304" pitchFamily="18" charset="0"/>
+            </a:endParaRPr>
+          </a:p>
+          <a:p>
+            <a:pPr marL="0" indent="0" algn="just">
+              <a:buNone/>
+            </a:pPr>
+            <a:endParaRPr lang="pt-BR" sz="2000" dirty="0">
+              <a:solidFill>
+                <a:schemeClr val="tx1"/>
+              </a:solidFill>
+              <a:latin typeface="Times New Roman" panose="02020603050405020304" pitchFamily="18" charset="0"/>
+              <a:cs typeface="Times New Roman" panose="02020603050405020304" pitchFamily="18" charset="0"/>
+            </a:endParaRPr>
+          </a:p>
+          <a:p>
+            <a:pPr algn="just">
+              <a:buFont typeface="Wingdings" panose="05000000000000000000" pitchFamily="2" charset="2"/>
+              <a:buChar char="§"/>
+            </a:pPr>
+            <a:r>
+              <a:rPr lang="pt-BR" sz="2000" dirty="0">
+                <a:solidFill>
+                  <a:schemeClr val="tx1"/>
+                </a:solidFill>
+                <a:latin typeface="Times New Roman" panose="02020603050405020304" pitchFamily="18" charset="0"/>
+                <a:cs typeface="Times New Roman" panose="02020603050405020304" pitchFamily="18" charset="0"/>
+              </a:rPr>
+              <a:t>01 </a:t>
+            </a:r>
+            <a:r>
+              <a:rPr lang="pt-BR" sz="2000" b="1" dirty="0">
+                <a:solidFill>
+                  <a:schemeClr val="tx1"/>
+                </a:solidFill>
+                <a:latin typeface="Times New Roman" panose="02020603050405020304" pitchFamily="18" charset="0"/>
+                <a:cs typeface="Times New Roman" panose="02020603050405020304" pitchFamily="18" charset="0"/>
+              </a:rPr>
+              <a:t>resenha de um artigo</a:t>
+            </a:r>
+            <a:endParaRPr lang="pt-BR" sz="2000" dirty="0">
+              <a:latin typeface="Times New Roman" panose="02020603050405020304" pitchFamily="18" charset="0"/>
+              <a:cs typeface="Times New Roman" panose="02020603050405020304" pitchFamily="18" charset="0"/>
+            </a:endParaRPr>
+          </a:p>
+          <a:p>
+            <a:pPr marL="0" indent="0" algn="just">
+              <a:buNone/>
+            </a:pPr>
+            <a:endParaRPr lang="pt-BR" sz="2000" dirty="0">
+              <a:latin typeface="Times New Roman" panose="02020603050405020304" pitchFamily="18" charset="0"/>
+              <a:cs typeface="Times New Roman" panose="02020603050405020304" pitchFamily="18" charset="0"/>
+            </a:endParaRPr>
+          </a:p>
+        </p:txBody>
+      </p:sp>
+    </p:spTree>
+    <p:extLst>
+      <p:ext uri="{BB962C8B-B14F-4D97-AF65-F5344CB8AC3E}">
+        <p14:creationId xmlns:p14="http://schemas.microsoft.com/office/powerpoint/2010/main" val="2470652989"/>
+      </p:ext>
+    </p:extLst>
+  </p:cSld>
+  <p:clrMapOvr>
+    <a:masterClrMapping/>
+  </p:clrMapOvr>
+  <p:transition spd="med"/>
+</p:sld>
+</file>
+
+<file path=ppt/slides/slide14.xml><?xml version="1.0" encoding="utf-8"?>
+<p:sld xmlns:a="http://schemas.openxmlformats.org/drawingml/2006/main" xmlns:r="http://schemas.openxmlformats.org/officeDocument/2006/relationships" xmlns:p="http://schemas.openxmlformats.org/presentationml/2006/main">
+  <p:cSld>
+    <p:spTree>
+      <p:nvGrpSpPr>
+        <p:cNvPr id="1" name=""/>
+        <p:cNvGrpSpPr/>
+        <p:nvPr/>
+      </p:nvGrpSpPr>
+      <p:grpSpPr>
+        <a:xfrm>
+          <a:off x="0" y="0"/>
+          <a:ext cx="0" cy="0"/>
+          <a:chOff x="0" y="0"/>
+          <a:chExt cx="0" cy="0"/>
+        </a:xfrm>
+      </p:grpSpPr>
+      <p:sp>
+        <p:nvSpPr>
+          <p:cNvPr id="6" name="Title 1"/>
+          <p:cNvSpPr>
+            <a:spLocks noGrp="1"/>
+          </p:cNvSpPr>
+          <p:nvPr>
+            <p:ph type="title"/>
+          </p:nvPr>
+        </p:nvSpPr>
+        <p:spPr>
+          <a:xfrm>
+            <a:off x="457200" y="205980"/>
+            <a:ext cx="8229600" cy="857251"/>
+          </a:xfrm>
+        </p:spPr>
+        <p:txBody>
+          <a:bodyPr>
+            <a:normAutofit/>
+          </a:bodyPr>
+          <a:lstStyle/>
+          <a:p>
+            <a:r>
+              <a:rPr lang="en-US" b="1" dirty="0" err="1">
+                <a:solidFill>
+                  <a:srgbClr val="0070C0"/>
+                </a:solidFill>
+              </a:rPr>
+              <a:t>Referências</a:t>
+            </a:r>
+            <a:r>
+              <a:rPr lang="en-US" b="1" dirty="0">
+                <a:solidFill>
+                  <a:srgbClr val="0070C0"/>
+                </a:solidFill>
+              </a:rPr>
+              <a:t> </a:t>
+            </a:r>
+            <a:r>
+              <a:rPr lang="en-US" b="1" dirty="0" err="1">
+                <a:solidFill>
+                  <a:srgbClr val="0070C0"/>
+                </a:solidFill>
+              </a:rPr>
+              <a:t>Bibliográficas</a:t>
+            </a:r>
+            <a:endParaRPr lang="en-US" b="1" dirty="0">
+              <a:solidFill>
+                <a:srgbClr val="0070C0"/>
+              </a:solidFill>
+            </a:endParaRPr>
+          </a:p>
+        </p:txBody>
+      </p:sp>
+      <p:sp>
+        <p:nvSpPr>
+          <p:cNvPr id="8" name="Text Placeholder 2"/>
+          <p:cNvSpPr>
+            <a:spLocks noGrp="1"/>
+          </p:cNvSpPr>
+          <p:nvPr>
+            <p:ph type="body" sz="half" idx="1"/>
+          </p:nvPr>
+        </p:nvSpPr>
+        <p:spPr>
+          <a:xfrm>
+            <a:off x="142865" y="1200150"/>
+            <a:ext cx="8865056" cy="3737369"/>
+          </a:xfrm>
+        </p:spPr>
+        <p:txBody>
+          <a:bodyPr>
+            <a:noAutofit/>
+          </a:bodyPr>
+          <a:lstStyle/>
+          <a:p>
+            <a:pPr marL="0" indent="0" algn="just">
+              <a:buNone/>
+            </a:pPr>
+            <a:r>
+              <a:rPr lang="pt-BR" sz="1800" dirty="0">
+                <a:latin typeface="Calibri" panose="020F0502020204030204" pitchFamily="34" charset="0"/>
+              </a:rPr>
+              <a:t>[1] </a:t>
+            </a:r>
+            <a:r>
+              <a:rPr lang="pt-BR" sz="1800" b="1" dirty="0">
+                <a:latin typeface="Calibri" panose="020F0502020204030204" pitchFamily="34" charset="0"/>
+              </a:rPr>
+              <a:t>OSSADA, Jaime </a:t>
+            </a:r>
+            <a:r>
+              <a:rPr lang="pt-BR" sz="1800" b="1" dirty="0" err="1">
+                <a:latin typeface="Calibri" panose="020F0502020204030204" pitchFamily="34" charset="0"/>
+              </a:rPr>
+              <a:t>Cazuhiro</a:t>
+            </a:r>
+            <a:r>
+              <a:rPr lang="pt-BR" sz="1800" b="1" dirty="0">
+                <a:latin typeface="Calibri" panose="020F0502020204030204" pitchFamily="34" charset="0"/>
+              </a:rPr>
+              <a:t> et al. GERSE</a:t>
+            </a:r>
+            <a:r>
+              <a:rPr lang="pt-BR" sz="1800" dirty="0">
+                <a:latin typeface="Calibri" panose="020F0502020204030204" pitchFamily="34" charset="0"/>
+              </a:rPr>
+              <a:t>: Guia de </a:t>
+            </a:r>
+            <a:r>
+              <a:rPr lang="pt-BR" sz="1800" dirty="0" err="1">
+                <a:latin typeface="Calibri" panose="020F0502020204030204" pitchFamily="34" charset="0"/>
+              </a:rPr>
+              <a:t>Elicitação</a:t>
+            </a:r>
+            <a:r>
+              <a:rPr lang="pt-BR" sz="1800" dirty="0">
+                <a:latin typeface="Calibri" panose="020F0502020204030204" pitchFamily="34" charset="0"/>
+              </a:rPr>
+              <a:t> de Requisitos para Sistemas Embarcados. In: WER. 2012.</a:t>
+            </a:r>
+          </a:p>
+          <a:p>
+            <a:pPr marL="0" indent="0" algn="just">
+              <a:buNone/>
+            </a:pPr>
+            <a:endParaRPr lang="pt-BR" sz="1800" dirty="0">
+              <a:latin typeface="Calibri" panose="020F0502020204030204" pitchFamily="34" charset="0"/>
+            </a:endParaRPr>
+          </a:p>
+          <a:p>
+            <a:pPr marL="0" indent="0" algn="just">
+              <a:buNone/>
+            </a:pPr>
+            <a:r>
+              <a:rPr lang="pt-BR" sz="1800" dirty="0">
+                <a:latin typeface="Calibri" panose="020F0502020204030204" pitchFamily="34" charset="0"/>
+              </a:rPr>
+              <a:t>[2] </a:t>
+            </a:r>
+            <a:r>
+              <a:rPr lang="pt-BR" sz="1800" b="1" dirty="0">
+                <a:latin typeface="Calibri" panose="020F0502020204030204" pitchFamily="34" charset="0"/>
+              </a:rPr>
+              <a:t>BARBIERO, Andréia Aparecida; HEXSEL, Roberto André.</a:t>
+            </a:r>
+            <a:r>
+              <a:rPr lang="pt-BR" sz="1800" dirty="0">
+                <a:latin typeface="Calibri" panose="020F0502020204030204" pitchFamily="34" charset="0"/>
+              </a:rPr>
+              <a:t> </a:t>
+            </a:r>
+            <a:r>
+              <a:rPr lang="pt-BR" sz="1800" dirty="0" err="1">
+                <a:latin typeface="Calibri" panose="020F0502020204030204" pitchFamily="34" charset="0"/>
+              </a:rPr>
+              <a:t>Simulaçao</a:t>
+            </a:r>
+            <a:r>
+              <a:rPr lang="pt-BR" sz="1800" dirty="0">
+                <a:latin typeface="Calibri" panose="020F0502020204030204" pitchFamily="34" charset="0"/>
+              </a:rPr>
+              <a:t> de Sistemas Embarcados utilizando </a:t>
+            </a:r>
+            <a:r>
+              <a:rPr lang="pt-BR" sz="1800" dirty="0" err="1">
+                <a:latin typeface="Calibri" panose="020F0502020204030204" pitchFamily="34" charset="0"/>
+              </a:rPr>
+              <a:t>ArchC</a:t>
+            </a:r>
+            <a:r>
+              <a:rPr lang="pt-BR" sz="1800" dirty="0">
+                <a:latin typeface="Calibri" panose="020F0502020204030204" pitchFamily="34" charset="0"/>
+              </a:rPr>
+              <a:t>. In: Anais do VII Workshop em Sistemas Computacionais de Alto Desempenho. SBC, 2006. p. 17-24.</a:t>
+            </a:r>
+          </a:p>
+          <a:p>
+            <a:pPr marL="0" indent="0" algn="just">
+              <a:buNone/>
+            </a:pPr>
+            <a:endParaRPr lang="pt-BR" sz="1800" dirty="0">
+              <a:latin typeface="Calibri" panose="020F0502020204030204" pitchFamily="34" charset="0"/>
+            </a:endParaRPr>
+          </a:p>
+          <a:p>
+            <a:pPr marL="0" indent="0" algn="just">
+              <a:buNone/>
+            </a:pPr>
+            <a:r>
+              <a:rPr lang="pt-BR" sz="1800" dirty="0">
+                <a:latin typeface="Times New Roman" panose="02020603050405020304" pitchFamily="18" charset="0"/>
+                <a:cs typeface="Times New Roman" panose="02020603050405020304" pitchFamily="18" charset="0"/>
+              </a:rPr>
+              <a:t>[3] </a:t>
+            </a:r>
+            <a:r>
+              <a:rPr lang="pt-BR" sz="1800" b="1" dirty="0">
+                <a:latin typeface="Times New Roman" panose="02020603050405020304" pitchFamily="18" charset="0"/>
+                <a:cs typeface="Times New Roman" panose="02020603050405020304" pitchFamily="18" charset="0"/>
+              </a:rPr>
+              <a:t>CUNHA, Alessandro F</a:t>
+            </a:r>
+            <a:r>
+              <a:rPr lang="pt-BR" sz="1800" dirty="0">
+                <a:latin typeface="Times New Roman" panose="02020603050405020304" pitchFamily="18" charset="0"/>
+                <a:cs typeface="Times New Roman" panose="02020603050405020304" pitchFamily="18" charset="0"/>
+              </a:rPr>
+              <a:t>. O que são sistemas embarcados. Saber Eletrônica, v. 43, n. 414, p. 1-6, 2007.</a:t>
+            </a:r>
+          </a:p>
+          <a:p>
+            <a:pPr marL="0" indent="0" algn="just">
+              <a:buNone/>
+            </a:pPr>
+            <a:endParaRPr lang="pt-BR" sz="1800" dirty="0">
+              <a:latin typeface="Times New Roman" panose="02020603050405020304" pitchFamily="18" charset="0"/>
+              <a:cs typeface="Times New Roman" panose="02020603050405020304" pitchFamily="18" charset="0"/>
+            </a:endParaRPr>
+          </a:p>
+          <a:p>
+            <a:pPr marL="0" indent="0" algn="just">
+              <a:buNone/>
+            </a:pPr>
+            <a:r>
+              <a:rPr lang="pt-BR" sz="1800" dirty="0">
+                <a:latin typeface="Times New Roman" panose="02020603050405020304" pitchFamily="18" charset="0"/>
+                <a:cs typeface="Times New Roman" panose="02020603050405020304" pitchFamily="18" charset="0"/>
+              </a:rPr>
+              <a:t>[4] </a:t>
+            </a:r>
+            <a:r>
+              <a:rPr lang="pt-BR" sz="1800" b="1" dirty="0">
+                <a:latin typeface="Times New Roman" panose="02020603050405020304" pitchFamily="18" charset="0"/>
+                <a:cs typeface="Times New Roman" panose="02020603050405020304" pitchFamily="18" charset="0"/>
+              </a:rPr>
+              <a:t>OSSADA, Jaime </a:t>
+            </a:r>
+            <a:r>
+              <a:rPr lang="pt-BR" sz="1800" b="1" dirty="0" err="1">
+                <a:latin typeface="Times New Roman" panose="02020603050405020304" pitchFamily="18" charset="0"/>
+                <a:cs typeface="Times New Roman" panose="02020603050405020304" pitchFamily="18" charset="0"/>
+              </a:rPr>
+              <a:t>Cazuhiro</a:t>
+            </a:r>
+            <a:r>
+              <a:rPr lang="pt-BR" sz="1800" b="1" dirty="0">
+                <a:latin typeface="Times New Roman" panose="02020603050405020304" pitchFamily="18" charset="0"/>
+                <a:cs typeface="Times New Roman" panose="02020603050405020304" pitchFamily="18" charset="0"/>
+              </a:rPr>
+              <a:t> et al. GERSE</a:t>
+            </a:r>
+            <a:r>
+              <a:rPr lang="pt-BR" sz="1800" dirty="0">
+                <a:latin typeface="Times New Roman" panose="02020603050405020304" pitchFamily="18" charset="0"/>
+                <a:cs typeface="Times New Roman" panose="02020603050405020304" pitchFamily="18" charset="0"/>
+              </a:rPr>
+              <a:t>: Guia de </a:t>
+            </a:r>
+            <a:r>
+              <a:rPr lang="pt-BR" sz="1800" dirty="0" err="1">
+                <a:latin typeface="Times New Roman" panose="02020603050405020304" pitchFamily="18" charset="0"/>
+                <a:cs typeface="Times New Roman" panose="02020603050405020304" pitchFamily="18" charset="0"/>
+              </a:rPr>
+              <a:t>Elicitação</a:t>
+            </a:r>
+            <a:r>
+              <a:rPr lang="pt-BR" sz="1800" dirty="0">
+                <a:latin typeface="Times New Roman" panose="02020603050405020304" pitchFamily="18" charset="0"/>
+                <a:cs typeface="Times New Roman" panose="02020603050405020304" pitchFamily="18" charset="0"/>
+              </a:rPr>
+              <a:t> de Requisitos para Sistemas Embarcados. In: WER. 2012.</a:t>
+            </a:r>
+          </a:p>
+          <a:p>
+            <a:pPr marL="0" indent="0" algn="just">
+              <a:buNone/>
+            </a:pPr>
+            <a:endParaRPr lang="pt-BR" sz="1800" dirty="0">
+              <a:latin typeface="Times New Roman" panose="02020603050405020304" pitchFamily="18" charset="0"/>
+              <a:cs typeface="Times New Roman" panose="02020603050405020304" pitchFamily="18" charset="0"/>
+            </a:endParaRPr>
+          </a:p>
+        </p:txBody>
+      </p:sp>
+    </p:spTree>
+    <p:extLst>
+      <p:ext uri="{BB962C8B-B14F-4D97-AF65-F5344CB8AC3E}">
+        <p14:creationId xmlns:p14="http://schemas.microsoft.com/office/powerpoint/2010/main" val="1115311843"/>
+      </p:ext>
+    </p:extLst>
+  </p:cSld>
+  <p:clrMapOvr>
+    <a:masterClrMapping/>
+  </p:clrMapOvr>
+  <p:transition spd="med"/>
+</p:sld>
+</file>
+
+<file path=ppt/slides/slide15.xml><?xml version="1.0" encoding="utf-8"?>
+<p:sld xmlns:a="http://schemas.openxmlformats.org/drawingml/2006/main" xmlns:r="http://schemas.openxmlformats.org/officeDocument/2006/relationships" xmlns:p="http://schemas.openxmlformats.org/presentationml/2006/main">
+  <p:cSld>
+    <p:spTree>
+      <p:nvGrpSpPr>
+        <p:cNvPr id="1" name=""/>
+        <p:cNvGrpSpPr/>
+        <p:nvPr/>
+      </p:nvGrpSpPr>
+      <p:grpSpPr>
+        <a:xfrm>
+          <a:off x="0" y="0"/>
+          <a:ext cx="0" cy="0"/>
+          <a:chOff x="0" y="0"/>
+          <a:chExt cx="0" cy="0"/>
+        </a:xfrm>
+      </p:grpSpPr>
+      <p:pic>
+        <p:nvPicPr>
+          <p:cNvPr id="112" name="Picture 6" descr="Picture 6"/>
+          <p:cNvPicPr>
+            <a:picLocks noChangeAspect="1"/>
+          </p:cNvPicPr>
+          <p:nvPr/>
+        </p:nvPicPr>
+        <p:blipFill>
+          <a:blip r:embed="rId2"/>
+          <a:stretch>
+            <a:fillRect/>
+          </a:stretch>
+        </p:blipFill>
+        <p:spPr>
+          <a:xfrm>
+            <a:off x="0" y="0"/>
+            <a:ext cx="9144000" cy="5143500"/>
+          </a:xfrm>
+          <a:prstGeom prst="rect">
+            <a:avLst/>
+          </a:prstGeom>
+          <a:ln w="12700">
+            <a:miter lim="400000"/>
+            <a:headEnd/>
+            <a:tailEnd/>
+          </a:ln>
+        </p:spPr>
+      </p:pic>
+      <p:pic>
+        <p:nvPicPr>
+          <p:cNvPr id="114" name="Picture 5" descr="Picture 5"/>
+          <p:cNvPicPr>
+            <a:picLocks noChangeAspect="1"/>
+          </p:cNvPicPr>
+          <p:nvPr/>
+        </p:nvPicPr>
+        <p:blipFill>
+          <a:blip r:embed="rId3"/>
+          <a:stretch>
+            <a:fillRect/>
+          </a:stretch>
+        </p:blipFill>
+        <p:spPr>
+          <a:xfrm>
+            <a:off x="469900" y="0"/>
+            <a:ext cx="4391984" cy="171450"/>
+          </a:xfrm>
+          <a:prstGeom prst="rect">
+            <a:avLst/>
+          </a:prstGeom>
+          <a:ln w="12700">
+            <a:miter lim="400000"/>
+            <a:headEnd/>
+            <a:tailEnd/>
+          </a:ln>
+        </p:spPr>
+      </p:pic>
+      <p:sp>
+        <p:nvSpPr>
+          <p:cNvPr id="3" name="Título 2"/>
+          <p:cNvSpPr>
+            <a:spLocks noGrp="1"/>
+          </p:cNvSpPr>
+          <p:nvPr>
+            <p:ph type="title"/>
+          </p:nvPr>
+        </p:nvSpPr>
+        <p:spPr>
+          <a:xfrm>
+            <a:off x="285751" y="2386770"/>
+            <a:ext cx="8615364" cy="1102519"/>
+          </a:xfrm>
+        </p:spPr>
+        <p:txBody>
+          <a:bodyPr>
+            <a:noAutofit/>
+          </a:bodyPr>
+          <a:lstStyle/>
+          <a:p>
+            <a:r>
+              <a:rPr lang="pt-BR" sz="4800" b="1" dirty="0">
+                <a:solidFill>
+                  <a:schemeClr val="bg1"/>
+                </a:solidFill>
+              </a:rPr>
+              <a:t>Programação Microcontroladores</a:t>
+            </a:r>
+          </a:p>
+        </p:txBody>
+      </p:sp>
+      <p:sp>
+        <p:nvSpPr>
+          <p:cNvPr id="6" name="Título 2"/>
+          <p:cNvSpPr txBox="1"/>
+          <p:nvPr/>
+        </p:nvSpPr>
+        <p:spPr>
+          <a:xfrm>
+            <a:off x="975683" y="3866663"/>
+            <a:ext cx="7772400" cy="1102519"/>
+          </a:xfrm>
+          <a:prstGeom prst="rect">
+            <a:avLst/>
+          </a:prstGeom>
+          <a:ln w="12700">
+            <a:miter lim="400000"/>
+          </a:ln>
+        </p:spPr>
+        <p:txBody>
+          <a:bodyPr lIns="45718" tIns="45718" rIns="45718" bIns="45718" anchor="ctr">
+            <a:noAutofit/>
+          </a:bodyPr>
+          <a:lstStyle>
+            <a:lvl1pPr marL="0" marR="0" indent="0" algn="ctr" defTabSz="457200" rtl="0" latinLnBrk="0">
+              <a:lnSpc>
+                <a:spcPct val="100000"/>
+              </a:lnSpc>
+              <a:spcBef>
+                <a:spcPts val="0"/>
+              </a:spcBef>
+              <a:spcAft>
+                <a:spcPts val="0"/>
+              </a:spcAft>
+              <a:buClrTx/>
+              <a:buSzTx/>
+              <a:buFontTx/>
+              <a:buNone/>
+              <a:defRPr sz="4400" b="0" i="0" u="none" strike="noStrike" cap="none" spc="0" baseline="0">
+                <a:ln>
+                  <a:noFill/>
+                </a:ln>
+                <a:solidFill>
+                  <a:srgbClr val="000000"/>
+                </a:solidFill>
+                <a:uFillTx/>
+                <a:latin typeface="+mj-lt"/>
+                <a:ea typeface="+mj-ea"/>
+                <a:cs typeface="+mj-cs"/>
+                <a:sym typeface="Calibri"/>
+              </a:defRPr>
+            </a:lvl1pPr>
+            <a:lvl2pPr marL="0" marR="0" indent="0" algn="ctr" defTabSz="457200" rtl="0" latinLnBrk="0">
+              <a:lnSpc>
+                <a:spcPct val="100000"/>
+              </a:lnSpc>
+              <a:spcBef>
+                <a:spcPts val="0"/>
+              </a:spcBef>
+              <a:spcAft>
+                <a:spcPts val="0"/>
+              </a:spcAft>
+              <a:buClrTx/>
+              <a:buSzTx/>
+              <a:buFontTx/>
+              <a:buNone/>
+              <a:defRPr sz="4400" b="0" i="0" u="none" strike="noStrike" cap="none" spc="0" baseline="0">
+                <a:ln>
+                  <a:noFill/>
+                </a:ln>
+                <a:solidFill>
+                  <a:srgbClr val="000000"/>
+                </a:solidFill>
+                <a:uFillTx/>
+                <a:latin typeface="+mj-lt"/>
+                <a:ea typeface="+mj-ea"/>
+                <a:cs typeface="+mj-cs"/>
+                <a:sym typeface="Calibri"/>
+              </a:defRPr>
+            </a:lvl2pPr>
+            <a:lvl3pPr marL="0" marR="0" indent="0" algn="ctr" defTabSz="457200" rtl="0" latinLnBrk="0">
+              <a:lnSpc>
+                <a:spcPct val="100000"/>
+              </a:lnSpc>
+              <a:spcBef>
+                <a:spcPts val="0"/>
+              </a:spcBef>
+              <a:spcAft>
+                <a:spcPts val="0"/>
+              </a:spcAft>
+              <a:buClrTx/>
+              <a:buSzTx/>
+              <a:buFontTx/>
+              <a:buNone/>
+              <a:defRPr sz="4400" b="0" i="0" u="none" strike="noStrike" cap="none" spc="0" baseline="0">
+                <a:ln>
+                  <a:noFill/>
+                </a:ln>
+                <a:solidFill>
+                  <a:srgbClr val="000000"/>
+                </a:solidFill>
+                <a:uFillTx/>
+                <a:latin typeface="+mj-lt"/>
+                <a:ea typeface="+mj-ea"/>
+                <a:cs typeface="+mj-cs"/>
+                <a:sym typeface="Calibri"/>
+              </a:defRPr>
+            </a:lvl3pPr>
+            <a:lvl4pPr marL="0" marR="0" indent="0" algn="ctr" defTabSz="457200" rtl="0" latinLnBrk="0">
+              <a:lnSpc>
+                <a:spcPct val="100000"/>
+              </a:lnSpc>
+              <a:spcBef>
+                <a:spcPts val="0"/>
+              </a:spcBef>
+              <a:spcAft>
+                <a:spcPts val="0"/>
+              </a:spcAft>
+              <a:buClrTx/>
+              <a:buSzTx/>
+              <a:buFontTx/>
+              <a:buNone/>
+              <a:defRPr sz="4400" b="0" i="0" u="none" strike="noStrike" cap="none" spc="0" baseline="0">
+                <a:ln>
+                  <a:noFill/>
+                </a:ln>
+                <a:solidFill>
+                  <a:srgbClr val="000000"/>
+                </a:solidFill>
+                <a:uFillTx/>
+                <a:latin typeface="+mj-lt"/>
+                <a:ea typeface="+mj-ea"/>
+                <a:cs typeface="+mj-cs"/>
+                <a:sym typeface="Calibri"/>
+              </a:defRPr>
+            </a:lvl4pPr>
+            <a:lvl5pPr marL="0" marR="0" indent="0" algn="ctr" defTabSz="457200" rtl="0" latinLnBrk="0">
+              <a:lnSpc>
+                <a:spcPct val="100000"/>
+              </a:lnSpc>
+              <a:spcBef>
+                <a:spcPts val="0"/>
+              </a:spcBef>
+              <a:spcAft>
+                <a:spcPts val="0"/>
+              </a:spcAft>
+              <a:buClrTx/>
+              <a:buSzTx/>
+              <a:buFontTx/>
+              <a:buNone/>
+              <a:defRPr sz="4400" b="0" i="0" u="none" strike="noStrike" cap="none" spc="0" baseline="0">
+                <a:ln>
+                  <a:noFill/>
+                </a:ln>
+                <a:solidFill>
+                  <a:srgbClr val="000000"/>
+                </a:solidFill>
+                <a:uFillTx/>
+                <a:latin typeface="+mj-lt"/>
+                <a:ea typeface="+mj-ea"/>
+                <a:cs typeface="+mj-cs"/>
+                <a:sym typeface="Calibri"/>
+              </a:defRPr>
+            </a:lvl5pPr>
+            <a:lvl6pPr marL="0" marR="0" indent="0" algn="ctr" defTabSz="457200" rtl="0" latinLnBrk="0">
+              <a:lnSpc>
+                <a:spcPct val="100000"/>
+              </a:lnSpc>
+              <a:spcBef>
+                <a:spcPts val="0"/>
+              </a:spcBef>
+              <a:spcAft>
+                <a:spcPts val="0"/>
+              </a:spcAft>
+              <a:buClrTx/>
+              <a:buSzTx/>
+              <a:buFontTx/>
+              <a:buNone/>
+              <a:defRPr sz="4400" b="0" i="0" u="none" strike="noStrike" cap="none" spc="0" baseline="0">
+                <a:ln>
+                  <a:noFill/>
+                </a:ln>
+                <a:solidFill>
+                  <a:srgbClr val="000000"/>
+                </a:solidFill>
+                <a:uFillTx/>
+                <a:latin typeface="+mj-lt"/>
+                <a:ea typeface="+mj-ea"/>
+                <a:cs typeface="+mj-cs"/>
+                <a:sym typeface="Calibri"/>
+              </a:defRPr>
+            </a:lvl6pPr>
+            <a:lvl7pPr marL="0" marR="0" indent="0" algn="ctr" defTabSz="457200" rtl="0" latinLnBrk="0">
+              <a:lnSpc>
+                <a:spcPct val="100000"/>
+              </a:lnSpc>
+              <a:spcBef>
+                <a:spcPts val="0"/>
+              </a:spcBef>
+              <a:spcAft>
+                <a:spcPts val="0"/>
+              </a:spcAft>
+              <a:buClrTx/>
+              <a:buSzTx/>
+              <a:buFontTx/>
+              <a:buNone/>
+              <a:defRPr sz="4400" b="0" i="0" u="none" strike="noStrike" cap="none" spc="0" baseline="0">
+                <a:ln>
+                  <a:noFill/>
+                </a:ln>
+                <a:solidFill>
+                  <a:srgbClr val="000000"/>
+                </a:solidFill>
+                <a:uFillTx/>
+                <a:latin typeface="+mj-lt"/>
+                <a:ea typeface="+mj-ea"/>
+                <a:cs typeface="+mj-cs"/>
+                <a:sym typeface="Calibri"/>
+              </a:defRPr>
+            </a:lvl7pPr>
+            <a:lvl8pPr marL="0" marR="0" indent="0" algn="ctr" defTabSz="457200" rtl="0" latinLnBrk="0">
+              <a:lnSpc>
+                <a:spcPct val="100000"/>
+              </a:lnSpc>
+              <a:spcBef>
+                <a:spcPts val="0"/>
+              </a:spcBef>
+              <a:spcAft>
+                <a:spcPts val="0"/>
+              </a:spcAft>
+              <a:buClrTx/>
+              <a:buSzTx/>
+              <a:buFontTx/>
+              <a:buNone/>
+              <a:defRPr sz="4400" b="0" i="0" u="none" strike="noStrike" cap="none" spc="0" baseline="0">
+                <a:ln>
+                  <a:noFill/>
+                </a:ln>
+                <a:solidFill>
+                  <a:srgbClr val="000000"/>
+                </a:solidFill>
+                <a:uFillTx/>
+                <a:latin typeface="+mj-lt"/>
+                <a:ea typeface="+mj-ea"/>
+                <a:cs typeface="+mj-cs"/>
+                <a:sym typeface="Calibri"/>
+              </a:defRPr>
+            </a:lvl8pPr>
+            <a:lvl9pPr marL="0" marR="0" indent="0" algn="ctr" defTabSz="457200" rtl="0" latinLnBrk="0">
+              <a:lnSpc>
+                <a:spcPct val="100000"/>
+              </a:lnSpc>
+              <a:spcBef>
+                <a:spcPts val="0"/>
+              </a:spcBef>
+              <a:spcAft>
+                <a:spcPts val="0"/>
+              </a:spcAft>
+              <a:buClrTx/>
+              <a:buSzTx/>
+              <a:buFontTx/>
+              <a:buNone/>
+              <a:defRPr sz="4400" b="0" i="0" u="none" strike="noStrike" cap="none" spc="0" baseline="0">
+                <a:ln>
+                  <a:noFill/>
+                </a:ln>
+                <a:solidFill>
+                  <a:srgbClr val="000000"/>
+                </a:solidFill>
+                <a:uFillTx/>
+                <a:latin typeface="+mj-lt"/>
+                <a:ea typeface="+mj-ea"/>
+                <a:cs typeface="+mj-cs"/>
+                <a:sym typeface="Calibri"/>
+              </a:defRPr>
+            </a:lvl9pPr>
+          </a:lstStyle>
+          <a:p>
+            <a:pPr algn="r" hangingPunct="1"/>
+            <a:r>
+              <a:rPr lang="pt-BR" sz="2000" b="1" dirty="0">
+                <a:solidFill>
+                  <a:schemeClr val="bg1"/>
+                </a:solidFill>
+              </a:rPr>
+              <a:t>Professor </a:t>
+            </a:r>
+            <a:r>
+              <a:rPr lang="pt-BR" sz="2000" b="1">
+                <a:solidFill>
+                  <a:schemeClr val="bg1"/>
+                </a:solidFill>
+              </a:rPr>
+              <a:t>M.Sc</a:t>
+            </a:r>
+            <a:r>
+              <a:rPr lang="pt-BR" sz="2000" b="1" dirty="0">
+                <a:solidFill>
+                  <a:schemeClr val="bg1"/>
+                </a:solidFill>
+              </a:rPr>
+              <a:t>. Heleno Cardoso</a:t>
+            </a:r>
+          </a:p>
+        </p:txBody>
+      </p:sp>
+      <p:pic>
+        <p:nvPicPr>
+          <p:cNvPr id="2" name="Google Shape;62;p1" descr="Imagem">
+            <a:extLst>
+              <a:ext uri="{FF2B5EF4-FFF2-40B4-BE49-F238E27FC236}">
+                <a16:creationId xmlns:a16="http://schemas.microsoft.com/office/drawing/2014/main" id="{9C895622-2963-024D-634E-EA58F5381D06}"/>
+              </a:ext>
+            </a:extLst>
+          </p:cNvPr>
+          <p:cNvPicPr preferRelativeResize="0"/>
+          <p:nvPr/>
+        </p:nvPicPr>
+        <p:blipFill rotWithShape="1">
+          <a:blip r:embed="rId4">
+            <a:alphaModFix/>
+          </a:blip>
+          <a:srcRect/>
+          <a:stretch/>
+        </p:blipFill>
+        <p:spPr>
+          <a:xfrm>
+            <a:off x="469898" y="343798"/>
+            <a:ext cx="2858518" cy="1338697"/>
+          </a:xfrm>
+          <a:prstGeom prst="rect">
+            <a:avLst/>
+          </a:prstGeom>
+          <a:noFill/>
+          <a:ln>
+            <a:noFill/>
+          </a:ln>
+        </p:spPr>
+      </p:pic>
+    </p:spTree>
+  </p:cSld>
+  <p:clrMapOvr>
+    <a:masterClrMapping/>
+  </p:clrMapOvr>
+  <p:transition spd="med"/>
+</p:sld>
+</file>
+
 <file path=ppt/slides/slide2.xml><?xml version="1.0" encoding="utf-8"?>
 <p:sld xmlns:a="http://schemas.openxmlformats.org/drawingml/2006/main" xmlns:r="http://schemas.openxmlformats.org/officeDocument/2006/relationships" xmlns:p="http://schemas.openxmlformats.org/presentationml/2006/main">
   <p:cSld>
@@ -4030,7 +6070,7 @@
                   <a:schemeClr val="bg1"/>
                 </a:solidFill>
               </a:rPr>
-              <a:t>Projetos com Microcontroladores</a:t>
+              <a:t>Projetos com Microcontroladores – Boas Práticas</a:t>
             </a:r>
           </a:p>
         </p:txBody>
@@ -4489,8 +6529,8 @@
         </p:nvSpPr>
         <p:spPr>
           <a:xfrm>
-            <a:off x="142865" y="1395222"/>
-            <a:ext cx="8865056" cy="3542298"/>
+            <a:off x="142865" y="1224534"/>
+            <a:ext cx="8865056" cy="3712986"/>
           </a:xfrm>
         </p:spPr>
         <p:txBody>
@@ -4510,7 +6550,140 @@
                 <a:latin typeface="Times New Roman" panose="02020603050405020304" pitchFamily="18" charset="0"/>
                 <a:cs typeface="Times New Roman" panose="02020603050405020304" pitchFamily="18" charset="0"/>
               </a:rPr>
-              <a:t>5.3 BOAS PRÁTICAS DE PROGRAMAÇÃO PARA O DESENVOLVIMENTO DO SOFTWARE EMBARCADO NOS MICROCONTROLADORES</a:t>
+              <a:t>Ao escolher um microcontrolador é interessante fazer uma simulação do uso dos pinos desse componente.</a:t>
+            </a:r>
+          </a:p>
+          <a:p>
+            <a:pPr marL="0" indent="0" algn="just">
+              <a:buNone/>
+            </a:pPr>
+            <a:endParaRPr lang="pt-BR" sz="2000" dirty="0">
+              <a:solidFill>
+                <a:schemeClr val="tx1"/>
+              </a:solidFill>
+              <a:latin typeface="Times New Roman" panose="02020603050405020304" pitchFamily="18" charset="0"/>
+              <a:cs typeface="Times New Roman" panose="02020603050405020304" pitchFamily="18" charset="0"/>
+            </a:endParaRPr>
+          </a:p>
+          <a:p>
+            <a:pPr marL="0" indent="0" algn="just">
+              <a:buNone/>
+            </a:pPr>
+            <a:r>
+              <a:rPr lang="pt-BR" sz="2000" b="1" dirty="0">
+                <a:solidFill>
+                  <a:schemeClr val="tx1"/>
+                </a:solidFill>
+                <a:latin typeface="Times New Roman" panose="02020603050405020304" pitchFamily="18" charset="0"/>
+                <a:cs typeface="Times New Roman" panose="02020603050405020304" pitchFamily="18" charset="0"/>
+              </a:rPr>
+              <a:t>É fundamental levar em consideração</a:t>
+            </a:r>
+            <a:r>
+              <a:rPr lang="pt-BR" sz="2000" dirty="0">
+                <a:solidFill>
+                  <a:schemeClr val="tx1"/>
+                </a:solidFill>
+                <a:latin typeface="Times New Roman" panose="02020603050405020304" pitchFamily="18" charset="0"/>
+                <a:cs typeface="Times New Roman" panose="02020603050405020304" pitchFamily="18" charset="0"/>
+              </a:rPr>
+              <a:t>:</a:t>
+            </a:r>
+          </a:p>
+          <a:p>
+            <a:pPr algn="just">
+              <a:buFont typeface="Wingdings" panose="05000000000000000000" pitchFamily="2" charset="2"/>
+              <a:buChar char="§"/>
+            </a:pPr>
+            <a:r>
+              <a:rPr lang="pt-BR" sz="2000" dirty="0">
+                <a:solidFill>
+                  <a:schemeClr val="tx1"/>
+                </a:solidFill>
+                <a:latin typeface="Times New Roman" panose="02020603050405020304" pitchFamily="18" charset="0"/>
+                <a:cs typeface="Times New Roman" panose="02020603050405020304" pitchFamily="18" charset="0"/>
+              </a:rPr>
+              <a:t>Arquitetura.</a:t>
+            </a:r>
+          </a:p>
+          <a:p>
+            <a:pPr algn="just">
+              <a:buFont typeface="Wingdings" panose="05000000000000000000" pitchFamily="2" charset="2"/>
+              <a:buChar char="§"/>
+            </a:pPr>
+            <a:r>
+              <a:rPr lang="pt-BR" sz="2000" dirty="0">
+                <a:solidFill>
+                  <a:schemeClr val="tx1"/>
+                </a:solidFill>
+                <a:latin typeface="Times New Roman" panose="02020603050405020304" pitchFamily="18" charset="0"/>
+                <a:cs typeface="Times New Roman" panose="02020603050405020304" pitchFamily="18" charset="0"/>
+              </a:rPr>
+              <a:t>Consumo, caso o projeto demande baixo consumo ou seja móvel.</a:t>
+            </a:r>
+          </a:p>
+          <a:p>
+            <a:pPr algn="just">
+              <a:buFont typeface="Wingdings" panose="05000000000000000000" pitchFamily="2" charset="2"/>
+              <a:buChar char="§"/>
+            </a:pPr>
+            <a:r>
+              <a:rPr lang="pt-BR" sz="2000" dirty="0">
+                <a:solidFill>
+                  <a:schemeClr val="tx1"/>
+                </a:solidFill>
+                <a:latin typeface="Times New Roman" panose="02020603050405020304" pitchFamily="18" charset="0"/>
+                <a:cs typeface="Times New Roman" panose="02020603050405020304" pitchFamily="18" charset="0"/>
+              </a:rPr>
+              <a:t>Periféricos.</a:t>
+            </a:r>
+          </a:p>
+          <a:p>
+            <a:pPr algn="just">
+              <a:buFont typeface="Wingdings" panose="05000000000000000000" pitchFamily="2" charset="2"/>
+              <a:buChar char="§"/>
+            </a:pPr>
+            <a:r>
+              <a:rPr lang="pt-BR" sz="2000" dirty="0">
+                <a:solidFill>
+                  <a:schemeClr val="tx1"/>
+                </a:solidFill>
+                <a:latin typeface="Times New Roman" panose="02020603050405020304" pitchFamily="18" charset="0"/>
+                <a:cs typeface="Times New Roman" panose="02020603050405020304" pitchFamily="18" charset="0"/>
+              </a:rPr>
+              <a:t>Velocidade e capacidade de processamento.</a:t>
+            </a:r>
+          </a:p>
+          <a:p>
+            <a:pPr algn="just">
+              <a:buFont typeface="Wingdings" panose="05000000000000000000" pitchFamily="2" charset="2"/>
+              <a:buChar char="§"/>
+            </a:pPr>
+            <a:r>
+              <a:rPr lang="pt-BR" sz="2000" dirty="0">
+                <a:solidFill>
+                  <a:schemeClr val="tx1"/>
+                </a:solidFill>
+                <a:latin typeface="Times New Roman" panose="02020603050405020304" pitchFamily="18" charset="0"/>
+                <a:cs typeface="Times New Roman" panose="02020603050405020304" pitchFamily="18" charset="0"/>
+              </a:rPr>
+              <a:t>Tamanho e encapsulamento.</a:t>
+            </a:r>
+          </a:p>
+          <a:p>
+            <a:pPr algn="just">
+              <a:buFont typeface="Wingdings" panose="05000000000000000000" pitchFamily="2" charset="2"/>
+              <a:buChar char="§"/>
+            </a:pPr>
+            <a:r>
+              <a:rPr lang="pt-BR" sz="2000" dirty="0">
+                <a:solidFill>
+                  <a:schemeClr val="tx1"/>
+                </a:solidFill>
+                <a:latin typeface="Times New Roman" panose="02020603050405020304" pitchFamily="18" charset="0"/>
+                <a:cs typeface="Times New Roman" panose="02020603050405020304" pitchFamily="18" charset="0"/>
+              </a:rPr>
+              <a:t>Escalabilidade.</a:t>
             </a:r>
           </a:p>
         </p:txBody>
@@ -4564,17 +6737,25 @@
         </p:spPr>
         <p:txBody>
           <a:bodyPr>
-            <a:normAutofit/>
+            <a:normAutofit fontScale="90000"/>
           </a:bodyPr>
           <a:lstStyle/>
           <a:p>
             <a:r>
+              <a:rPr lang="en-US" b="1" dirty="0">
+                <a:solidFill>
+                  <a:srgbClr val="0070C0"/>
+                </a:solidFill>
+              </a:rPr>
+              <a:t>Boas </a:t>
+            </a:r>
+            <a:r>
               <a:rPr lang="en-US" b="1" dirty="0" err="1">
                 <a:solidFill>
                   <a:srgbClr val="0070C0"/>
                 </a:solidFill>
               </a:rPr>
-              <a:t>Microcontroladores</a:t>
+              <a:t>Práticas</a:t>
             </a:r>
             <a:r>
               <a:rPr lang="en-US" b="1" dirty="0">
@@ -4582,8 +6763,37 @@
                   <a:srgbClr val="0070C0"/>
                 </a:solidFill>
               </a:rPr>
-              <a:t> – Wi-fi IoT</a:t>
-            </a:r>
+              <a:t> – </a:t>
+            </a:r>
+            <a:r>
+              <a:rPr lang="en-US" b="1" dirty="0" err="1">
+                <a:solidFill>
+                  <a:srgbClr val="0070C0"/>
+                </a:solidFill>
+              </a:rPr>
+              <a:t>Softwares</a:t>
+            </a:r>
+            <a:r>
+              <a:rPr lang="en-US" b="1" dirty="0">
+                <a:solidFill>
+                  <a:srgbClr val="0070C0"/>
+                </a:solidFill>
+              </a:rPr>
+              <a:t> </a:t>
+            </a:r>
+            <a:r>
+              <a:rPr lang="en-US" b="1" dirty="0" err="1">
+                <a:solidFill>
+                  <a:srgbClr val="0070C0"/>
+                </a:solidFill>
+              </a:rPr>
+              <a:t>Embarcados</a:t>
+            </a:r>
+            <a:endParaRPr lang="en-US" b="1" dirty="0">
+              <a:solidFill>
+                <a:srgbClr val="0070C0"/>
+              </a:solidFill>
+            </a:endParaRPr>
           </a:p>
         </p:txBody>
       </p:sp>
@@ -4599,8 +6809,8 @@
         </p:nvSpPr>
         <p:spPr>
           <a:xfrm>
-            <a:off x="142865" y="1395222"/>
-            <a:ext cx="8865056" cy="3542298"/>
+            <a:off x="142865" y="1151382"/>
+            <a:ext cx="8865056" cy="3786138"/>
           </a:xfrm>
         </p:spPr>
         <p:txBody>
@@ -4620,7 +6830,74 @@
                 <a:latin typeface="Times New Roman" panose="02020603050405020304" pitchFamily="18" charset="0"/>
                 <a:cs typeface="Times New Roman" panose="02020603050405020304" pitchFamily="18" charset="0"/>
               </a:rPr>
-              <a:t>5.4 MICROCONTROLADORES PARA PROJETOS DE COMUNICAÇÃO SEM FIO E INTERNET DAS COISAS (</a:t>
+              <a:t>É preciso ter </a:t>
+            </a:r>
+            <a:r>
+              <a:rPr lang="pt-BR" sz="2000" b="1" dirty="0">
+                <a:solidFill>
+                  <a:schemeClr val="tx1"/>
+                </a:solidFill>
+                <a:latin typeface="Times New Roman" panose="02020603050405020304" pitchFamily="18" charset="0"/>
+                <a:cs typeface="Times New Roman" panose="02020603050405020304" pitchFamily="18" charset="0"/>
+              </a:rPr>
+              <a:t>conhecimentos de informática, engenharia de software e eletrônica </a:t>
+            </a:r>
+            <a:r>
+              <a:rPr lang="pt-BR" sz="2000" dirty="0">
+                <a:solidFill>
+                  <a:schemeClr val="tx1"/>
+                </a:solidFill>
+                <a:latin typeface="Times New Roman" panose="02020603050405020304" pitchFamily="18" charset="0"/>
+                <a:cs typeface="Times New Roman" panose="02020603050405020304" pitchFamily="18" charset="0"/>
+              </a:rPr>
+              <a:t>para desenvolver sistemas embarcados.</a:t>
+            </a:r>
+          </a:p>
+          <a:p>
+            <a:pPr marL="0" indent="0" algn="just">
+              <a:buNone/>
+            </a:pPr>
+            <a:endParaRPr lang="pt-BR" sz="2000" dirty="0">
+              <a:solidFill>
+                <a:schemeClr val="tx1"/>
+              </a:solidFill>
+              <a:latin typeface="Times New Roman" panose="02020603050405020304" pitchFamily="18" charset="0"/>
+              <a:cs typeface="Times New Roman" panose="02020603050405020304" pitchFamily="18" charset="0"/>
+            </a:endParaRPr>
+          </a:p>
+          <a:p>
+            <a:pPr marL="0" indent="0" algn="just">
+              <a:buNone/>
+            </a:pPr>
+            <a:r>
+              <a:rPr lang="pt-BR" sz="2000" dirty="0">
+                <a:solidFill>
+                  <a:schemeClr val="tx1"/>
+                </a:solidFill>
+                <a:latin typeface="Times New Roman" panose="02020603050405020304" pitchFamily="18" charset="0"/>
+                <a:cs typeface="Times New Roman" panose="02020603050405020304" pitchFamily="18" charset="0"/>
+              </a:rPr>
+              <a:t>Existem diversos </a:t>
+            </a:r>
+            <a:r>
+              <a:rPr lang="pt-BR" sz="2000" b="1" dirty="0">
+                <a:solidFill>
+                  <a:schemeClr val="tx1"/>
+                </a:solidFill>
+                <a:latin typeface="Times New Roman" panose="02020603050405020304" pitchFamily="18" charset="0"/>
+                <a:cs typeface="Times New Roman" panose="02020603050405020304" pitchFamily="18" charset="0"/>
+              </a:rPr>
+              <a:t>padrões arquiteturais </a:t>
+            </a:r>
+            <a:r>
+              <a:rPr lang="pt-BR" sz="2000" dirty="0">
+                <a:solidFill>
+                  <a:schemeClr val="tx1"/>
+                </a:solidFill>
+                <a:latin typeface="Times New Roman" panose="02020603050405020304" pitchFamily="18" charset="0"/>
+                <a:cs typeface="Times New Roman" panose="02020603050405020304" pitchFamily="18" charset="0"/>
+              </a:rPr>
+              <a:t>(abstração de dados e organização orientada a objetos ou eventos, repositórios, sistemas distribuídos, </a:t>
             </a:r>
             <a:r>
               <a:rPr lang="pt-BR" sz="2000" dirty="0" err="1">
@@ -4630,7 +6907,7 @@
                 <a:latin typeface="Times New Roman" panose="02020603050405020304" pitchFamily="18" charset="0"/>
                 <a:cs typeface="Times New Roman" panose="02020603050405020304" pitchFamily="18" charset="0"/>
               </a:rPr>
-              <a:t>IoT</a:t>
+              <a:t>etc</a:t>
             </a:r>
             <a:r>
               <a:rPr lang="pt-BR" sz="2000" dirty="0">
@@ -4640,15 +6917,64 @@
                 <a:latin typeface="Times New Roman" panose="02020603050405020304" pitchFamily="18" charset="0"/>
                 <a:cs typeface="Times New Roman" panose="02020603050405020304" pitchFamily="18" charset="0"/>
               </a:rPr>
-              <a:t>)</a:t>
-            </a:r>
+              <a:t>), mas um dos mais utilizados em sistemas embarcados é o de sistema em camadas.</a:t>
+            </a:r>
+          </a:p>
+          <a:p>
+            <a:pPr marL="0" indent="0" algn="just">
+              <a:buNone/>
+            </a:pPr>
+            <a:endParaRPr lang="pt-BR" sz="2000" dirty="0">
+              <a:solidFill>
+                <a:schemeClr val="tx1"/>
+              </a:solidFill>
+              <a:latin typeface="Times New Roman" panose="02020603050405020304" pitchFamily="18" charset="0"/>
+              <a:cs typeface="Times New Roman" panose="02020603050405020304" pitchFamily="18" charset="0"/>
+            </a:endParaRPr>
+          </a:p>
+          <a:p>
+            <a:pPr marL="0" indent="0" algn="just">
+              <a:buNone/>
+            </a:pPr>
+            <a:r>
+              <a:rPr lang="pt-BR" sz="2000" b="1" dirty="0">
+                <a:solidFill>
+                  <a:schemeClr val="tx1"/>
+                </a:solidFill>
+                <a:latin typeface="Times New Roman" panose="02020603050405020304" pitchFamily="18" charset="0"/>
+                <a:cs typeface="Times New Roman" panose="02020603050405020304" pitchFamily="18" charset="0"/>
+              </a:rPr>
+              <a:t>Dividir o software em módulos </a:t>
+            </a:r>
+            <a:r>
+              <a:rPr lang="pt-BR" sz="2000" dirty="0">
+                <a:solidFill>
+                  <a:schemeClr val="tx1"/>
+                </a:solidFill>
+                <a:latin typeface="Times New Roman" panose="02020603050405020304" pitchFamily="18" charset="0"/>
+                <a:cs typeface="Times New Roman" panose="02020603050405020304" pitchFamily="18" charset="0"/>
+              </a:rPr>
+              <a:t>ajuda a reduzir a complexidade. Os módulos devem ser pequenos, conter operações relacionadas (alta coesão), baixa dependência (baixo acoplamento), esconder detalhes de implementação, não serem complexos e permitir composição para formar sistemas maiores. </a:t>
+            </a:r>
+          </a:p>
+          <a:p>
+            <a:pPr marL="0" indent="0" algn="just">
+              <a:buNone/>
+            </a:pPr>
+            <a:endParaRPr lang="pt-BR" sz="2000" dirty="0">
+              <a:solidFill>
+                <a:schemeClr val="tx1"/>
+              </a:solidFill>
+              <a:latin typeface="Times New Roman" panose="02020603050405020304" pitchFamily="18" charset="0"/>
+              <a:cs typeface="Times New Roman" panose="02020603050405020304" pitchFamily="18" charset="0"/>
+            </a:endParaRPr>
           </a:p>
         </p:txBody>
       </p:sp>
     </p:spTree>
     <p:extLst>
       <p:ext uri="{BB962C8B-B14F-4D97-AF65-F5344CB8AC3E}">
-        <p14:creationId xmlns:p14="http://schemas.microsoft.com/office/powerpoint/2010/main" val="3228031410"/>
+        <p14:creationId xmlns:p14="http://schemas.microsoft.com/office/powerpoint/2010/main" val="3530831385"/>
       </p:ext>
     </p:extLst>
   </p:cSld>
@@ -4694,17 +7020,25 @@
         </p:spPr>
         <p:txBody>
           <a:bodyPr>
-            <a:normAutofit/>
+            <a:normAutofit fontScale="90000"/>
           </a:bodyPr>
           <a:lstStyle/>
           <a:p>
             <a:r>
+              <a:rPr lang="en-US" b="1" dirty="0">
+                <a:solidFill>
+                  <a:srgbClr val="0070C0"/>
+                </a:solidFill>
+              </a:rPr>
+              <a:t>Boas </a:t>
+            </a:r>
+            <a:r>
               <a:rPr lang="en-US" b="1" dirty="0" err="1">
                 <a:solidFill>
                   <a:srgbClr val="0070C0"/>
                 </a:solidFill>
               </a:rPr>
-              <a:t>Leitura</a:t>
+              <a:t>Práticas</a:t>
             </a:r>
             <a:r>
               <a:rPr lang="en-US" b="1" dirty="0">
@@ -4712,6 +7046,22 @@
                   <a:srgbClr val="0070C0"/>
                 </a:solidFill>
               </a:rPr>
+              <a:t> – </a:t>
+            </a:r>
+            <a:r>
+              <a:rPr lang="en-US" b="1" dirty="0" err="1">
+                <a:solidFill>
+                  <a:srgbClr val="0070C0"/>
+                </a:solidFill>
+              </a:rPr>
+              <a:t>Softwares</a:t>
+            </a:r>
+            <a:r>
+              <a:rPr lang="en-US" b="1" dirty="0">
+                <a:solidFill>
+                  <a:srgbClr val="0070C0"/>
+                </a:solidFill>
+              </a:rPr>
               <a:t> </a:t>
             </a:r>
             <a:r>
@@ -4720,7 +7070,7 @@
                   <a:srgbClr val="0070C0"/>
                 </a:solidFill>
               </a:rPr>
-              <a:t>Específica</a:t>
+              <a:t>Embarcados</a:t>
             </a:r>
             <a:endParaRPr lang="en-US" b="1" dirty="0">
               <a:solidFill>
@@ -4742,8 +7092,8 @@
         </p:nvSpPr>
         <p:spPr>
           <a:xfrm>
-            <a:off x="142865" y="1200150"/>
-            <a:ext cx="8865056" cy="3737369"/>
+            <a:off x="142865" y="1395222"/>
+            <a:ext cx="8865056" cy="3542298"/>
           </a:xfrm>
         </p:spPr>
         <p:txBody>
@@ -4756,117 +7106,138 @@
               <a:buNone/>
             </a:pPr>
             <a:r>
-              <a:rPr lang="pt-BR" sz="2000" dirty="0">
-                <a:latin typeface="Times New Roman" panose="02020603050405020304" pitchFamily="18" charset="0"/>
-                <a:cs typeface="Times New Roman" panose="02020603050405020304" pitchFamily="18" charset="0"/>
-              </a:rPr>
-              <a:t>[1] Sistemas Embarcados.</a:t>
-            </a:r>
-          </a:p>
-          <a:p>
-            <a:pPr marL="0" indent="0" algn="just">
-              <a:buNone/>
-            </a:pPr>
-            <a:r>
               <a:rPr lang="pt-BR" sz="2000" b="1" dirty="0">
                 <a:solidFill>
-                  <a:srgbClr val="FF0000"/>
-                </a:solidFill>
-                <a:latin typeface="Times New Roman" panose="02020603050405020304" pitchFamily="18" charset="0"/>
-                <a:cs typeface="Times New Roman" panose="02020603050405020304" pitchFamily="18" charset="0"/>
-              </a:rPr>
-              <a:t>Disponível em: </a:t>
-            </a:r>
-            <a:r>
-              <a:rPr lang="pt-BR" sz="2000" dirty="0">
-                <a:latin typeface="Times New Roman" panose="02020603050405020304" pitchFamily="18" charset="0"/>
-                <a:cs typeface="Times New Roman" panose="02020603050405020304" pitchFamily="18" charset="0"/>
-                <a:hlinkClick r:id="rId3"/>
-              </a:rPr>
-              <a:t>https://files.comunidades.net/mutcom/ARTIGO_SIST_EMB.pdf</a:t>
-            </a:r>
-            <a:endParaRPr lang="pt-BR" sz="2000" dirty="0">
-              <a:latin typeface="Times New Roman" panose="02020603050405020304" pitchFamily="18" charset="0"/>
-              <a:cs typeface="Times New Roman" panose="02020603050405020304" pitchFamily="18" charset="0"/>
-            </a:endParaRPr>
+                  <a:schemeClr val="tx1"/>
+                </a:solidFill>
+                <a:latin typeface="Times New Roman" panose="02020603050405020304" pitchFamily="18" charset="0"/>
+                <a:cs typeface="Times New Roman" panose="02020603050405020304" pitchFamily="18" charset="0"/>
+              </a:rPr>
+              <a:t>Boas práticas em C</a:t>
+            </a:r>
           </a:p>
           <a:p>
             <a:pPr marL="0" indent="0" algn="just">
               <a:buNone/>
             </a:pPr>
             <a:endParaRPr lang="pt-BR" sz="2000" dirty="0">
+              <a:solidFill>
+                <a:schemeClr val="tx1"/>
+              </a:solidFill>
               <a:latin typeface="Times New Roman" panose="02020603050405020304" pitchFamily="18" charset="0"/>
               <a:cs typeface="Times New Roman" panose="02020603050405020304" pitchFamily="18" charset="0"/>
             </a:endParaRPr>
           </a:p>
           <a:p>
-            <a:pPr marL="0" indent="0" algn="just">
-              <a:buNone/>
+            <a:pPr algn="just">
+              <a:buFont typeface="Wingdings" panose="05000000000000000000" pitchFamily="2" charset="2"/>
+              <a:buChar char="§"/>
             </a:pPr>
-            <a:endParaRPr lang="pt-BR" sz="2000" dirty="0">
-              <a:latin typeface="Times New Roman" panose="02020603050405020304" pitchFamily="18" charset="0"/>
-              <a:cs typeface="Times New Roman" panose="02020603050405020304" pitchFamily="18" charset="0"/>
-            </a:endParaRPr>
-          </a:p>
-          <a:p>
-            <a:pPr marL="0" indent="0" algn="just">
-              <a:buNone/>
+            <a:r>
+              <a:rPr lang="pt-BR" sz="2000" dirty="0">
+                <a:solidFill>
+                  <a:schemeClr val="tx1"/>
+                </a:solidFill>
+                <a:latin typeface="Times New Roman" panose="02020603050405020304" pitchFamily="18" charset="0"/>
+                <a:cs typeface="Times New Roman" panose="02020603050405020304" pitchFamily="18" charset="0"/>
+              </a:rPr>
+              <a:t>Sempre inicialize as variáveis antes de utilizá-las;</a:t>
+            </a:r>
+          </a:p>
+          <a:p>
+            <a:pPr algn="just">
+              <a:buFont typeface="Wingdings" panose="05000000000000000000" pitchFamily="2" charset="2"/>
+              <a:buChar char="§"/>
             </a:pPr>
             <a:r>
               <a:rPr lang="pt-BR" sz="2000" dirty="0">
-                <a:latin typeface="Times New Roman" panose="02020603050405020304" pitchFamily="18" charset="0"/>
-                <a:cs typeface="Times New Roman" panose="02020603050405020304" pitchFamily="18" charset="0"/>
-              </a:rPr>
-              <a:t>[2] </a:t>
+                <a:solidFill>
+                  <a:schemeClr val="tx1"/>
+                </a:solidFill>
+                <a:latin typeface="Times New Roman" panose="02020603050405020304" pitchFamily="18" charset="0"/>
+                <a:cs typeface="Times New Roman" panose="02020603050405020304" pitchFamily="18" charset="0"/>
+              </a:rPr>
+              <a:t>Trate todos os </a:t>
             </a:r>
             <a:r>
               <a:rPr lang="pt-BR" sz="2000" dirty="0" err="1">
-                <a:latin typeface="Times New Roman" panose="02020603050405020304" pitchFamily="18" charset="0"/>
-                <a:cs typeface="Times New Roman" panose="02020603050405020304" pitchFamily="18" charset="0"/>
-              </a:rPr>
-              <a:t>Elicitação</a:t>
+                <a:solidFill>
+                  <a:schemeClr val="tx1"/>
+                </a:solidFill>
+                <a:latin typeface="Times New Roman" panose="02020603050405020304" pitchFamily="18" charset="0"/>
+                <a:cs typeface="Times New Roman" panose="02020603050405020304" pitchFamily="18" charset="0"/>
+              </a:rPr>
+              <a:t>warnings</a:t>
             </a:r>
             <a:r>
               <a:rPr lang="pt-BR" sz="2000" dirty="0">
-                <a:latin typeface="Times New Roman" panose="02020603050405020304" pitchFamily="18" charset="0"/>
-                <a:cs typeface="Times New Roman" panose="02020603050405020304" pitchFamily="18" charset="0"/>
-              </a:rPr>
-              <a:t> e Especificação de Requisitos Sistemas Embarcados. </a:t>
-            </a:r>
-          </a:p>
-          <a:p>
-            <a:pPr marL="0" indent="0" algn="just">
-              <a:buNone/>
+                <a:solidFill>
+                  <a:schemeClr val="tx1"/>
+                </a:solidFill>
+                <a:latin typeface="Times New Roman" panose="02020603050405020304" pitchFamily="18" charset="0"/>
+                <a:cs typeface="Times New Roman" panose="02020603050405020304" pitchFamily="18" charset="0"/>
+              </a:rPr>
+              <a:t> do compilador, eles significam que o código, apesar de sintaticamente correto, pode gerar problemas;</a:t>
+            </a:r>
+          </a:p>
+          <a:p>
+            <a:pPr algn="just">
+              <a:buFont typeface="Wingdings" panose="05000000000000000000" pitchFamily="2" charset="2"/>
+              <a:buChar char="§"/>
             </a:pPr>
             <a:r>
-              <a:rPr lang="pt-BR" sz="2000" b="1" dirty="0">
-                <a:solidFill>
-                  <a:srgbClr val="FF0000"/>
-                </a:solidFill>
-                <a:latin typeface="Times New Roman" panose="02020603050405020304" pitchFamily="18" charset="0"/>
-                <a:cs typeface="Times New Roman" panose="02020603050405020304" pitchFamily="18" charset="0"/>
-              </a:rPr>
-              <a:t>Disponível em: </a:t>
-            </a:r>
-            <a:r>
               <a:rPr lang="pt-BR" sz="2000" dirty="0">
-                <a:latin typeface="Times New Roman" panose="02020603050405020304" pitchFamily="18" charset="0"/>
-                <a:cs typeface="Times New Roman" panose="02020603050405020304" pitchFamily="18" charset="0"/>
-                <a:hlinkClick r:id="rId4"/>
-              </a:rPr>
-              <a:t>https://eventos.spc.org.pe/cibse2015/pdfs/07_WER15.pdf</a:t>
-            </a:r>
-            <a:endParaRPr lang="pt-BR" sz="2000" dirty="0">
-              <a:latin typeface="Times New Roman" panose="02020603050405020304" pitchFamily="18" charset="0"/>
-              <a:cs typeface="Times New Roman" panose="02020603050405020304" pitchFamily="18" charset="0"/>
-            </a:endParaRPr>
+                <a:solidFill>
+                  <a:schemeClr val="tx1"/>
+                </a:solidFill>
+                <a:latin typeface="Times New Roman" panose="02020603050405020304" pitchFamily="18" charset="0"/>
+                <a:cs typeface="Times New Roman" panose="02020603050405020304" pitchFamily="18" charset="0"/>
+              </a:rPr>
+              <a:t>Use sempre </a:t>
+            </a:r>
+            <a:r>
+              <a:rPr lang="pt-BR" sz="2000" dirty="0" err="1">
+                <a:solidFill>
+                  <a:schemeClr val="tx1"/>
+                </a:solidFill>
+                <a:latin typeface="Times New Roman" panose="02020603050405020304" pitchFamily="18" charset="0"/>
+                <a:cs typeface="Times New Roman" panose="02020603050405020304" pitchFamily="18" charset="0"/>
+              </a:rPr>
+              <a:t>pré</a:t>
+            </a:r>
+            <a:r>
+              <a:rPr lang="pt-BR" sz="2000" dirty="0">
+                <a:solidFill>
+                  <a:schemeClr val="tx1"/>
+                </a:solidFill>
+                <a:latin typeface="Times New Roman" panose="02020603050405020304" pitchFamily="18" charset="0"/>
+                <a:cs typeface="Times New Roman" panose="02020603050405020304" pitchFamily="18" charset="0"/>
+              </a:rPr>
+              <a:t> e pós-verificação em todas as funções, para garantir a integridade dos dados de entrada e saída;</a:t>
+            </a:r>
+          </a:p>
+          <a:p>
+            <a:pPr algn="just">
+              <a:buFont typeface="Wingdings" panose="05000000000000000000" pitchFamily="2" charset="2"/>
+              <a:buChar char="§"/>
+            </a:pPr>
+            <a:r>
+              <a:rPr lang="pt-BR" sz="2000" dirty="0">
+                <a:solidFill>
+                  <a:schemeClr val="tx1"/>
+                </a:solidFill>
+                <a:latin typeface="Times New Roman" panose="02020603050405020304" pitchFamily="18" charset="0"/>
+                <a:cs typeface="Times New Roman" panose="02020603050405020304" pitchFamily="18" charset="0"/>
+              </a:rPr>
+              <a:t>Evite o uso de variáveis globais. Use uma nomenclatura específica para esse tipo de variável para facilitar sua identificação no programa (estilo de código);</a:t>
+            </a:r>
           </a:p>
         </p:txBody>
       </p:sp>
     </p:spTree>
     <p:extLst>
       <p:ext uri="{BB962C8B-B14F-4D97-AF65-F5344CB8AC3E}">
-        <p14:creationId xmlns:p14="http://schemas.microsoft.com/office/powerpoint/2010/main" val="3680270425"/>
+        <p14:creationId xmlns:p14="http://schemas.microsoft.com/office/powerpoint/2010/main" val="4242265975"/>
       </p:ext>
     </p:extLst>
   </p:cSld>
@@ -4912,17 +7283,25 @@
         </p:spPr>
         <p:txBody>
           <a:bodyPr>
-            <a:normAutofit/>
+            <a:normAutofit fontScale="90000"/>
           </a:bodyPr>
           <a:lstStyle/>
           <a:p>
             <a:r>
+              <a:rPr lang="en-US" b="1" dirty="0">
+                <a:solidFill>
+                  <a:srgbClr val="0070C0"/>
+                </a:solidFill>
+              </a:rPr>
+              <a:t>Boas </a:t>
+            </a:r>
+            <a:r>
               <a:rPr lang="en-US" b="1" dirty="0" err="1">
                 <a:solidFill>
                   <a:srgbClr val="0070C0"/>
                 </a:solidFill>
               </a:rPr>
-              <a:t>Aprenda</a:t>
+              <a:t>Práticas</a:t>
             </a:r>
             <a:r>
               <a:rPr lang="en-US" b="1" dirty="0">
@@ -4930,8 +7309,37 @@
                   <a:srgbClr val="0070C0"/>
                 </a:solidFill>
               </a:rPr>
-              <a:t>+</a:t>
-            </a:r>
+              <a:t> – </a:t>
+            </a:r>
+            <a:r>
+              <a:rPr lang="en-US" b="1" dirty="0" err="1">
+                <a:solidFill>
+                  <a:srgbClr val="0070C0"/>
+                </a:solidFill>
+              </a:rPr>
+              <a:t>Softwares</a:t>
+            </a:r>
+            <a:r>
+              <a:rPr lang="en-US" b="1" dirty="0">
+                <a:solidFill>
+                  <a:srgbClr val="0070C0"/>
+                </a:solidFill>
+              </a:rPr>
+              <a:t> </a:t>
+            </a:r>
+            <a:r>
+              <a:rPr lang="en-US" b="1" dirty="0" err="1">
+                <a:solidFill>
+                  <a:srgbClr val="0070C0"/>
+                </a:solidFill>
+              </a:rPr>
+              <a:t>Embarcados</a:t>
+            </a:r>
+            <a:endParaRPr lang="en-US" b="1" dirty="0">
+              <a:solidFill>
+                <a:srgbClr val="0070C0"/>
+              </a:solidFill>
+            </a:endParaRPr>
           </a:p>
         </p:txBody>
       </p:sp>
@@ -4947,8 +7355,8 @@
         </p:nvSpPr>
         <p:spPr>
           <a:xfrm>
-            <a:off x="142865" y="1200150"/>
-            <a:ext cx="8865056" cy="3737370"/>
+            <a:off x="142865" y="1395222"/>
+            <a:ext cx="8865056" cy="3542298"/>
           </a:xfrm>
         </p:spPr>
         <p:txBody>
@@ -4957,107 +7365,79 @@
           </a:bodyPr>
           <a:lstStyle/>
           <a:p>
-            <a:pPr marL="0" indent="0" algn="just">
-              <a:buNone/>
+            <a:pPr algn="just">
+              <a:buFont typeface="Wingdings" panose="05000000000000000000" pitchFamily="2" charset="2"/>
+              <a:buChar char="§"/>
             </a:pPr>
             <a:r>
-              <a:rPr lang="pt-BR" sz="2400" dirty="0">
-                <a:latin typeface="Times New Roman" panose="02020603050405020304" pitchFamily="18" charset="0"/>
-                <a:cs typeface="Times New Roman" panose="02020603050405020304" pitchFamily="18" charset="0"/>
-              </a:rPr>
-              <a:t>[1] Cursos Sistemas Embarcados - Microcontroladores</a:t>
-            </a:r>
-          </a:p>
-          <a:p>
-            <a:pPr marL="0" indent="0" algn="just">
-              <a:buNone/>
+              <a:rPr lang="pt-BR" sz="2000" dirty="0">
+                <a:solidFill>
+                  <a:schemeClr val="tx1"/>
+                </a:solidFill>
+                <a:latin typeface="Times New Roman" panose="02020603050405020304" pitchFamily="18" charset="0"/>
+                <a:cs typeface="Times New Roman" panose="02020603050405020304" pitchFamily="18" charset="0"/>
+              </a:rPr>
+              <a:t>Use o modificador </a:t>
+            </a:r>
+            <a:r>
+              <a:rPr lang="pt-BR" sz="2000" dirty="0" err="1">
+                <a:solidFill>
+                  <a:schemeClr val="tx1"/>
+                </a:solidFill>
+                <a:latin typeface="Times New Roman" panose="02020603050405020304" pitchFamily="18" charset="0"/>
+                <a:cs typeface="Times New Roman" panose="02020603050405020304" pitchFamily="18" charset="0"/>
+              </a:rPr>
+              <a:t>volatile</a:t>
+            </a:r>
+            <a:r>
+              <a:rPr lang="pt-BR" sz="2000" dirty="0">
+                <a:solidFill>
+                  <a:schemeClr val="tx1"/>
+                </a:solidFill>
+                <a:latin typeface="Times New Roman" panose="02020603050405020304" pitchFamily="18" charset="0"/>
+                <a:cs typeface="Times New Roman" panose="02020603050405020304" pitchFamily="18" charset="0"/>
+              </a:rPr>
+              <a:t> em variáveis onde houver risco de acesso por interrupções ou mais de uma tarefa do sistema operacional. O objetivo é evitar que o compilador faça otimizações e consequente leitura de valores incorretos;</a:t>
+            </a:r>
+          </a:p>
+          <a:p>
+            <a:pPr algn="just">
+              <a:buFont typeface="Wingdings" panose="05000000000000000000" pitchFamily="2" charset="2"/>
+              <a:buChar char="§"/>
             </a:pPr>
             <a:r>
-              <a:rPr lang="pt-BR" sz="2400" b="1" dirty="0">
-                <a:solidFill>
-                  <a:srgbClr val="FF0000"/>
-                </a:solidFill>
-                <a:latin typeface="Times New Roman" panose="02020603050405020304" pitchFamily="18" charset="0"/>
-                <a:cs typeface="Times New Roman" panose="02020603050405020304" pitchFamily="18" charset="0"/>
-              </a:rPr>
-              <a:t>Disponível em: </a:t>
-            </a:r>
-            <a:r>
-              <a:rPr lang="pt-BR" sz="2400" dirty="0">
-                <a:latin typeface="Times New Roman" panose="02020603050405020304" pitchFamily="18" charset="0"/>
-                <a:cs typeface="Times New Roman" panose="02020603050405020304" pitchFamily="18" charset="0"/>
-                <a:hlinkClick r:id="rId3"/>
-              </a:rPr>
-              <a:t>https://embarcados.com.br/cursos/</a:t>
-            </a:r>
-            <a:endParaRPr lang="pt-BR" sz="2400" dirty="0">
-              <a:latin typeface="Times New Roman" panose="02020603050405020304" pitchFamily="18" charset="0"/>
-              <a:cs typeface="Times New Roman" panose="02020603050405020304" pitchFamily="18" charset="0"/>
-            </a:endParaRPr>
-          </a:p>
-          <a:p>
-            <a:pPr marL="0" indent="0" algn="just">
-              <a:buNone/>
+              <a:rPr lang="pt-BR" sz="2000" dirty="0">
+                <a:solidFill>
+                  <a:schemeClr val="tx1"/>
+                </a:solidFill>
+                <a:latin typeface="Times New Roman" panose="02020603050405020304" pitchFamily="18" charset="0"/>
+                <a:cs typeface="Times New Roman" panose="02020603050405020304" pitchFamily="18" charset="0"/>
+              </a:rPr>
+              <a:t>Evite o uso de alocação dinâmica. A alocação dinâmica pode gerar fragmentação da memória e até risco de ausência de memória. Diretivas de programação segura para ambiente automotivo como o MISRA C (MISRA, 2004), proíbem qualquer uso desse tipo de recurso;</a:t>
+            </a:r>
+          </a:p>
+          <a:p>
+            <a:pPr algn="just">
+              <a:buFont typeface="Wingdings" panose="05000000000000000000" pitchFamily="2" charset="2"/>
+              <a:buChar char="§"/>
             </a:pPr>
-            <a:endParaRPr lang="pt-BR" sz="2400" dirty="0">
-              <a:latin typeface="Times New Roman" panose="02020603050405020304" pitchFamily="18" charset="0"/>
-              <a:cs typeface="Times New Roman" panose="02020603050405020304" pitchFamily="18" charset="0"/>
-            </a:endParaRPr>
-          </a:p>
-          <a:p>
-            <a:pPr marL="0" indent="0" algn="just">
-              <a:buNone/>
-            </a:pPr>
-            <a:endParaRPr lang="pt-BR" sz="2400" dirty="0">
-              <a:latin typeface="Times New Roman" panose="02020603050405020304" pitchFamily="18" charset="0"/>
-              <a:cs typeface="Times New Roman" panose="02020603050405020304" pitchFamily="18" charset="0"/>
-            </a:endParaRPr>
-          </a:p>
-          <a:p>
-            <a:pPr marL="0" indent="0" algn="just">
-              <a:buNone/>
-            </a:pPr>
-            <a:r>
-              <a:rPr lang="pt-BR" sz="2400" dirty="0">
-                <a:latin typeface="Times New Roman" panose="02020603050405020304" pitchFamily="18" charset="0"/>
-                <a:cs typeface="Times New Roman" panose="02020603050405020304" pitchFamily="18" charset="0"/>
-              </a:rPr>
-              <a:t>[2] Arquitetura de Software para Sistemas Embarcados</a:t>
-            </a:r>
-          </a:p>
-          <a:p>
-            <a:pPr marL="0" indent="0" algn="just">
-              <a:buNone/>
-            </a:pPr>
-            <a:r>
-              <a:rPr lang="pt-BR" sz="2400" b="1" dirty="0">
-                <a:solidFill>
-                  <a:srgbClr val="FF0000"/>
-                </a:solidFill>
-                <a:latin typeface="Times New Roman" panose="02020603050405020304" pitchFamily="18" charset="0"/>
-                <a:cs typeface="Times New Roman" panose="02020603050405020304" pitchFamily="18" charset="0"/>
-              </a:rPr>
-              <a:t>Disponível em: </a:t>
-            </a:r>
-            <a:r>
-              <a:rPr lang="pt-BR" sz="2400" dirty="0">
-                <a:latin typeface="Times New Roman" panose="02020603050405020304" pitchFamily="18" charset="0"/>
-                <a:cs typeface="Times New Roman" panose="02020603050405020304" pitchFamily="18" charset="0"/>
-                <a:hlinkClick r:id="rId4"/>
-              </a:rPr>
-              <a:t>https://www.youtube.com/watch?v=UIAOR32H1vk</a:t>
-            </a:r>
-            <a:endParaRPr lang="pt-BR" sz="2400" dirty="0">
-              <a:latin typeface="Times New Roman" panose="02020603050405020304" pitchFamily="18" charset="0"/>
-              <a:cs typeface="Times New Roman" panose="02020603050405020304" pitchFamily="18" charset="0"/>
-            </a:endParaRPr>
+            <a:r>
+              <a:rPr lang="pt-BR" sz="2000" dirty="0">
+                <a:solidFill>
+                  <a:schemeClr val="tx1"/>
+                </a:solidFill>
+                <a:latin typeface="Times New Roman" panose="02020603050405020304" pitchFamily="18" charset="0"/>
+                <a:cs typeface="Times New Roman" panose="02020603050405020304" pitchFamily="18" charset="0"/>
+              </a:rPr>
+              <a:t>Evite sempre que possível o uso do comando goto;</a:t>
+            </a:r>
           </a:p>
         </p:txBody>
       </p:sp>
     </p:spTree>
     <p:extLst>
       <p:ext uri="{BB962C8B-B14F-4D97-AF65-F5344CB8AC3E}">
-        <p14:creationId xmlns:p14="http://schemas.microsoft.com/office/powerpoint/2010/main" val="2747596967"/>
+        <p14:creationId xmlns:p14="http://schemas.microsoft.com/office/powerpoint/2010/main" val="136470654"/>
       </p:ext>
     </p:extLst>
   </p:cSld>
@@ -5103,17 +7483,25 @@
         </p:spPr>
         <p:txBody>
           <a:bodyPr>
-            <a:normAutofit/>
+            <a:normAutofit fontScale="90000"/>
           </a:bodyPr>
           <a:lstStyle/>
           <a:p>
             <a:r>
+              <a:rPr lang="en-US" b="1" dirty="0">
+                <a:solidFill>
+                  <a:srgbClr val="0070C0"/>
+                </a:solidFill>
+              </a:rPr>
+              <a:t>Boas </a:t>
+            </a:r>
+            <a:r>
               <a:rPr lang="en-US" b="1" dirty="0" err="1">
                 <a:solidFill>
                   <a:srgbClr val="0070C0"/>
                 </a:solidFill>
               </a:rPr>
-              <a:t>Dinâmica</a:t>
+              <a:t>Práticas</a:t>
             </a:r>
             <a:r>
               <a:rPr lang="en-US" b="1" dirty="0">
@@ -5121,7 +7509,7 @@
                   <a:srgbClr val="0070C0"/>
                 </a:solidFill>
               </a:rPr>
-              <a:t>/</a:t>
+              <a:t> – </a:t>
             </a:r>
             <a:r>
               <a:rPr lang="en-US" b="1" dirty="0" err="1">
@@ -5129,7 +7517,7 @@
                   <a:srgbClr val="0070C0"/>
                 </a:solidFill>
               </a:rPr>
-              <a:t>Atividades</a:t>
+              <a:t>Softwares</a:t>
             </a:r>
             <a:r>
               <a:rPr lang="en-US" b="1" dirty="0">
@@ -5137,7 +7525,7 @@
                   <a:srgbClr val="0070C0"/>
                 </a:solidFill>
               </a:rPr>
-              <a:t> - </a:t>
+              <a:t> </a:t>
             </a:r>
             <a:r>
               <a:rPr lang="en-US" b="1" dirty="0" err="1">
@@ -5145,7 +7533,7 @@
                   <a:srgbClr val="0070C0"/>
                 </a:solidFill>
               </a:rPr>
-              <a:t>Exercícios</a:t>
+              <a:t>Embarcados</a:t>
             </a:r>
             <a:endParaRPr lang="en-US" b="1" dirty="0">
               <a:solidFill>
@@ -5167,8 +7555,8 @@
         </p:nvSpPr>
         <p:spPr>
           <a:xfrm>
-            <a:off x="139472" y="1063230"/>
-            <a:ext cx="8865056" cy="3996450"/>
+            <a:off x="142865" y="1395222"/>
+            <a:ext cx="8865056" cy="3542298"/>
           </a:xfrm>
         </p:spPr>
         <p:txBody>
@@ -5177,219 +7565,75 @@
           </a:bodyPr>
           <a:lstStyle/>
           <a:p>
-            <a:pPr marL="0" indent="0" algn="just">
-              <a:buNone/>
+            <a:pPr algn="just">
+              <a:buFont typeface="Wingdings" panose="05000000000000000000" pitchFamily="2" charset="2"/>
+              <a:buChar char="§"/>
             </a:pPr>
             <a:r>
-              <a:rPr lang="pt-BR" dirty="0">
-                <a:latin typeface="Times New Roman" panose="02020603050405020304" pitchFamily="18" charset="0"/>
-                <a:cs typeface="Times New Roman" panose="02020603050405020304" pitchFamily="18" charset="0"/>
-              </a:rPr>
-              <a:t>Criar </a:t>
-            </a:r>
-            <a:r>
-              <a:rPr lang="pt-BR" b="1" dirty="0">
-                <a:solidFill>
-                  <a:srgbClr val="FF0000"/>
-                </a:solidFill>
-                <a:latin typeface="Times New Roman" panose="02020603050405020304" pitchFamily="18" charset="0"/>
-                <a:cs typeface="Times New Roman" panose="02020603050405020304" pitchFamily="18" charset="0"/>
-              </a:rPr>
-              <a:t>projeto</a:t>
-            </a:r>
-            <a:r>
-              <a:rPr lang="pt-BR" dirty="0">
-                <a:solidFill>
-                  <a:srgbClr val="FF0000"/>
-                </a:solidFill>
-                <a:latin typeface="Times New Roman" panose="02020603050405020304" pitchFamily="18" charset="0"/>
-                <a:cs typeface="Times New Roman" panose="02020603050405020304" pitchFamily="18" charset="0"/>
-              </a:rPr>
-              <a:t> </a:t>
-            </a:r>
-            <a:r>
-              <a:rPr lang="pt-BR" b="1" dirty="0">
-                <a:solidFill>
-                  <a:srgbClr val="FF0000"/>
-                </a:solidFill>
-                <a:latin typeface="Times New Roman" panose="02020603050405020304" pitchFamily="18" charset="0"/>
-                <a:cs typeface="Times New Roman" panose="02020603050405020304" pitchFamily="18" charset="0"/>
-              </a:rPr>
-              <a:t>Arduino</a:t>
-            </a:r>
-            <a:r>
-              <a:rPr lang="pt-BR" dirty="0">
-                <a:latin typeface="Times New Roman" panose="02020603050405020304" pitchFamily="18" charset="0"/>
-                <a:cs typeface="Times New Roman" panose="02020603050405020304" pitchFamily="18" charset="0"/>
-              </a:rPr>
-              <a:t> para:</a:t>
-            </a:r>
-          </a:p>
-          <a:p>
-            <a:pPr marL="0" indent="0" algn="just">
-              <a:buNone/>
+              <a:rPr lang="pt-BR" sz="2000" dirty="0">
+                <a:solidFill>
+                  <a:schemeClr val="tx1"/>
+                </a:solidFill>
+                <a:latin typeface="Times New Roman" panose="02020603050405020304" pitchFamily="18" charset="0"/>
+                <a:cs typeface="Times New Roman" panose="02020603050405020304" pitchFamily="18" charset="0"/>
+              </a:rPr>
+              <a:t>Não use números no código, dê preferência para macros e sempre comente a sua finalidade;</a:t>
+            </a:r>
+          </a:p>
+          <a:p>
+            <a:pPr algn="just">
+              <a:buFont typeface="Wingdings" panose="05000000000000000000" pitchFamily="2" charset="2"/>
+              <a:buChar char="§"/>
             </a:pPr>
-            <a:endParaRPr lang="pt-BR" dirty="0">
-              <a:latin typeface="Times New Roman" panose="02020603050405020304" pitchFamily="18" charset="0"/>
-              <a:cs typeface="Times New Roman" panose="02020603050405020304" pitchFamily="18" charset="0"/>
-            </a:endParaRPr>
+            <a:r>
+              <a:rPr lang="pt-BR" sz="2000" dirty="0">
+                <a:solidFill>
+                  <a:schemeClr val="tx1"/>
+                </a:solidFill>
+                <a:latin typeface="Times New Roman" panose="02020603050405020304" pitchFamily="18" charset="0"/>
+                <a:cs typeface="Times New Roman" panose="02020603050405020304" pitchFamily="18" charset="0"/>
+              </a:rPr>
+              <a:t>Modularize o código separando as funcionalidades em vários arquivos de aplicação (*. c) e exporte somente o necessário através dos arquivos de interface (*. h);</a:t>
+            </a:r>
           </a:p>
           <a:p>
             <a:pPr algn="just">
-              <a:buFontTx/>
-              <a:buChar char="-"/>
+              <a:buFont typeface="Wingdings" panose="05000000000000000000" pitchFamily="2" charset="2"/>
+              <a:buChar char="§"/>
             </a:pPr>
             <a:r>
-              <a:rPr lang="pt-BR" dirty="0">
-                <a:latin typeface="Times New Roman" panose="02020603050405020304" pitchFamily="18" charset="0"/>
-                <a:cs typeface="Times New Roman" panose="02020603050405020304" pitchFamily="18" charset="0"/>
-              </a:rPr>
-              <a:t>Imprimir na porta serial </a:t>
-            </a:r>
-            <a:r>
-              <a:rPr lang="pt-BR" b="1" dirty="0" err="1">
-                <a:latin typeface="Times New Roman" panose="02020603050405020304" pitchFamily="18" charset="0"/>
-                <a:cs typeface="Times New Roman" panose="02020603050405020304" pitchFamily="18" charset="0"/>
-              </a:rPr>
-              <a:t>Hello</a:t>
-            </a:r>
-            <a:r>
-              <a:rPr lang="pt-BR" b="1" dirty="0">
-                <a:latin typeface="Times New Roman" panose="02020603050405020304" pitchFamily="18" charset="0"/>
-                <a:cs typeface="Times New Roman" panose="02020603050405020304" pitchFamily="18" charset="0"/>
-              </a:rPr>
-              <a:t> World</a:t>
-            </a:r>
-            <a:r>
-              <a:rPr lang="pt-BR" dirty="0">
-                <a:latin typeface="Times New Roman" panose="02020603050405020304" pitchFamily="18" charset="0"/>
-                <a:cs typeface="Times New Roman" panose="02020603050405020304" pitchFamily="18" charset="0"/>
-              </a:rPr>
-              <a:t>;</a:t>
+              <a:rPr lang="pt-BR" sz="2000" dirty="0">
+                <a:solidFill>
+                  <a:schemeClr val="tx1"/>
+                </a:solidFill>
+                <a:latin typeface="Times New Roman" panose="02020603050405020304" pitchFamily="18" charset="0"/>
+                <a:cs typeface="Times New Roman" panose="02020603050405020304" pitchFamily="18" charset="0"/>
+              </a:rPr>
+              <a:t>Não exporte variáveis (variáveis globais), garanta acesso a elas através de funções;</a:t>
             </a:r>
           </a:p>
           <a:p>
             <a:pPr algn="just">
-              <a:buFontTx/>
-              <a:buChar char="-"/>
+              <a:buFont typeface="Wingdings" panose="05000000000000000000" pitchFamily="2" charset="2"/>
+              <a:buChar char="§"/>
             </a:pPr>
             <a:r>
-              <a:rPr lang="pt-BR" dirty="0">
-                <a:latin typeface="Times New Roman" panose="02020603050405020304" pitchFamily="18" charset="0"/>
-                <a:cs typeface="Times New Roman" panose="02020603050405020304" pitchFamily="18" charset="0"/>
-              </a:rPr>
-              <a:t>Fazer o led do pino 15 piscar, </a:t>
-            </a:r>
-            <a:r>
-              <a:rPr lang="pt-BR" b="1" dirty="0" err="1">
-                <a:latin typeface="Times New Roman" panose="02020603050405020304" pitchFamily="18" charset="0"/>
-                <a:cs typeface="Times New Roman" panose="02020603050405020304" pitchFamily="18" charset="0"/>
-              </a:rPr>
-              <a:t>Blink</a:t>
-            </a:r>
-            <a:r>
-              <a:rPr lang="pt-BR" dirty="0">
-                <a:latin typeface="Times New Roman" panose="02020603050405020304" pitchFamily="18" charset="0"/>
-                <a:cs typeface="Times New Roman" panose="02020603050405020304" pitchFamily="18" charset="0"/>
-              </a:rPr>
-              <a:t>;</a:t>
-            </a:r>
-          </a:p>
-          <a:p>
-            <a:pPr algn="just">
-              <a:buFontTx/>
-              <a:buChar char="-"/>
-            </a:pPr>
-            <a:r>
-              <a:rPr lang="pt-BR" dirty="0">
-                <a:latin typeface="Times New Roman" panose="02020603050405020304" pitchFamily="18" charset="0"/>
-                <a:cs typeface="Times New Roman" panose="02020603050405020304" pitchFamily="18" charset="0"/>
-              </a:rPr>
-              <a:t>Fazer </a:t>
-            </a:r>
-            <a:r>
-              <a:rPr lang="pt-BR" b="1" dirty="0">
-                <a:latin typeface="Times New Roman" panose="02020603050405020304" pitchFamily="18" charset="0"/>
-                <a:cs typeface="Times New Roman" panose="02020603050405020304" pitchFamily="18" charset="0"/>
-              </a:rPr>
-              <a:t>piscar 4 leds</a:t>
-            </a:r>
-          </a:p>
-          <a:p>
-            <a:pPr algn="just">
-              <a:buFontTx/>
-              <a:buChar char="-"/>
-            </a:pPr>
-            <a:r>
-              <a:rPr lang="pt-BR" dirty="0">
-                <a:latin typeface="Times New Roman" panose="02020603050405020304" pitchFamily="18" charset="0"/>
-                <a:cs typeface="Times New Roman" panose="02020603050405020304" pitchFamily="18" charset="0"/>
-              </a:rPr>
-              <a:t>Acender</a:t>
-            </a:r>
-            <a:r>
-              <a:rPr lang="pt-BR" b="1" dirty="0">
-                <a:latin typeface="Times New Roman" panose="02020603050405020304" pitchFamily="18" charset="0"/>
-                <a:cs typeface="Times New Roman" panose="02020603050405020304" pitchFamily="18" charset="0"/>
-              </a:rPr>
-              <a:t> uma lâmpada</a:t>
-            </a:r>
-            <a:r>
-              <a:rPr lang="pt-BR" dirty="0">
-                <a:latin typeface="Times New Roman" panose="02020603050405020304" pitchFamily="18" charset="0"/>
-                <a:cs typeface="Times New Roman" panose="02020603050405020304" pitchFamily="18" charset="0"/>
-              </a:rPr>
-              <a:t>;</a:t>
-            </a:r>
-          </a:p>
-          <a:p>
-            <a:pPr algn="just">
-              <a:buFontTx/>
-              <a:buChar char="-"/>
-            </a:pPr>
-            <a:r>
-              <a:rPr lang="pt-BR" dirty="0">
-                <a:latin typeface="Times New Roman" panose="02020603050405020304" pitchFamily="18" charset="0"/>
-                <a:cs typeface="Times New Roman" panose="02020603050405020304" pitchFamily="18" charset="0"/>
-              </a:rPr>
-              <a:t>Contador no </a:t>
-            </a:r>
-            <a:r>
-              <a:rPr lang="pt-BR" b="1" dirty="0">
-                <a:latin typeface="Times New Roman" panose="02020603050405020304" pitchFamily="18" charset="0"/>
-                <a:cs typeface="Times New Roman" panose="02020603050405020304" pitchFamily="18" charset="0"/>
-              </a:rPr>
-              <a:t>display LCD I2C</a:t>
-            </a:r>
-          </a:p>
-          <a:p>
-            <a:pPr algn="just">
-              <a:buFontTx/>
-              <a:buChar char="-"/>
-            </a:pPr>
-            <a:r>
-              <a:rPr lang="pt-BR" dirty="0">
-                <a:latin typeface="Times New Roman" panose="02020603050405020304" pitchFamily="18" charset="0"/>
-                <a:cs typeface="Times New Roman" panose="02020603050405020304" pitchFamily="18" charset="0"/>
-              </a:rPr>
-              <a:t>Projeto Livre</a:t>
-            </a:r>
-          </a:p>
-          <a:p>
-            <a:pPr marL="0" indent="0" algn="just">
-              <a:buNone/>
-            </a:pPr>
-            <a:endParaRPr lang="pt-BR" dirty="0">
-              <a:latin typeface="Times New Roman" panose="02020603050405020304" pitchFamily="18" charset="0"/>
-              <a:cs typeface="Times New Roman" panose="02020603050405020304" pitchFamily="18" charset="0"/>
-            </a:endParaRPr>
+              <a:rPr lang="pt-BR" sz="2000" dirty="0">
+                <a:solidFill>
+                  <a:schemeClr val="tx1"/>
+                </a:solidFill>
+                <a:latin typeface="Times New Roman" panose="02020603050405020304" pitchFamily="18" charset="0"/>
+                <a:cs typeface="Times New Roman" panose="02020603050405020304" pitchFamily="18" charset="0"/>
+              </a:rPr>
+              <a:t>Prefira passagem por valor a passagem por referência.</a:t>
+            </a:r>
           </a:p>
         </p:txBody>
       </p:sp>
     </p:spTree>
     <p:extLst>
       <p:ext uri="{BB962C8B-B14F-4D97-AF65-F5344CB8AC3E}">
-        <p14:creationId xmlns:p14="http://schemas.microsoft.com/office/powerpoint/2010/main" val="2470652989"/>
+        <p14:creationId xmlns:p14="http://schemas.microsoft.com/office/powerpoint/2010/main" val="3798575797"/>
       </p:ext>
     </p:extLst>
   </p:cSld>
@@ -5435,17 +7679,25 @@
         </p:spPr>
         <p:txBody>
           <a:bodyPr>
-            <a:normAutofit/>
+            <a:normAutofit fontScale="90000"/>
           </a:bodyPr>
           <a:lstStyle/>
           <a:p>
             <a:r>
+              <a:rPr lang="en-US" b="1" dirty="0">
+                <a:solidFill>
+                  <a:srgbClr val="0070C0"/>
+                </a:solidFill>
+              </a:rPr>
+              <a:t>Boas </a:t>
+            </a:r>
+            <a:r>
               <a:rPr lang="en-US" b="1" dirty="0" err="1">
                 <a:solidFill>
                   <a:srgbClr val="0070C0"/>
                 </a:solidFill>
               </a:rPr>
-              <a:t>Referências</a:t>
+              <a:t>Práticas</a:t>
             </a:r>
             <a:r>
               <a:rPr lang="en-US" b="1" dirty="0">
@@ -5453,6 +7705,22 @@
                   <a:srgbClr val="0070C0"/>
                 </a:solidFill>
               </a:rPr>
+              <a:t> – </a:t>
+            </a:r>
+            <a:r>
+              <a:rPr lang="en-US" b="1" dirty="0" err="1">
+                <a:solidFill>
+                  <a:srgbClr val="0070C0"/>
+                </a:solidFill>
+              </a:rPr>
+              <a:t>Softwares</a:t>
+            </a:r>
+            <a:r>
+              <a:rPr lang="en-US" b="1" dirty="0">
+                <a:solidFill>
+                  <a:srgbClr val="0070C0"/>
+                </a:solidFill>
+              </a:rPr>
               <a:t> </a:t>
             </a:r>
             <a:r>
@@ -5461,7 +7729,7 @@
                   <a:srgbClr val="0070C0"/>
                 </a:solidFill>
               </a:rPr>
-              <a:t>Bibliográficas</a:t>
+              <a:t>Embarcados</a:t>
             </a:r>
             <a:endParaRPr lang="en-US" b="1" dirty="0">
               <a:solidFill>
@@ -5483,8 +7751,8 @@
         </p:nvSpPr>
         <p:spPr>
           <a:xfrm>
-            <a:off x="142865" y="1200150"/>
-            <a:ext cx="8865056" cy="3737369"/>
+            <a:off x="142865" y="1395222"/>
+            <a:ext cx="8865056" cy="3542298"/>
           </a:xfrm>
         </p:spPr>
         <p:txBody>
@@ -5497,215 +7765,230 @@
               <a:buNone/>
             </a:pPr>
             <a:r>
-              <a:rPr lang="pt-BR" sz="1800" dirty="0">
-                <a:latin typeface="Calibri" panose="020F0502020204030204" pitchFamily="34" charset="0"/>
-              </a:rPr>
-              <a:t>[1] </a:t>
-            </a:r>
-            <a:r>
-              <a:rPr lang="pt-BR" sz="1800" b="1" dirty="0">
-                <a:latin typeface="Calibri" panose="020F0502020204030204" pitchFamily="34" charset="0"/>
-              </a:rPr>
-              <a:t>OSSADA, Jaime </a:t>
-            </a:r>
-            <a:r>
-              <a:rPr lang="pt-BR" sz="1800" b="1" dirty="0" err="1">
-                <a:latin typeface="Calibri" panose="020F0502020204030204" pitchFamily="34" charset="0"/>
-              </a:rPr>
-              <a:t>Cazuhiro</a:t>
-            </a:r>
-            <a:r>
-              <a:rPr lang="pt-BR" sz="1800" b="1" dirty="0">
-                <a:latin typeface="Calibri" panose="020F0502020204030204" pitchFamily="34" charset="0"/>
-              </a:rPr>
-              <a:t> et al. GERSE</a:t>
-            </a:r>
-            <a:r>
-              <a:rPr lang="pt-BR" sz="1800" dirty="0">
-                <a:latin typeface="Calibri" panose="020F0502020204030204" pitchFamily="34" charset="0"/>
-              </a:rPr>
-              <a:t>: Guia de </a:t>
-            </a:r>
-            <a:r>
-              <a:rPr lang="pt-BR" sz="1800" dirty="0" err="1">
-                <a:latin typeface="Calibri" panose="020F0502020204030204" pitchFamily="34" charset="0"/>
-              </a:rPr>
-              <a:t>Elicitação</a:t>
-            </a:r>
-            <a:r>
-              <a:rPr lang="pt-BR" sz="1800" dirty="0">
-                <a:latin typeface="Calibri" panose="020F0502020204030204" pitchFamily="34" charset="0"/>
-              </a:rPr>
-              <a:t> de Requisitos para Sistemas Embarcados. In: WER. 2012.</a:t>
+              <a:rPr lang="pt-BR" sz="2000" dirty="0">
+                <a:solidFill>
+                  <a:schemeClr val="tx1"/>
+                </a:solidFill>
+                <a:latin typeface="Times New Roman" panose="02020603050405020304" pitchFamily="18" charset="0"/>
+                <a:cs typeface="Times New Roman" panose="02020603050405020304" pitchFamily="18" charset="0"/>
+              </a:rPr>
+              <a:t>Para a </a:t>
+            </a:r>
+            <a:r>
+              <a:rPr lang="pt-BR" sz="2000" b="1" dirty="0">
+                <a:solidFill>
+                  <a:schemeClr val="tx1"/>
+                </a:solidFill>
+                <a:latin typeface="Times New Roman" panose="02020603050405020304" pitchFamily="18" charset="0"/>
+                <a:cs typeface="Times New Roman" panose="02020603050405020304" pitchFamily="18" charset="0"/>
+              </a:rPr>
+              <a:t>escolher um microcontrolador</a:t>
+            </a:r>
+            <a:r>
+              <a:rPr lang="pt-BR" sz="2000" dirty="0">
+                <a:solidFill>
+                  <a:schemeClr val="tx1"/>
+                </a:solidFill>
+                <a:latin typeface="Times New Roman" panose="02020603050405020304" pitchFamily="18" charset="0"/>
+                <a:cs typeface="Times New Roman" panose="02020603050405020304" pitchFamily="18" charset="0"/>
+              </a:rPr>
+              <a:t> que trarão poder computacional ao seu projeto, devemos </a:t>
+            </a:r>
+            <a:r>
+              <a:rPr lang="pt-BR" sz="2000" b="1" dirty="0">
+                <a:solidFill>
+                  <a:srgbClr val="FF0000"/>
+                </a:solidFill>
+                <a:latin typeface="Times New Roman" panose="02020603050405020304" pitchFamily="18" charset="0"/>
+                <a:cs typeface="Times New Roman" panose="02020603050405020304" pitchFamily="18" charset="0"/>
+              </a:rPr>
+              <a:t>responder as seguintes perguntas</a:t>
+            </a:r>
+            <a:r>
+              <a:rPr lang="pt-BR" sz="2000" dirty="0">
+                <a:solidFill>
+                  <a:schemeClr val="tx1"/>
+                </a:solidFill>
+                <a:latin typeface="Times New Roman" panose="02020603050405020304" pitchFamily="18" charset="0"/>
+                <a:cs typeface="Times New Roman" panose="02020603050405020304" pitchFamily="18" charset="0"/>
+              </a:rPr>
+              <a:t>:</a:t>
             </a:r>
           </a:p>
           <a:p>
             <a:pPr marL="0" indent="0" algn="just">
               <a:buNone/>
             </a:pPr>
-            <a:endParaRPr lang="pt-BR" sz="1800" dirty="0">
-              <a:latin typeface="Calibri" panose="020F0502020204030204" pitchFamily="34" charset="0"/>
-            </a:endParaRPr>
-          </a:p>
-          <a:p>
-            <a:pPr marL="0" indent="0" algn="just">
-              <a:buNone/>
-            </a:pPr>
-            <a:r>
-              <a:rPr lang="pt-BR" sz="1800" dirty="0">
-                <a:latin typeface="Calibri" panose="020F0502020204030204" pitchFamily="34" charset="0"/>
-              </a:rPr>
-              <a:t>[2] </a:t>
-            </a:r>
-            <a:r>
-              <a:rPr lang="pt-BR" sz="1800" b="1" dirty="0">
-                <a:latin typeface="Calibri" panose="020F0502020204030204" pitchFamily="34" charset="0"/>
-              </a:rPr>
-              <a:t>BARBIERO, Andréia Aparecida; HEXSEL, Roberto André.</a:t>
-            </a:r>
-            <a:r>
-              <a:rPr lang="pt-BR" sz="1800" dirty="0">
-                <a:latin typeface="Calibri" panose="020F0502020204030204" pitchFamily="34" charset="0"/>
-              </a:rPr>
-              <a:t> </a:t>
-            </a:r>
-            <a:r>
-              <a:rPr lang="pt-BR" sz="1800" dirty="0" err="1">
-                <a:latin typeface="Calibri" panose="020F0502020204030204" pitchFamily="34" charset="0"/>
-              </a:rPr>
-              <a:t>Simulaçao</a:t>
-            </a:r>
-            <a:r>
-              <a:rPr lang="pt-BR" sz="1800" dirty="0">
-                <a:latin typeface="Calibri" panose="020F0502020204030204" pitchFamily="34" charset="0"/>
-              </a:rPr>
-              <a:t> de Sistemas Embarcados utilizando </a:t>
-            </a:r>
-            <a:r>
-              <a:rPr lang="pt-BR" sz="1800" dirty="0" err="1">
-                <a:latin typeface="Calibri" panose="020F0502020204030204" pitchFamily="34" charset="0"/>
-              </a:rPr>
-              <a:t>ArchC</a:t>
-            </a:r>
-            <a:r>
-              <a:rPr lang="pt-BR" sz="1800" dirty="0">
-                <a:latin typeface="Calibri" panose="020F0502020204030204" pitchFamily="34" charset="0"/>
-              </a:rPr>
-              <a:t>. In: Anais do VII Workshop em Sistemas Computacionais de Alto Desempenho. SBC, 2006. p. 17-24.</a:t>
-            </a:r>
-          </a:p>
-          <a:p>
-            <a:pPr marL="0" indent="0" algn="just">
-              <a:buNone/>
-            </a:pPr>
-            <a:endParaRPr lang="pt-BR" sz="1800" dirty="0">
-              <a:latin typeface="Calibri" panose="020F0502020204030204" pitchFamily="34" charset="0"/>
-            </a:endParaRPr>
-          </a:p>
-          <a:p>
-            <a:pPr marL="0" indent="0" algn="just">
-              <a:buNone/>
-            </a:pPr>
-            <a:r>
-              <a:rPr lang="pt-BR" sz="1800" dirty="0">
-                <a:latin typeface="Times New Roman" panose="02020603050405020304" pitchFamily="18" charset="0"/>
-                <a:cs typeface="Times New Roman" panose="02020603050405020304" pitchFamily="18" charset="0"/>
-              </a:rPr>
-              <a:t>[3] </a:t>
-            </a:r>
-            <a:r>
-              <a:rPr lang="pt-BR" sz="1800" b="1" dirty="0">
-                <a:latin typeface="Times New Roman" panose="02020603050405020304" pitchFamily="18" charset="0"/>
-                <a:cs typeface="Times New Roman" panose="02020603050405020304" pitchFamily="18" charset="0"/>
-              </a:rPr>
-              <a:t>CUNHA, Alessandro F</a:t>
-            </a:r>
-            <a:r>
-              <a:rPr lang="pt-BR" sz="1800" dirty="0">
-                <a:latin typeface="Times New Roman" panose="02020603050405020304" pitchFamily="18" charset="0"/>
-                <a:cs typeface="Times New Roman" panose="02020603050405020304" pitchFamily="18" charset="0"/>
-              </a:rPr>
-              <a:t>. O que são sistemas embarcados. Saber Eletrônica, v. 43, n. 414, p. 1-6, 2007.</a:t>
-            </a:r>
-          </a:p>
-          <a:p>
-            <a:pPr marL="0" indent="0" algn="just">
-              <a:buNone/>
-            </a:pPr>
-            <a:endParaRPr lang="pt-BR" sz="1800" dirty="0">
+            <a:endParaRPr lang="pt-BR" sz="2000" dirty="0">
+              <a:solidFill>
+                <a:schemeClr val="tx1"/>
+              </a:solidFill>
               <a:latin typeface="Times New Roman" panose="02020603050405020304" pitchFamily="18" charset="0"/>
               <a:cs typeface="Times New Roman" panose="02020603050405020304" pitchFamily="18" charset="0"/>
             </a:endParaRPr>
           </a:p>
           <a:p>
-            <a:pPr marL="0" indent="0" algn="just">
-              <a:buNone/>
+            <a:pPr algn="just">
+              <a:buFont typeface="Wingdings" panose="05000000000000000000" pitchFamily="2" charset="2"/>
+              <a:buChar char="§"/>
             </a:pPr>
             <a:r>
-              <a:rPr lang="pt-BR" sz="1800" dirty="0">
-                <a:latin typeface="Times New Roman" panose="02020603050405020304" pitchFamily="18" charset="0"/>
-                <a:cs typeface="Times New Roman" panose="02020603050405020304" pitchFamily="18" charset="0"/>
-              </a:rPr>
-              <a:t>[4] </a:t>
-            </a:r>
-            <a:r>
-              <a:rPr lang="pt-BR" sz="1800" b="1" dirty="0">
-                <a:latin typeface="Times New Roman" panose="02020603050405020304" pitchFamily="18" charset="0"/>
-                <a:cs typeface="Times New Roman" panose="02020603050405020304" pitchFamily="18" charset="0"/>
-              </a:rPr>
-              <a:t>OSSADA, Jaime </a:t>
-            </a:r>
-            <a:r>
-              <a:rPr lang="pt-BR" sz="1800" b="1" dirty="0" err="1">
-                <a:latin typeface="Times New Roman" panose="02020603050405020304" pitchFamily="18" charset="0"/>
-                <a:cs typeface="Times New Roman" panose="02020603050405020304" pitchFamily="18" charset="0"/>
-              </a:rPr>
-              <a:t>Cazuhiro</a:t>
-            </a:r>
-            <a:r>
-              <a:rPr lang="pt-BR" sz="1800" b="1" dirty="0">
-                <a:latin typeface="Times New Roman" panose="02020603050405020304" pitchFamily="18" charset="0"/>
-                <a:cs typeface="Times New Roman" panose="02020603050405020304" pitchFamily="18" charset="0"/>
-              </a:rPr>
-              <a:t> et al. GERSE</a:t>
-            </a:r>
-            <a:r>
-              <a:rPr lang="pt-BR" sz="1800" dirty="0">
-                <a:latin typeface="Times New Roman" panose="02020603050405020304" pitchFamily="18" charset="0"/>
-                <a:cs typeface="Times New Roman" panose="02020603050405020304" pitchFamily="18" charset="0"/>
-              </a:rPr>
-              <a:t>: Guia de </a:t>
-            </a:r>
-            <a:r>
-              <a:rPr lang="pt-BR" sz="1800" dirty="0" err="1">
-                <a:latin typeface="Times New Roman" panose="02020603050405020304" pitchFamily="18" charset="0"/>
-                <a:cs typeface="Times New Roman" panose="02020603050405020304" pitchFamily="18" charset="0"/>
-              </a:rPr>
-              <a:t>Elicitação</a:t>
-            </a:r>
-            <a:r>
-              <a:rPr lang="pt-BR" sz="1800" dirty="0">
-                <a:latin typeface="Times New Roman" panose="02020603050405020304" pitchFamily="18" charset="0"/>
-                <a:cs typeface="Times New Roman" panose="02020603050405020304" pitchFamily="18" charset="0"/>
-              </a:rPr>
-              <a:t> de Requisitos para Sistemas Embarcados. In: WER. 2012.</a:t>
-            </a:r>
-          </a:p>
-          <a:p>
-            <a:pPr marL="0" indent="0" algn="just">
-              <a:buNone/>
+              <a:rPr lang="pt-BR" sz="2000" dirty="0">
+                <a:solidFill>
+                  <a:schemeClr val="tx1"/>
+                </a:solidFill>
+                <a:latin typeface="Times New Roman" panose="02020603050405020304" pitchFamily="18" charset="0"/>
+                <a:cs typeface="Times New Roman" panose="02020603050405020304" pitchFamily="18" charset="0"/>
+              </a:rPr>
+              <a:t>Qual valor quero pagar pelo chip?</a:t>
+            </a:r>
+          </a:p>
+          <a:p>
+            <a:pPr algn="just">
+              <a:buFont typeface="Wingdings" panose="05000000000000000000" pitchFamily="2" charset="2"/>
+              <a:buChar char="§"/>
             </a:pPr>
-            <a:endParaRPr lang="pt-BR" sz="1800" dirty="0">
-              <a:latin typeface="Times New Roman" panose="02020603050405020304" pitchFamily="18" charset="0"/>
-              <a:cs typeface="Times New Roman" panose="02020603050405020304" pitchFamily="18" charset="0"/>
-            </a:endParaRPr>
+            <a:r>
+              <a:rPr lang="pt-BR" sz="2000" dirty="0">
+                <a:solidFill>
+                  <a:schemeClr val="tx1"/>
+                </a:solidFill>
+                <a:latin typeface="Times New Roman" panose="02020603050405020304" pitchFamily="18" charset="0"/>
+                <a:cs typeface="Times New Roman" panose="02020603050405020304" pitchFamily="18" charset="0"/>
+              </a:rPr>
+              <a:t>Que tipo de comunicação este </a:t>
+            </a:r>
+            <a:r>
+              <a:rPr lang="pt-BR" sz="2000" dirty="0" err="1">
+                <a:solidFill>
+                  <a:schemeClr val="tx1"/>
+                </a:solidFill>
+                <a:latin typeface="Times New Roman" panose="02020603050405020304" pitchFamily="18" charset="0"/>
+                <a:cs typeface="Times New Roman" panose="02020603050405020304" pitchFamily="18" charset="0"/>
+              </a:rPr>
+              <a:t>uC</a:t>
+            </a:r>
+            <a:r>
+              <a:rPr lang="pt-BR" sz="2000" dirty="0">
+                <a:solidFill>
+                  <a:schemeClr val="tx1"/>
+                </a:solidFill>
+                <a:latin typeface="Times New Roman" panose="02020603050405020304" pitchFamily="18" charset="0"/>
+                <a:cs typeface="Times New Roman" panose="02020603050405020304" pitchFamily="18" charset="0"/>
+              </a:rPr>
+              <a:t> deve ter com outros eletrônicos?</a:t>
+            </a:r>
+          </a:p>
+          <a:p>
+            <a:pPr algn="just">
+              <a:buFont typeface="Wingdings" panose="05000000000000000000" pitchFamily="2" charset="2"/>
+              <a:buChar char="§"/>
+            </a:pPr>
+            <a:r>
+              <a:rPr lang="pt-BR" sz="2000" dirty="0">
+                <a:solidFill>
+                  <a:schemeClr val="tx1"/>
+                </a:solidFill>
+                <a:latin typeface="Times New Roman" panose="02020603050405020304" pitchFamily="18" charset="0"/>
+                <a:cs typeface="Times New Roman" panose="02020603050405020304" pitchFamily="18" charset="0"/>
+              </a:rPr>
+              <a:t>A principal aplicação é digital ou analógica?</a:t>
+            </a:r>
+          </a:p>
+          <a:p>
+            <a:pPr algn="just">
+              <a:buFont typeface="Wingdings" panose="05000000000000000000" pitchFamily="2" charset="2"/>
+              <a:buChar char="§"/>
+            </a:pPr>
+            <a:r>
+              <a:rPr lang="pt-BR" sz="2000" dirty="0">
+                <a:solidFill>
+                  <a:schemeClr val="tx1"/>
+                </a:solidFill>
+                <a:latin typeface="Times New Roman" panose="02020603050405020304" pitchFamily="18" charset="0"/>
+                <a:cs typeface="Times New Roman" panose="02020603050405020304" pitchFamily="18" charset="0"/>
+              </a:rPr>
+              <a:t>Qual complexidade e quantidade de dispositivos irei conectar neste </a:t>
+            </a:r>
+            <a:r>
+              <a:rPr lang="pt-BR" sz="2000" dirty="0" err="1">
+                <a:solidFill>
+                  <a:schemeClr val="tx1"/>
+                </a:solidFill>
+                <a:latin typeface="Times New Roman" panose="02020603050405020304" pitchFamily="18" charset="0"/>
+                <a:cs typeface="Times New Roman" panose="02020603050405020304" pitchFamily="18" charset="0"/>
+              </a:rPr>
+              <a:t>uC</a:t>
+            </a:r>
+            <a:r>
+              <a:rPr lang="pt-BR" sz="2000" dirty="0">
+                <a:solidFill>
+                  <a:schemeClr val="tx1"/>
+                </a:solidFill>
+                <a:latin typeface="Times New Roman" panose="02020603050405020304" pitchFamily="18" charset="0"/>
+                <a:cs typeface="Times New Roman" panose="02020603050405020304" pitchFamily="18" charset="0"/>
+              </a:rPr>
+              <a:t>?</a:t>
+            </a:r>
+          </a:p>
+          <a:p>
+            <a:pPr algn="just">
+              <a:buFont typeface="Wingdings" panose="05000000000000000000" pitchFamily="2" charset="2"/>
+              <a:buChar char="§"/>
+            </a:pPr>
+            <a:r>
+              <a:rPr lang="pt-BR" sz="2000" dirty="0">
+                <a:solidFill>
+                  <a:schemeClr val="tx1"/>
+                </a:solidFill>
+                <a:latin typeface="Times New Roman" panose="02020603050405020304" pitchFamily="18" charset="0"/>
+                <a:cs typeface="Times New Roman" panose="02020603050405020304" pitchFamily="18" charset="0"/>
+              </a:rPr>
+              <a:t>Quantos pinos de entrada ou saída de sinais serão precisos?</a:t>
+            </a:r>
+          </a:p>
+          <a:p>
+            <a:pPr algn="just">
+              <a:buFont typeface="Wingdings" panose="05000000000000000000" pitchFamily="2" charset="2"/>
+              <a:buChar char="§"/>
+            </a:pPr>
+            <a:r>
+              <a:rPr lang="pt-BR" sz="2000" dirty="0">
+                <a:solidFill>
+                  <a:schemeClr val="tx1"/>
+                </a:solidFill>
+                <a:latin typeface="Times New Roman" panose="02020603050405020304" pitchFamily="18" charset="0"/>
+                <a:cs typeface="Times New Roman" panose="02020603050405020304" pitchFamily="18" charset="0"/>
+              </a:rPr>
+              <a:t>Qual o tamanho e qualidade da comunidade para este </a:t>
+            </a:r>
+            <a:r>
+              <a:rPr lang="pt-BR" sz="2000" dirty="0" err="1">
+                <a:solidFill>
+                  <a:schemeClr val="tx1"/>
+                </a:solidFill>
+                <a:latin typeface="Times New Roman" panose="02020603050405020304" pitchFamily="18" charset="0"/>
+                <a:cs typeface="Times New Roman" panose="02020603050405020304" pitchFamily="18" charset="0"/>
+              </a:rPr>
+              <a:t>uC</a:t>
+            </a:r>
+            <a:r>
+              <a:rPr lang="pt-BR" sz="2000" dirty="0">
+                <a:solidFill>
+                  <a:schemeClr val="tx1"/>
+                </a:solidFill>
+                <a:latin typeface="Times New Roman" panose="02020603050405020304" pitchFamily="18" charset="0"/>
+                <a:cs typeface="Times New Roman" panose="02020603050405020304" pitchFamily="18" charset="0"/>
+              </a:rPr>
+              <a:t>?</a:t>
+            </a:r>
           </a:p>
         </p:txBody>
       </p:sp>
     </p:spTree>
     <p:extLst>
       <p:ext uri="{BB962C8B-B14F-4D97-AF65-F5344CB8AC3E}">
-        <p14:creationId xmlns:p14="http://schemas.microsoft.com/office/powerpoint/2010/main" val="1115311843"/>
+        <p14:creationId xmlns:p14="http://schemas.microsoft.com/office/powerpoint/2010/main" val="1984994642"/>
       </p:ext>
     </p:extLst>
   </p:cSld>
@@ -5733,67 +8016,9 @@
           <a:chExt cx="0" cy="0"/>
         </a:xfrm>
       </p:grpSpPr>
-      <p:pic>
-        <p:nvPicPr>
-          <p:cNvPr id="112" name="Picture 6" descr="Picture 6"/>
-          <p:cNvPicPr>
-            <a:picLocks noChangeAspect="1"/>
-          </p:cNvPicPr>
-          <p:nvPr/>
-        </p:nvPicPr>
-        <p:blipFill>
-          <a:blip r:embed="rId2"/>
-          <a:stretch>
-            <a:fillRect/>
-          </a:stretch>
-        </p:blipFill>
-        <p:spPr>
-          <a:xfrm>
-            <a:off x="0" y="0"/>
-            <a:ext cx="9144000" cy="5143500"/>
-          </a:xfrm>
-          <a:prstGeom prst="rect">
-            <a:avLst/>
-          </a:prstGeom>
-          <a:ln w="12700">
-            <a:miter lim="400000"/>
-            <a:headEnd/>
-            <a:tailEnd/>
-          </a:ln>
-        </p:spPr>
-      </p:pic>
-      <p:pic>
-        <p:nvPicPr>
-          <p:cNvPr id="114" name="Picture 5" descr="Picture 5"/>
-          <p:cNvPicPr>
-            <a:picLocks noChangeAspect="1"/>
-          </p:cNvPicPr>
-          <p:nvPr/>
-        </p:nvPicPr>
-        <p:blipFill>
-          <a:blip r:embed="rId3"/>
-          <a:stretch>
-            <a:fillRect/>
-          </a:stretch>
-        </p:blipFill>
-        <p:spPr>
-          <a:xfrm>
-            <a:off x="469900" y="0"/>
-            <a:ext cx="4391984" cy="171450"/>
-          </a:xfrm>
-          <a:prstGeom prst="rect">
-            <a:avLst/>
-          </a:prstGeom>
-          <a:ln w="12700">
-            <a:miter lim="400000"/>
-            <a:headEnd/>
-            <a:tailEnd/>
-          </a:ln>
-        </p:spPr>
-      </p:pic>
       <p:sp>
         <p:nvSpPr>
-          <p:cNvPr id="3" name="Título 2"/>
+          <p:cNvPr id="6" name="Title 1"/>
           <p:cNvSpPr>
             <a:spLocks noGrp="1"/>
           </p:cNvSpPr>
@@ -5803,8 +8028,49 @@
         </p:nvSpPr>
         <p:spPr>
           <a:xfrm>
-            <a:off x="285751" y="2386770"/>
-            <a:ext cx="8615364" cy="1102519"/>
+            <a:off x="457200" y="205980"/>
+            <a:ext cx="8229600" cy="857251"/>
+          </a:xfrm>
+        </p:spPr>
+        <p:txBody>
+          <a:bodyPr>
+            <a:normAutofit/>
+          </a:bodyPr>
+          <a:lstStyle/>
+          <a:p>
+            <a:r>
+              <a:rPr lang="en-US" b="1" dirty="0" err="1">
+                <a:solidFill>
+                  <a:srgbClr val="0070C0"/>
+                </a:solidFill>
+              </a:rPr>
+              <a:t>Microcontrolador</a:t>
+            </a:r>
+            <a:r>
+              <a:rPr lang="en-US" b="1" dirty="0">
+                <a:solidFill>
+                  <a:srgbClr val="0070C0"/>
+                </a:solidFill>
+              </a:rPr>
+              <a:t> – Wi-fi IoT</a:t>
+            </a:r>
+          </a:p>
+        </p:txBody>
+      </p:sp>
+      <p:sp>
+        <p:nvSpPr>
+          <p:cNvPr id="8" name="Text Placeholder 2"/>
+          <p:cNvSpPr>
+            <a:spLocks noGrp="1"/>
+          </p:cNvSpPr>
+          <p:nvPr>
+            <p:ph type="body" sz="half" idx="1"/>
+          </p:nvPr>
+        </p:nvSpPr>
+        <p:spPr>
+          <a:xfrm>
+            <a:off x="142865" y="1395222"/>
+            <a:ext cx="8865056" cy="3542298"/>
           </a:xfrm>
         </p:spPr>
         <p:txBody>
@@ -5813,356 +8079,266 @@
           </a:bodyPr>
           <a:lstStyle/>
           <a:p>
-            <a:r>
-              <a:rPr lang="pt-BR" sz="4800" b="1" dirty="0">
-                <a:solidFill>
-                  <a:schemeClr val="bg1"/>
-                </a:solidFill>
-              </a:rPr>
-              <a:t>Programação Microcontroladores</a:t>
-            </a:r>
+            <a:pPr marL="0" indent="0" algn="just">
+              <a:buNone/>
+            </a:pPr>
+            <a:r>
+              <a:rPr lang="pt-BR" sz="2000" dirty="0">
+                <a:solidFill>
+                  <a:schemeClr val="tx1"/>
+                </a:solidFill>
+                <a:latin typeface="Times New Roman" panose="02020603050405020304" pitchFamily="18" charset="0"/>
+                <a:cs typeface="Times New Roman" panose="02020603050405020304" pitchFamily="18" charset="0"/>
+              </a:rPr>
+              <a:t>Alguns </a:t>
+            </a:r>
+            <a:r>
+              <a:rPr lang="pt-BR" sz="2000" b="1" dirty="0">
+                <a:solidFill>
+                  <a:schemeClr val="tx1"/>
+                </a:solidFill>
+                <a:latin typeface="Times New Roman" panose="02020603050405020304" pitchFamily="18" charset="0"/>
+                <a:cs typeface="Times New Roman" panose="02020603050405020304" pitchFamily="18" charset="0"/>
+              </a:rPr>
+              <a:t>microcontroladores</a:t>
+            </a:r>
+            <a:r>
+              <a:rPr lang="pt-BR" sz="2000" dirty="0">
+                <a:solidFill>
+                  <a:schemeClr val="tx1"/>
+                </a:solidFill>
+                <a:latin typeface="Times New Roman" panose="02020603050405020304" pitchFamily="18" charset="0"/>
+                <a:cs typeface="Times New Roman" panose="02020603050405020304" pitchFamily="18" charset="0"/>
+              </a:rPr>
+              <a:t> possuem internamente a eletrônica necessária para </a:t>
+            </a:r>
+            <a:r>
+              <a:rPr lang="pt-BR" sz="2000" b="1" dirty="0">
+                <a:solidFill>
+                  <a:srgbClr val="FF0000"/>
+                </a:solidFill>
+                <a:latin typeface="Times New Roman" panose="02020603050405020304" pitchFamily="18" charset="0"/>
+                <a:cs typeface="Times New Roman" panose="02020603050405020304" pitchFamily="18" charset="0"/>
+              </a:rPr>
+              <a:t>comunicação Wi-Fi </a:t>
+            </a:r>
+            <a:r>
+              <a:rPr lang="pt-BR" sz="2000" dirty="0">
+                <a:solidFill>
+                  <a:schemeClr val="tx1"/>
+                </a:solidFill>
+                <a:latin typeface="Times New Roman" panose="02020603050405020304" pitchFamily="18" charset="0"/>
+                <a:cs typeface="Times New Roman" panose="02020603050405020304" pitchFamily="18" charset="0"/>
+              </a:rPr>
+              <a:t>ou até mesmo </a:t>
+            </a:r>
+            <a:r>
+              <a:rPr lang="pt-BR" sz="2000" b="1" dirty="0">
+                <a:solidFill>
+                  <a:srgbClr val="FF0000"/>
+                </a:solidFill>
+                <a:latin typeface="Times New Roman" panose="02020603050405020304" pitchFamily="18" charset="0"/>
+                <a:cs typeface="Times New Roman" panose="02020603050405020304" pitchFamily="18" charset="0"/>
+              </a:rPr>
+              <a:t>Ethernet</a:t>
+            </a:r>
+            <a:r>
+              <a:rPr lang="pt-BR" sz="2000" dirty="0">
+                <a:solidFill>
+                  <a:schemeClr val="tx1"/>
+                </a:solidFill>
+                <a:latin typeface="Times New Roman" panose="02020603050405020304" pitchFamily="18" charset="0"/>
+                <a:cs typeface="Times New Roman" panose="02020603050405020304" pitchFamily="18" charset="0"/>
+              </a:rPr>
+              <a:t>.</a:t>
+            </a:r>
+          </a:p>
+          <a:p>
+            <a:pPr marL="0" indent="0" algn="just">
+              <a:buNone/>
+            </a:pPr>
+            <a:endParaRPr lang="pt-BR" sz="2000" dirty="0">
+              <a:solidFill>
+                <a:schemeClr val="tx1"/>
+              </a:solidFill>
+              <a:latin typeface="Times New Roman" panose="02020603050405020304" pitchFamily="18" charset="0"/>
+              <a:cs typeface="Times New Roman" panose="02020603050405020304" pitchFamily="18" charset="0"/>
+            </a:endParaRPr>
+          </a:p>
+          <a:p>
+            <a:pPr marL="0" indent="0" algn="just">
+              <a:buNone/>
+            </a:pPr>
+            <a:r>
+              <a:rPr lang="pt-BR" sz="2000" b="1" dirty="0">
+                <a:solidFill>
+                  <a:schemeClr val="tx1"/>
+                </a:solidFill>
+                <a:latin typeface="Times New Roman" panose="02020603050405020304" pitchFamily="18" charset="0"/>
+                <a:cs typeface="Times New Roman" panose="02020603050405020304" pitchFamily="18" charset="0"/>
+              </a:rPr>
+              <a:t>Produtos </a:t>
+            </a:r>
+            <a:r>
+              <a:rPr lang="pt-BR" sz="2000" b="1" dirty="0" err="1">
+                <a:solidFill>
+                  <a:schemeClr val="tx1"/>
+                </a:solidFill>
+                <a:latin typeface="Times New Roman" panose="02020603050405020304" pitchFamily="18" charset="0"/>
+                <a:cs typeface="Times New Roman" panose="02020603050405020304" pitchFamily="18" charset="0"/>
+              </a:rPr>
+              <a:t>IoT</a:t>
+            </a:r>
+            <a:r>
+              <a:rPr lang="pt-BR" sz="2000" dirty="0">
+                <a:solidFill>
+                  <a:schemeClr val="tx1"/>
+                </a:solidFill>
+                <a:latin typeface="Times New Roman" panose="02020603050405020304" pitchFamily="18" charset="0"/>
+                <a:cs typeface="Times New Roman" panose="02020603050405020304" pitchFamily="18" charset="0"/>
+              </a:rPr>
+              <a:t> devem conectar qualquer dispositivo, </a:t>
+            </a:r>
+            <a:r>
+              <a:rPr lang="pt-BR" sz="2000" b="1" dirty="0">
+                <a:solidFill>
+                  <a:srgbClr val="FF0000"/>
+                </a:solidFill>
+                <a:latin typeface="Times New Roman" panose="02020603050405020304" pitchFamily="18" charset="0"/>
+                <a:cs typeface="Times New Roman" panose="02020603050405020304" pitchFamily="18" charset="0"/>
+              </a:rPr>
+              <a:t>através de Satélites e várias tecnologias de comunicação</a:t>
+            </a:r>
+            <a:r>
+              <a:rPr lang="pt-BR" sz="2000" dirty="0">
+                <a:solidFill>
+                  <a:schemeClr val="tx1"/>
+                </a:solidFill>
+                <a:latin typeface="Times New Roman" panose="02020603050405020304" pitchFamily="18" charset="0"/>
+                <a:cs typeface="Times New Roman" panose="02020603050405020304" pitchFamily="18" charset="0"/>
+              </a:rPr>
+              <a:t>, facilitando o </a:t>
+            </a:r>
+            <a:r>
+              <a:rPr lang="pt-BR" sz="2000" b="1" dirty="0">
+                <a:solidFill>
+                  <a:schemeClr val="tx1"/>
+                </a:solidFill>
+                <a:latin typeface="Times New Roman" panose="02020603050405020304" pitchFamily="18" charset="0"/>
+                <a:cs typeface="Times New Roman" panose="02020603050405020304" pitchFamily="18" charset="0"/>
+              </a:rPr>
+              <a:t>monitoramento e o gerenciamento</a:t>
+            </a:r>
+            <a:r>
+              <a:rPr lang="pt-BR" sz="2000" dirty="0">
+                <a:solidFill>
+                  <a:schemeClr val="tx1"/>
+                </a:solidFill>
+                <a:latin typeface="Times New Roman" panose="02020603050405020304" pitchFamily="18" charset="0"/>
+                <a:cs typeface="Times New Roman" panose="02020603050405020304" pitchFamily="18" charset="0"/>
+              </a:rPr>
+              <a:t> das informações conforme sua necessidade.</a:t>
+            </a:r>
+          </a:p>
+          <a:p>
+            <a:pPr marL="0" indent="0" algn="just">
+              <a:buNone/>
+            </a:pPr>
+            <a:endParaRPr lang="pt-BR" sz="2000" dirty="0">
+              <a:solidFill>
+                <a:schemeClr val="tx1"/>
+              </a:solidFill>
+              <a:latin typeface="Times New Roman" panose="02020603050405020304" pitchFamily="18" charset="0"/>
+              <a:cs typeface="Times New Roman" panose="02020603050405020304" pitchFamily="18" charset="0"/>
+            </a:endParaRPr>
+          </a:p>
+          <a:p>
+            <a:pPr marL="0" indent="0" algn="just">
+              <a:buNone/>
+            </a:pPr>
+            <a:r>
+              <a:rPr lang="pt-BR" sz="2000" b="1" dirty="0">
+                <a:solidFill>
+                  <a:schemeClr val="tx1"/>
+                </a:solidFill>
+                <a:latin typeface="Times New Roman" panose="02020603050405020304" pitchFamily="18" charset="0"/>
+                <a:cs typeface="Times New Roman" panose="02020603050405020304" pitchFamily="18" charset="0"/>
+              </a:rPr>
+              <a:t>Solução </a:t>
+            </a:r>
+            <a:r>
+              <a:rPr lang="pt-BR" sz="2000" b="1" dirty="0" err="1">
+                <a:solidFill>
+                  <a:schemeClr val="tx1"/>
+                </a:solidFill>
+                <a:latin typeface="Times New Roman" panose="02020603050405020304" pitchFamily="18" charset="0"/>
+                <a:cs typeface="Times New Roman" panose="02020603050405020304" pitchFamily="18" charset="0"/>
+              </a:rPr>
+              <a:t>IoT</a:t>
+            </a:r>
+            <a:r>
+              <a:rPr lang="pt-BR" sz="2000" dirty="0">
+                <a:solidFill>
+                  <a:schemeClr val="tx1"/>
+                </a:solidFill>
+                <a:latin typeface="Times New Roman" panose="02020603050405020304" pitchFamily="18" charset="0"/>
+                <a:cs typeface="Times New Roman" panose="02020603050405020304" pitchFamily="18" charset="0"/>
+              </a:rPr>
+              <a:t> deve manter </a:t>
+            </a:r>
+            <a:r>
+              <a:rPr lang="pt-BR" sz="2000" b="1" dirty="0">
+                <a:solidFill>
+                  <a:srgbClr val="FF0000"/>
+                </a:solidFill>
+                <a:latin typeface="Times New Roman" panose="02020603050405020304" pitchFamily="18" charset="0"/>
+                <a:cs typeface="Times New Roman" panose="02020603050405020304" pitchFamily="18" charset="0"/>
+              </a:rPr>
+              <a:t>dispositivos conectados</a:t>
+            </a:r>
+            <a:r>
+              <a:rPr lang="pt-BR" sz="2000" dirty="0">
+                <a:solidFill>
+                  <a:schemeClr val="tx1"/>
+                </a:solidFill>
+                <a:latin typeface="Times New Roman" panose="02020603050405020304" pitchFamily="18" charset="0"/>
+                <a:cs typeface="Times New Roman" panose="02020603050405020304" pitchFamily="18" charset="0"/>
+              </a:rPr>
+              <a:t>, possibilitando o monitoramento de suas operações e de seus ativos – equipamentos e sensores.</a:t>
+            </a:r>
+          </a:p>
+          <a:p>
+            <a:pPr marL="0" indent="0" algn="just">
+              <a:buNone/>
+            </a:pPr>
+            <a:endParaRPr lang="pt-BR" sz="2000" dirty="0">
+              <a:solidFill>
+                <a:schemeClr val="tx1"/>
+              </a:solidFill>
+              <a:latin typeface="Times New Roman" panose="02020603050405020304" pitchFamily="18" charset="0"/>
+              <a:cs typeface="Times New Roman" panose="02020603050405020304" pitchFamily="18" charset="0"/>
+            </a:endParaRPr>
+          </a:p>
+          <a:p>
+            <a:pPr marL="0" indent="0" algn="just">
+              <a:buNone/>
+            </a:pPr>
+            <a:endParaRPr lang="pt-BR" sz="2000" dirty="0">
+              <a:solidFill>
+                <a:schemeClr val="tx1"/>
+              </a:solidFill>
+              <a:latin typeface="Times New Roman" panose="02020603050405020304" pitchFamily="18" charset="0"/>
+              <a:cs typeface="Times New Roman" panose="02020603050405020304" pitchFamily="18" charset="0"/>
+            </a:endParaRPr>
           </a:p>
         </p:txBody>
       </p:sp>
-      <p:sp>
-        <p:nvSpPr>
-          <p:cNvPr id="6" name="Título 2"/>
-          <p:cNvSpPr txBox="1"/>
-          <p:nvPr/>
-        </p:nvSpPr>
-        <p:spPr>
-          <a:xfrm>
-            <a:off x="975683" y="3866663"/>
-            <a:ext cx="7772400" cy="1102519"/>
-          </a:xfrm>
-          <a:prstGeom prst="rect">
-            <a:avLst/>
-          </a:prstGeom>
-          <a:ln w="12700">
-            <a:miter lim="400000"/>
-          </a:ln>
-        </p:spPr>
-        <p:txBody>
-          <a:bodyPr lIns="45718" tIns="45718" rIns="45718" bIns="45718" anchor="ctr">
-            <a:noAutofit/>
-          </a:bodyPr>
-          <a:lstStyle>
-            <a:lvl1pPr marL="0" marR="0" indent="0" algn="ctr" defTabSz="457200" rtl="0" latinLnBrk="0">
-              <a:lnSpc>
-                <a:spcPct val="100000"/>
-              </a:lnSpc>
-              <a:spcBef>
-                <a:spcPts val="0"/>
-              </a:spcBef>
-              <a:spcAft>
-                <a:spcPts val="0"/>
-              </a:spcAft>
-              <a:buClrTx/>
-              <a:buSzTx/>
-              <a:buFontTx/>
-              <a:buNone/>
-              <a:defRPr sz="4400" b="0" i="0" u="none" strike="noStrike" cap="none" spc="0" baseline="0">
-                <a:ln>
-                  <a:noFill/>
-                </a:ln>
-                <a:solidFill>
-                  <a:srgbClr val="000000"/>
-                </a:solidFill>
-                <a:uFillTx/>
-                <a:latin typeface="+mj-lt"/>
-                <a:ea typeface="+mj-ea"/>
-                <a:cs typeface="+mj-cs"/>
-                <a:sym typeface="Calibri"/>
-              </a:defRPr>
-            </a:lvl1pPr>
-            <a:lvl2pPr marL="0" marR="0" indent="0" algn="ctr" defTabSz="457200" rtl="0" latinLnBrk="0">
-              <a:lnSpc>
-                <a:spcPct val="100000"/>
-              </a:lnSpc>
-              <a:spcBef>
-                <a:spcPts val="0"/>
-              </a:spcBef>
-              <a:spcAft>
-                <a:spcPts val="0"/>
-              </a:spcAft>
-              <a:buClrTx/>
-              <a:buSzTx/>
-              <a:buFontTx/>
-              <a:buNone/>
-              <a:defRPr sz="4400" b="0" i="0" u="none" strike="noStrike" cap="none" spc="0" baseline="0">
-                <a:ln>
-                  <a:noFill/>
-                </a:ln>
-                <a:solidFill>
-                  <a:srgbClr val="000000"/>
-                </a:solidFill>
-                <a:uFillTx/>
-                <a:latin typeface="+mj-lt"/>
-                <a:ea typeface="+mj-ea"/>
-                <a:cs typeface="+mj-cs"/>
-                <a:sym typeface="Calibri"/>
-              </a:defRPr>
-            </a:lvl2pPr>
-            <a:lvl3pPr marL="0" marR="0" indent="0" algn="ctr" defTabSz="457200" rtl="0" latinLnBrk="0">
-              <a:lnSpc>
-                <a:spcPct val="100000"/>
-              </a:lnSpc>
-              <a:spcBef>
-                <a:spcPts val="0"/>
-              </a:spcBef>
-              <a:spcAft>
-                <a:spcPts val="0"/>
-              </a:spcAft>
-              <a:buClrTx/>
-              <a:buSzTx/>
-              <a:buFontTx/>
-              <a:buNone/>
-              <a:defRPr sz="4400" b="0" i="0" u="none" strike="noStrike" cap="none" spc="0" baseline="0">
-                <a:ln>
-                  <a:noFill/>
-                </a:ln>
-                <a:solidFill>
-                  <a:srgbClr val="000000"/>
-                </a:solidFill>
-                <a:uFillTx/>
-                <a:latin typeface="+mj-lt"/>
-                <a:ea typeface="+mj-ea"/>
-                <a:cs typeface="+mj-cs"/>
-                <a:sym typeface="Calibri"/>
-              </a:defRPr>
-            </a:lvl3pPr>
-            <a:lvl4pPr marL="0" marR="0" indent="0" algn="ctr" defTabSz="457200" rtl="0" latinLnBrk="0">
-              <a:lnSpc>
-                <a:spcPct val="100000"/>
-              </a:lnSpc>
-              <a:spcBef>
-                <a:spcPts val="0"/>
-              </a:spcBef>
-              <a:spcAft>
-                <a:spcPts val="0"/>
-              </a:spcAft>
-              <a:buClrTx/>
-              <a:buSzTx/>
-              <a:buFontTx/>
-              <a:buNone/>
-              <a:defRPr sz="4400" b="0" i="0" u="none" strike="noStrike" cap="none" spc="0" baseline="0">
-                <a:ln>
-                  <a:noFill/>
-                </a:ln>
-                <a:solidFill>
-                  <a:srgbClr val="000000"/>
-                </a:solidFill>
-                <a:uFillTx/>
-                <a:latin typeface="+mj-lt"/>
-                <a:ea typeface="+mj-ea"/>
-                <a:cs typeface="+mj-cs"/>
-                <a:sym typeface="Calibri"/>
-              </a:defRPr>
-            </a:lvl4pPr>
-            <a:lvl5pPr marL="0" marR="0" indent="0" algn="ctr" defTabSz="457200" rtl="0" latinLnBrk="0">
-              <a:lnSpc>
-                <a:spcPct val="100000"/>
-              </a:lnSpc>
-              <a:spcBef>
-                <a:spcPts val="0"/>
-              </a:spcBef>
-              <a:spcAft>
-                <a:spcPts val="0"/>
-              </a:spcAft>
-              <a:buClrTx/>
-              <a:buSzTx/>
-              <a:buFontTx/>
-              <a:buNone/>
-              <a:defRPr sz="4400" b="0" i="0" u="none" strike="noStrike" cap="none" spc="0" baseline="0">
-                <a:ln>
-                  <a:noFill/>
-                </a:ln>
-                <a:solidFill>
-                  <a:srgbClr val="000000"/>
-                </a:solidFill>
-                <a:uFillTx/>
-                <a:latin typeface="+mj-lt"/>
-                <a:ea typeface="+mj-ea"/>
-                <a:cs typeface="+mj-cs"/>
-                <a:sym typeface="Calibri"/>
-              </a:defRPr>
-            </a:lvl5pPr>
-            <a:lvl6pPr marL="0" marR="0" indent="0" algn="ctr" defTabSz="457200" rtl="0" latinLnBrk="0">
-              <a:lnSpc>
-                <a:spcPct val="100000"/>
-              </a:lnSpc>
-              <a:spcBef>
-                <a:spcPts val="0"/>
-              </a:spcBef>
-              <a:spcAft>
-                <a:spcPts val="0"/>
-              </a:spcAft>
-              <a:buClrTx/>
-              <a:buSzTx/>
-              <a:buFontTx/>
-              <a:buNone/>
-              <a:defRPr sz="4400" b="0" i="0" u="none" strike="noStrike" cap="none" spc="0" baseline="0">
-                <a:ln>
-                  <a:noFill/>
-                </a:ln>
-                <a:solidFill>
-                  <a:srgbClr val="000000"/>
-                </a:solidFill>
-                <a:uFillTx/>
-                <a:latin typeface="+mj-lt"/>
-                <a:ea typeface="+mj-ea"/>
-                <a:cs typeface="+mj-cs"/>
-                <a:sym typeface="Calibri"/>
-              </a:defRPr>
-            </a:lvl6pPr>
-            <a:lvl7pPr marL="0" marR="0" indent="0" algn="ctr" defTabSz="457200" rtl="0" latinLnBrk="0">
-              <a:lnSpc>
-                <a:spcPct val="100000"/>
-              </a:lnSpc>
-              <a:spcBef>
-                <a:spcPts val="0"/>
-              </a:spcBef>
-              <a:spcAft>
-                <a:spcPts val="0"/>
-              </a:spcAft>
-              <a:buClrTx/>
-              <a:buSzTx/>
-              <a:buFontTx/>
-              <a:buNone/>
-              <a:defRPr sz="4400" b="0" i="0" u="none" strike="noStrike" cap="none" spc="0" baseline="0">
-                <a:ln>
-                  <a:noFill/>
-                </a:ln>
-                <a:solidFill>
-                  <a:srgbClr val="000000"/>
-                </a:solidFill>
-                <a:uFillTx/>
-                <a:latin typeface="+mj-lt"/>
-                <a:ea typeface="+mj-ea"/>
-                <a:cs typeface="+mj-cs"/>
-                <a:sym typeface="Calibri"/>
-              </a:defRPr>
-            </a:lvl7pPr>
-            <a:lvl8pPr marL="0" marR="0" indent="0" algn="ctr" defTabSz="457200" rtl="0" latinLnBrk="0">
-              <a:lnSpc>
-                <a:spcPct val="100000"/>
-              </a:lnSpc>
-              <a:spcBef>
-                <a:spcPts val="0"/>
-              </a:spcBef>
-              <a:spcAft>
-                <a:spcPts val="0"/>
-              </a:spcAft>
-              <a:buClrTx/>
-              <a:buSzTx/>
-              <a:buFontTx/>
-              <a:buNone/>
-              <a:defRPr sz="4400" b="0" i="0" u="none" strike="noStrike" cap="none" spc="0" baseline="0">
-                <a:ln>
-                  <a:noFill/>
-                </a:ln>
-                <a:solidFill>
-                  <a:srgbClr val="000000"/>
-                </a:solidFill>
-                <a:uFillTx/>
-                <a:latin typeface="+mj-lt"/>
-                <a:ea typeface="+mj-ea"/>
-                <a:cs typeface="+mj-cs"/>
-                <a:sym typeface="Calibri"/>
-              </a:defRPr>
-            </a:lvl8pPr>
-            <a:lvl9pPr marL="0" marR="0" indent="0" algn="ctr" defTabSz="457200" rtl="0" latinLnBrk="0">
-              <a:lnSpc>
-                <a:spcPct val="100000"/>
-              </a:lnSpc>
-              <a:spcBef>
-                <a:spcPts val="0"/>
-              </a:spcBef>
-              <a:spcAft>
-                <a:spcPts val="0"/>
-              </a:spcAft>
-              <a:buClrTx/>
-              <a:buSzTx/>
-              <a:buFontTx/>
-              <a:buNone/>
-              <a:defRPr sz="4400" b="0" i="0" u="none" strike="noStrike" cap="none" spc="0" baseline="0">
-                <a:ln>
-                  <a:noFill/>
-                </a:ln>
-                <a:solidFill>
-                  <a:srgbClr val="000000"/>
-                </a:solidFill>
-                <a:uFillTx/>
-                <a:latin typeface="+mj-lt"/>
-                <a:ea typeface="+mj-ea"/>
-                <a:cs typeface="+mj-cs"/>
-                <a:sym typeface="Calibri"/>
-              </a:defRPr>
-            </a:lvl9pPr>
-          </a:lstStyle>
-          <a:p>
-            <a:pPr algn="r" hangingPunct="1"/>
-            <a:r>
-              <a:rPr lang="pt-BR" sz="2000" b="1" dirty="0">
-                <a:solidFill>
-                  <a:schemeClr val="bg1"/>
-                </a:solidFill>
-              </a:rPr>
-              <a:t>Professor </a:t>
-            </a:r>
-            <a:r>
-              <a:rPr lang="pt-BR" sz="2000" b="1">
-                <a:solidFill>
-                  <a:schemeClr val="bg1"/>
-                </a:solidFill>
-              </a:rPr>
-              <a:t>M.Sc</a:t>
-            </a:r>
-            <a:r>
-              <a:rPr lang="pt-BR" sz="2000" b="1" dirty="0">
-                <a:solidFill>
-                  <a:schemeClr val="bg1"/>
-                </a:solidFill>
-              </a:rPr>
-              <a:t>. Heleno Cardoso</a:t>
-            </a:r>
-          </a:p>
-        </p:txBody>
-      </p:sp>
-      <p:pic>
-        <p:nvPicPr>
-          <p:cNvPr id="2" name="Google Shape;62;p1" descr="Imagem">
-            <a:extLst>
-              <a:ext uri="{FF2B5EF4-FFF2-40B4-BE49-F238E27FC236}">
-                <a16:creationId xmlns:a16="http://schemas.microsoft.com/office/drawing/2014/main" id="{9C895622-2963-024D-634E-EA58F5381D06}"/>
-              </a:ext>
-            </a:extLst>
-          </p:cNvPr>
-          <p:cNvPicPr preferRelativeResize="0"/>
-          <p:nvPr/>
-        </p:nvPicPr>
-        <p:blipFill rotWithShape="1">
-          <a:blip r:embed="rId4">
-            <a:alphaModFix/>
-          </a:blip>
-          <a:srcRect/>
-          <a:stretch/>
-        </p:blipFill>
-        <p:spPr>
-          <a:xfrm>
-            <a:off x="469898" y="343798"/>
-            <a:ext cx="2858518" cy="1338697"/>
-          </a:xfrm>
-          <a:prstGeom prst="rect">
-            <a:avLst/>
-          </a:prstGeom>
-          <a:noFill/>
-          <a:ln>
-            <a:noFill/>
-          </a:ln>
-        </p:spPr>
-      </p:pic>
     </p:spTree>
+    <p:extLst>
+      <p:ext uri="{BB962C8B-B14F-4D97-AF65-F5344CB8AC3E}">
+        <p14:creationId xmlns:p14="http://schemas.microsoft.com/office/powerpoint/2010/main" val="3228031410"/>
+      </p:ext>
+    </p:extLst>
   </p:cSld>
   <p:clrMapOvr>
     <a:masterClrMapping/>

--- a/01 Classes/Aula 10 - Programação Microcontroladores - Projetos com Microcontroladores Boas Práticas e Wifi.pptx
+++ b/01 Classes/Aula 10 - Programação Microcontroladores - Projetos com Microcontroladores Boas Práticas e Wifi.pptx
@@ -8052,7 +8052,7 @@
                   <a:srgbClr val="0070C0"/>
                 </a:solidFill>
               </a:rPr>
-              <a:t> – Wi-fi IoT</a:t>
+              <a:t> – Wi-Fi IoT</a:t>
             </a:r>
           </a:p>
         </p:txBody>

--- a/01 Classes/Aula 10 - Programação Microcontroladores - Projetos com Microcontroladores Boas Práticas e Wifi.pptx
+++ b/01 Classes/Aula 10 - Programação Microcontroladores - Projetos com Microcontroladores Boas Práticas e Wifi.pptx
@@ -4378,7 +4378,7 @@
             <a:pPr marL="0" indent="0" algn="just">
               <a:buNone/>
             </a:pPr>
-            <a:endParaRPr lang="pt-BR" sz="2000" dirty="0">
+            <a:endParaRPr lang="pt-BR" sz="2400" dirty="0">
               <a:solidFill>
                 <a:schemeClr val="tx1"/>
               </a:solidFill>
@@ -4390,68 +4390,223 @@
             <a:pPr marL="0" indent="0" algn="just">
               <a:buNone/>
             </a:pPr>
-            <a:endParaRPr lang="pt-BR" sz="2000" dirty="0">
+            <a:r>
+              <a:rPr lang="pt-BR" sz="2400" dirty="0">
+                <a:solidFill>
+                  <a:schemeClr val="tx1"/>
+                </a:solidFill>
+                <a:latin typeface="Times New Roman" panose="02020603050405020304" pitchFamily="18" charset="0"/>
+                <a:cs typeface="Times New Roman" panose="02020603050405020304" pitchFamily="18" charset="0"/>
+              </a:rPr>
+              <a:t>	Em síntese, um </a:t>
+            </a:r>
+            <a:r>
+              <a:rPr lang="pt-BR" sz="2400" b="1" dirty="0">
+                <a:solidFill>
+                  <a:schemeClr val="tx1"/>
+                </a:solidFill>
+                <a:latin typeface="Times New Roman" panose="02020603050405020304" pitchFamily="18" charset="0"/>
+                <a:cs typeface="Times New Roman" panose="02020603050405020304" pitchFamily="18" charset="0"/>
+              </a:rPr>
+              <a:t>microcomputador</a:t>
+            </a:r>
+            <a:r>
+              <a:rPr lang="pt-BR" sz="2400" dirty="0">
+                <a:solidFill>
+                  <a:schemeClr val="tx1"/>
+                </a:solidFill>
+                <a:latin typeface="Times New Roman" panose="02020603050405020304" pitchFamily="18" charset="0"/>
+                <a:cs typeface="Times New Roman" panose="02020603050405020304" pitchFamily="18" charset="0"/>
+              </a:rPr>
+              <a:t>, consiste de uma </a:t>
+            </a:r>
+            <a:r>
+              <a:rPr lang="pt-BR" sz="2400" b="1" dirty="0">
+                <a:solidFill>
+                  <a:srgbClr val="FF0000"/>
+                </a:solidFill>
+                <a:latin typeface="Times New Roman" panose="02020603050405020304" pitchFamily="18" charset="0"/>
+                <a:cs typeface="Times New Roman" panose="02020603050405020304" pitchFamily="18" charset="0"/>
+              </a:rPr>
+              <a:t>memória RAM</a:t>
+            </a:r>
+            <a:r>
+              <a:rPr lang="pt-BR" sz="2400" dirty="0">
+                <a:solidFill>
+                  <a:schemeClr val="tx1"/>
+                </a:solidFill>
+                <a:latin typeface="Times New Roman" panose="02020603050405020304" pitchFamily="18" charset="0"/>
+                <a:cs typeface="Times New Roman" panose="02020603050405020304" pitchFamily="18" charset="0"/>
+              </a:rPr>
+              <a:t>, </a:t>
+            </a:r>
+            <a:r>
+              <a:rPr lang="pt-BR" sz="2400" b="1" dirty="0">
+                <a:solidFill>
+                  <a:schemeClr val="tx1"/>
+                </a:solidFill>
+                <a:latin typeface="Times New Roman" panose="02020603050405020304" pitchFamily="18" charset="0"/>
+                <a:cs typeface="Times New Roman" panose="02020603050405020304" pitchFamily="18" charset="0"/>
+              </a:rPr>
+              <a:t>memória não-volátil EEPROM</a:t>
+            </a:r>
+            <a:r>
+              <a:rPr lang="pt-BR" sz="2400" dirty="0">
+                <a:solidFill>
+                  <a:schemeClr val="tx1"/>
+                </a:solidFill>
+                <a:latin typeface="Times New Roman" panose="02020603050405020304" pitchFamily="18" charset="0"/>
+                <a:cs typeface="Times New Roman" panose="02020603050405020304" pitchFamily="18" charset="0"/>
+              </a:rPr>
+              <a:t>, </a:t>
+            </a:r>
+            <a:r>
+              <a:rPr lang="pt-BR" sz="2400" b="1" dirty="0">
+                <a:solidFill>
+                  <a:srgbClr val="FF0000"/>
+                </a:solidFill>
+                <a:latin typeface="Times New Roman" panose="02020603050405020304" pitchFamily="18" charset="0"/>
+                <a:cs typeface="Times New Roman" panose="02020603050405020304" pitchFamily="18" charset="0"/>
+              </a:rPr>
+              <a:t>memória de programa</a:t>
+            </a:r>
+            <a:r>
+              <a:rPr lang="pt-BR" sz="2400" dirty="0">
+                <a:solidFill>
+                  <a:schemeClr val="tx1"/>
+                </a:solidFill>
+                <a:latin typeface="Times New Roman" panose="02020603050405020304" pitchFamily="18" charset="0"/>
+                <a:cs typeface="Times New Roman" panose="02020603050405020304" pitchFamily="18" charset="0"/>
+              </a:rPr>
+              <a:t>, </a:t>
+            </a:r>
+            <a:r>
+              <a:rPr lang="pt-BR" sz="2400" b="1" dirty="0">
+                <a:solidFill>
+                  <a:schemeClr val="tx1"/>
+                </a:solidFill>
+                <a:latin typeface="Times New Roman" panose="02020603050405020304" pitchFamily="18" charset="0"/>
+                <a:cs typeface="Times New Roman" panose="02020603050405020304" pitchFamily="18" charset="0"/>
+              </a:rPr>
+              <a:t>controladores de E/S </a:t>
+            </a:r>
+            <a:r>
+              <a:rPr lang="pt-BR" sz="2400" b="1" dirty="0">
+                <a:solidFill>
+                  <a:srgbClr val="FF0000"/>
+                </a:solidFill>
+                <a:latin typeface="Times New Roman" panose="02020603050405020304" pitchFamily="18" charset="0"/>
+                <a:cs typeface="Times New Roman" panose="02020603050405020304" pitchFamily="18" charset="0"/>
+              </a:rPr>
+              <a:t>digital e analógica </a:t>
+            </a:r>
+            <a:r>
+              <a:rPr lang="pt-BR" sz="2400" dirty="0">
+                <a:solidFill>
+                  <a:schemeClr val="tx1"/>
+                </a:solidFill>
+                <a:latin typeface="Times New Roman" panose="02020603050405020304" pitchFamily="18" charset="0"/>
+                <a:cs typeface="Times New Roman" panose="02020603050405020304" pitchFamily="18" charset="0"/>
+              </a:rPr>
+              <a:t>(</a:t>
+            </a:r>
+            <a:r>
+              <a:rPr lang="pt-BR" sz="2400" b="1" dirty="0">
+                <a:solidFill>
+                  <a:schemeClr val="tx1"/>
+                </a:solidFill>
+                <a:latin typeface="Times New Roman" panose="02020603050405020304" pitchFamily="18" charset="0"/>
+                <a:cs typeface="Times New Roman" panose="02020603050405020304" pitchFamily="18" charset="0"/>
+              </a:rPr>
+              <a:t>opcional</a:t>
+            </a:r>
+            <a:r>
+              <a:rPr lang="pt-BR" sz="2400" dirty="0">
+                <a:solidFill>
+                  <a:schemeClr val="tx1"/>
+                </a:solidFill>
+                <a:latin typeface="Times New Roman" panose="02020603050405020304" pitchFamily="18" charset="0"/>
+                <a:cs typeface="Times New Roman" panose="02020603050405020304" pitchFamily="18" charset="0"/>
+              </a:rPr>
+              <a:t>) em torno de uma </a:t>
+            </a:r>
+            <a:r>
+              <a:rPr lang="pt-BR" sz="2400" b="1" dirty="0">
+                <a:solidFill>
+                  <a:schemeClr val="tx1"/>
+                </a:solidFill>
+                <a:latin typeface="Times New Roman" panose="02020603050405020304" pitchFamily="18" charset="0"/>
+                <a:cs typeface="Times New Roman" panose="02020603050405020304" pitchFamily="18" charset="0"/>
+              </a:rPr>
+              <a:t>CPU</a:t>
+            </a:r>
+            <a:r>
+              <a:rPr lang="pt-BR" sz="2400" dirty="0">
+                <a:solidFill>
+                  <a:schemeClr val="tx1"/>
+                </a:solidFill>
+                <a:latin typeface="Times New Roman" panose="02020603050405020304" pitchFamily="18" charset="0"/>
+                <a:cs typeface="Times New Roman" panose="02020603050405020304" pitchFamily="18" charset="0"/>
+              </a:rPr>
+              <a:t>, com um conjunto reduzido de instruções(</a:t>
+            </a:r>
+            <a:r>
+              <a:rPr lang="pt-BR" sz="2400" b="1" dirty="0">
+                <a:solidFill>
+                  <a:schemeClr val="tx1"/>
+                </a:solidFill>
+                <a:latin typeface="Times New Roman" panose="02020603050405020304" pitchFamily="18" charset="0"/>
+                <a:cs typeface="Times New Roman" panose="02020603050405020304" pitchFamily="18" charset="0"/>
+              </a:rPr>
+              <a:t>RISC</a:t>
+            </a:r>
+            <a:r>
+              <a:rPr lang="pt-BR" sz="2400" dirty="0">
+                <a:solidFill>
+                  <a:schemeClr val="tx1"/>
+                </a:solidFill>
+                <a:latin typeface="Times New Roman" panose="02020603050405020304" pitchFamily="18" charset="0"/>
+                <a:cs typeface="Times New Roman" panose="02020603050405020304" pitchFamily="18" charset="0"/>
+              </a:rPr>
+              <a:t>), dentro de um </a:t>
+            </a:r>
+            <a:r>
+              <a:rPr lang="pt-BR" sz="2400" b="1" dirty="0">
+                <a:solidFill>
+                  <a:schemeClr val="tx1"/>
+                </a:solidFill>
+                <a:latin typeface="Times New Roman" panose="02020603050405020304" pitchFamily="18" charset="0"/>
+                <a:cs typeface="Times New Roman" panose="02020603050405020304" pitchFamily="18" charset="0"/>
+              </a:rPr>
+              <a:t>único chip, </a:t>
+            </a:r>
+            <a:r>
+              <a:rPr lang="pt-BR" sz="2400" b="1" dirty="0" err="1">
+                <a:solidFill>
+                  <a:srgbClr val="FF0000"/>
+                </a:solidFill>
+                <a:latin typeface="Times New Roman" panose="02020603050405020304" pitchFamily="18" charset="0"/>
+                <a:cs typeface="Times New Roman" panose="02020603050405020304" pitchFamily="18" charset="0"/>
+              </a:rPr>
+              <a:t>SoC</a:t>
+            </a:r>
+            <a:r>
+              <a:rPr lang="pt-BR" sz="2400" dirty="0" err="1">
+                <a:solidFill>
+                  <a:schemeClr val="tx1"/>
+                </a:solidFill>
+                <a:latin typeface="Times New Roman" panose="02020603050405020304" pitchFamily="18" charset="0"/>
+                <a:cs typeface="Times New Roman" panose="02020603050405020304" pitchFamily="18" charset="0"/>
+              </a:rPr>
+              <a:t>.</a:t>
+            </a:r>
+            <a:endParaRPr lang="pt-BR" sz="2400" dirty="0">
               <a:solidFill>
                 <a:schemeClr val="tx1"/>
               </a:solidFill>
               <a:latin typeface="Times New Roman" panose="02020603050405020304" pitchFamily="18" charset="0"/>
               <a:cs typeface="Times New Roman" panose="02020603050405020304" pitchFamily="18" charset="0"/>
             </a:endParaRPr>
-          </a:p>
-          <a:p>
-            <a:pPr marL="0" indent="0" algn="just">
-              <a:buNone/>
-            </a:pPr>
-            <a:r>
-              <a:rPr lang="pt-BR" sz="2000" dirty="0">
-                <a:solidFill>
-                  <a:schemeClr val="tx1"/>
-                </a:solidFill>
-                <a:latin typeface="Times New Roman" panose="02020603050405020304" pitchFamily="18" charset="0"/>
-                <a:cs typeface="Times New Roman" panose="02020603050405020304" pitchFamily="18" charset="0"/>
-              </a:rPr>
-              <a:t>Em síntese, um </a:t>
-            </a:r>
-            <a:r>
-              <a:rPr lang="pt-BR" sz="2000" b="1" dirty="0">
-                <a:solidFill>
-                  <a:schemeClr val="tx1"/>
-                </a:solidFill>
-                <a:latin typeface="Times New Roman" panose="02020603050405020304" pitchFamily="18" charset="0"/>
-                <a:cs typeface="Times New Roman" panose="02020603050405020304" pitchFamily="18" charset="0"/>
-              </a:rPr>
-              <a:t>microcomputador</a:t>
-            </a:r>
-            <a:r>
-              <a:rPr lang="pt-BR" sz="2000" dirty="0">
-                <a:solidFill>
-                  <a:schemeClr val="tx1"/>
-                </a:solidFill>
-                <a:latin typeface="Times New Roman" panose="02020603050405020304" pitchFamily="18" charset="0"/>
-                <a:cs typeface="Times New Roman" panose="02020603050405020304" pitchFamily="18" charset="0"/>
-              </a:rPr>
-              <a:t>, consiste de uma memória RAM, memória não-volátil EEPROM, memória de programa, controladores de E/S digital e analógica (opcional) em torno de uma CPU com um conjunto reduzido de instruções(</a:t>
-            </a:r>
-            <a:r>
-              <a:rPr lang="pt-BR" sz="2000" b="1" dirty="0">
-                <a:solidFill>
-                  <a:schemeClr val="tx1"/>
-                </a:solidFill>
-                <a:latin typeface="Times New Roman" panose="02020603050405020304" pitchFamily="18" charset="0"/>
-                <a:cs typeface="Times New Roman" panose="02020603050405020304" pitchFamily="18" charset="0"/>
-              </a:rPr>
-              <a:t>RISC</a:t>
-            </a:r>
-            <a:r>
-              <a:rPr lang="pt-BR" sz="2000" dirty="0">
-                <a:solidFill>
-                  <a:schemeClr val="tx1"/>
-                </a:solidFill>
-                <a:latin typeface="Times New Roman" panose="02020603050405020304" pitchFamily="18" charset="0"/>
-                <a:cs typeface="Times New Roman" panose="02020603050405020304" pitchFamily="18" charset="0"/>
-              </a:rPr>
-              <a:t>), dentro de um único chip.</a:t>
-            </a:r>
           </a:p>
         </p:txBody>
       </p:sp>
@@ -5054,31 +5209,7 @@
             <a:pPr marL="0" indent="0" algn="just">
               <a:buNone/>
             </a:pPr>
-            <a:endParaRPr lang="pt-BR" sz="2000" dirty="0">
-              <a:latin typeface="Times New Roman" panose="02020603050405020304" pitchFamily="18" charset="0"/>
-              <a:cs typeface="Times New Roman" panose="02020603050405020304" pitchFamily="18" charset="0"/>
-            </a:endParaRPr>
-          </a:p>
-          <a:p>
-            <a:pPr marL="0" indent="0" algn="just">
-              <a:buNone/>
-            </a:pPr>
-            <a:r>
-              <a:rPr lang="pt-BR" sz="2000" dirty="0">
-                <a:solidFill>
-                  <a:schemeClr val="tx1"/>
-                </a:solidFill>
-                <a:latin typeface="Times New Roman" panose="02020603050405020304" pitchFamily="18" charset="0"/>
-                <a:cs typeface="Times New Roman" panose="02020603050405020304" pitchFamily="18" charset="0"/>
-              </a:rPr>
-              <a:t>Elaborar, sobre Microcontroladores:</a:t>
-            </a:r>
-          </a:p>
-          <a:p>
-            <a:pPr marL="0" indent="0" algn="just">
-              <a:buNone/>
-            </a:pPr>
-            <a:endParaRPr lang="pt-BR" sz="2000" dirty="0">
+            <a:endParaRPr lang="pt-BR" sz="2400" dirty="0">
               <a:solidFill>
                 <a:schemeClr val="tx1"/>
               </a:solidFill>
@@ -5090,7 +5221,22 @@
             <a:pPr marL="0" indent="0" algn="just">
               <a:buNone/>
             </a:pPr>
-            <a:endParaRPr lang="pt-BR" sz="2000" dirty="0">
+            <a:r>
+              <a:rPr lang="pt-BR" sz="2400" dirty="0">
+                <a:solidFill>
+                  <a:schemeClr val="tx1"/>
+                </a:solidFill>
+                <a:latin typeface="Times New Roman" panose="02020603050405020304" pitchFamily="18" charset="0"/>
+                <a:cs typeface="Times New Roman" panose="02020603050405020304" pitchFamily="18" charset="0"/>
+              </a:rPr>
+              <a:t>Elaborar, sobre Microcontroladores:</a:t>
+            </a:r>
+          </a:p>
+          <a:p>
+            <a:pPr marL="0" indent="0" algn="just">
+              <a:buNone/>
+            </a:pPr>
+            <a:endParaRPr lang="pt-BR" sz="2400" dirty="0">
               <a:solidFill>
                 <a:schemeClr val="tx1"/>
               </a:solidFill>
@@ -5102,7 +5248,7 @@
             <a:pPr marL="0" indent="0" algn="just">
               <a:buNone/>
             </a:pPr>
-            <a:endParaRPr lang="pt-BR" sz="2000" dirty="0">
+            <a:endParaRPr lang="pt-BR" sz="2400" dirty="0">
               <a:solidFill>
                 <a:schemeClr val="tx1"/>
               </a:solidFill>
@@ -5116,7 +5262,7 @@
               <a:buChar char="§"/>
             </a:pPr>
             <a:r>
-              <a:rPr lang="pt-BR" sz="2000" dirty="0">
+              <a:rPr lang="pt-BR" sz="2400">
                 <a:solidFill>
                   <a:schemeClr val="tx1"/>
                 </a:solidFill>
@@ -5126,25 +5272,26 @@
               <a:t>01 </a:t>
             </a:r>
             <a:r>
-              <a:rPr lang="pt-BR" sz="2000" b="1" dirty="0">
-                <a:solidFill>
-                  <a:schemeClr val="tx1"/>
-                </a:solidFill>
-                <a:latin typeface="Times New Roman" panose="02020603050405020304" pitchFamily="18" charset="0"/>
-                <a:cs typeface="Times New Roman" panose="02020603050405020304" pitchFamily="18" charset="0"/>
-              </a:rPr>
-              <a:t>resenha de um artigo</a:t>
-            </a:r>
-            <a:endParaRPr lang="pt-BR" sz="2000" dirty="0">
-              <a:latin typeface="Times New Roman" panose="02020603050405020304" pitchFamily="18" charset="0"/>
-              <a:cs typeface="Times New Roman" panose="02020603050405020304" pitchFamily="18" charset="0"/>
-            </a:endParaRPr>
-          </a:p>
-          <a:p>
-            <a:pPr marL="0" indent="0" algn="just">
-              <a:buNone/>
-            </a:pPr>
-            <a:endParaRPr lang="pt-BR" sz="2000" dirty="0">
+              <a:rPr lang="pt-BR" sz="2400" b="1" dirty="0">
+                <a:solidFill>
+                  <a:schemeClr val="tx1"/>
+                </a:solidFill>
+                <a:latin typeface="Times New Roman" panose="02020603050405020304" pitchFamily="18" charset="0"/>
+                <a:cs typeface="Times New Roman" panose="02020603050405020304" pitchFamily="18" charset="0"/>
+              </a:rPr>
+              <a:t>resenha de </a:t>
+            </a:r>
+            <a:r>
+              <a:rPr lang="pt-BR" sz="2400" b="1">
+                <a:solidFill>
+                  <a:schemeClr val="tx1"/>
+                </a:solidFill>
+                <a:latin typeface="Times New Roman" panose="02020603050405020304" pitchFamily="18" charset="0"/>
+                <a:cs typeface="Times New Roman" panose="02020603050405020304" pitchFamily="18" charset="0"/>
+              </a:rPr>
+              <a:t>um artigo.</a:t>
+            </a:r>
+            <a:endParaRPr lang="pt-BR" sz="2400" dirty="0">
               <a:latin typeface="Times New Roman" panose="02020603050405020304" pitchFamily="18" charset="0"/>
               <a:cs typeface="Times New Roman" panose="02020603050405020304" pitchFamily="18" charset="0"/>
             </a:endParaRPr>
@@ -6917,7 +7064,7 @@
                 <a:latin typeface="Times New Roman" panose="02020603050405020304" pitchFamily="18" charset="0"/>
                 <a:cs typeface="Times New Roman" panose="02020603050405020304" pitchFamily="18" charset="0"/>
               </a:rPr>
-              <a:t>), mas um dos mais utilizados em sistemas embarcados é o de sistema em camadas.</a:t>
+              <a:t>), mas, um dos mais utilizados em sistemas embarcados é o de sistema em camadas.</a:t>
             </a:r>
           </a:p>
           <a:p>
@@ -7355,8 +7502,8 @@
         </p:nvSpPr>
         <p:spPr>
           <a:xfrm>
-            <a:off x="142865" y="1395222"/>
-            <a:ext cx="8865056" cy="3542298"/>
+            <a:off x="142865" y="1063231"/>
+            <a:ext cx="8865056" cy="3874289"/>
           </a:xfrm>
         </p:spPr>
         <p:txBody>
@@ -7377,12 +7524,22 @@
                 <a:latin typeface="Times New Roman" panose="02020603050405020304" pitchFamily="18" charset="0"/>
                 <a:cs typeface="Times New Roman" panose="02020603050405020304" pitchFamily="18" charset="0"/>
               </a:rPr>
-              <a:t>Use o modificador </a:t>
-            </a:r>
-            <a:r>
-              <a:rPr lang="pt-BR" sz="2000" dirty="0" err="1">
-                <a:solidFill>
-                  <a:schemeClr val="tx1"/>
+              <a:t>Use o </a:t>
+            </a:r>
+            <a:r>
+              <a:rPr lang="pt-BR" sz="2000" b="1" dirty="0">
+                <a:solidFill>
+                  <a:srgbClr val="FF0000"/>
+                </a:solidFill>
+                <a:latin typeface="Times New Roman" panose="02020603050405020304" pitchFamily="18" charset="0"/>
+                <a:cs typeface="Times New Roman" panose="02020603050405020304" pitchFamily="18" charset="0"/>
+              </a:rPr>
+              <a:t>modificador </a:t>
+            </a:r>
+            <a:r>
+              <a:rPr lang="pt-BR" sz="2000" b="1" dirty="0" err="1">
+                <a:solidFill>
+                  <a:srgbClr val="FF0000"/>
                 </a:solidFill>
                 <a:latin typeface="Times New Roman" panose="02020603050405020304" pitchFamily="18" charset="0"/>
                 <a:cs typeface="Times New Roman" panose="02020603050405020304" pitchFamily="18" charset="0"/>
@@ -7397,7 +7554,67 @@
                 <a:latin typeface="Times New Roman" panose="02020603050405020304" pitchFamily="18" charset="0"/>
                 <a:cs typeface="Times New Roman" panose="02020603050405020304" pitchFamily="18" charset="0"/>
               </a:rPr>
-              <a:t> em variáveis onde houver risco de acesso por interrupções ou mais de uma tarefa do sistema operacional. O objetivo é evitar que o compilador faça otimizações e consequente leitura de valores incorretos;</a:t>
+              <a:t> em variáveis onde houver risco de acesso por interrupções ou mais de uma tarefa do sistema operacional. O objetivo é evitar que o compilador faça otimizações e consequente leitura de valores incorretos; </a:t>
+            </a:r>
+            <a:r>
+              <a:rPr lang="pt-BR" sz="2000" b="1" dirty="0">
+                <a:solidFill>
+                  <a:schemeClr val="tx1"/>
+                </a:solidFill>
+                <a:latin typeface="Times New Roman" panose="02020603050405020304" pitchFamily="18" charset="0"/>
+                <a:cs typeface="Times New Roman" panose="02020603050405020304" pitchFamily="18" charset="0"/>
+              </a:rPr>
+              <a:t>ex</a:t>
+            </a:r>
+            <a:r>
+              <a:rPr lang="pt-BR" sz="2000" dirty="0">
+                <a:solidFill>
+                  <a:schemeClr val="tx1"/>
+                </a:solidFill>
+                <a:latin typeface="Times New Roman" panose="02020603050405020304" pitchFamily="18" charset="0"/>
+                <a:cs typeface="Times New Roman" panose="02020603050405020304" pitchFamily="18" charset="0"/>
+              </a:rPr>
+              <a:t>. em C: </a:t>
+            </a:r>
+            <a:r>
+              <a:rPr lang="pt-BR" sz="2000" b="1" dirty="0" err="1">
+                <a:solidFill>
+                  <a:srgbClr val="FF0000"/>
+                </a:solidFill>
+                <a:latin typeface="Times New Roman" panose="02020603050405020304" pitchFamily="18" charset="0"/>
+                <a:cs typeface="Times New Roman" panose="02020603050405020304" pitchFamily="18" charset="0"/>
+              </a:rPr>
+              <a:t>volatile</a:t>
+            </a:r>
+            <a:r>
+              <a:rPr lang="pt-BR" sz="2000" b="1" dirty="0">
+                <a:solidFill>
+                  <a:srgbClr val="FF0000"/>
+                </a:solidFill>
+                <a:latin typeface="Times New Roman" panose="02020603050405020304" pitchFamily="18" charset="0"/>
+                <a:cs typeface="Times New Roman" panose="02020603050405020304" pitchFamily="18" charset="0"/>
+              </a:rPr>
+              <a:t> </a:t>
+            </a:r>
+            <a:r>
+              <a:rPr lang="pt-BR" sz="2000" b="1" dirty="0" err="1">
+                <a:solidFill>
+                  <a:srgbClr val="FF0000"/>
+                </a:solidFill>
+                <a:latin typeface="Times New Roman" panose="02020603050405020304" pitchFamily="18" charset="0"/>
+                <a:cs typeface="Times New Roman" panose="02020603050405020304" pitchFamily="18" charset="0"/>
+              </a:rPr>
+              <a:t>int</a:t>
+            </a:r>
+            <a:r>
+              <a:rPr lang="pt-BR" sz="2000" b="1" dirty="0">
+                <a:solidFill>
+                  <a:srgbClr val="FF0000"/>
+                </a:solidFill>
+                <a:latin typeface="Times New Roman" panose="02020603050405020304" pitchFamily="18" charset="0"/>
+                <a:cs typeface="Times New Roman" panose="02020603050405020304" pitchFamily="18" charset="0"/>
+              </a:rPr>
+              <a:t> flag = 0;</a:t>
             </a:r>
           </a:p>
           <a:p>
@@ -7405,16 +7622,13 @@
               <a:buFont typeface="Wingdings" panose="05000000000000000000" pitchFamily="2" charset="2"/>
               <a:buChar char="§"/>
             </a:pPr>
-            <a:r>
-              <a:rPr lang="pt-BR" sz="2000" dirty="0">
-                <a:solidFill>
-                  <a:schemeClr val="tx1"/>
-                </a:solidFill>
-                <a:latin typeface="Times New Roman" panose="02020603050405020304" pitchFamily="18" charset="0"/>
-                <a:cs typeface="Times New Roman" panose="02020603050405020304" pitchFamily="18" charset="0"/>
-              </a:rPr>
-              <a:t>Evite o uso de alocação dinâmica. A alocação dinâmica pode gerar fragmentação da memória e até risco de ausência de memória. Diretivas de programação segura para ambiente automotivo como o MISRA C (MISRA, 2004), proíbem qualquer uso desse tipo de recurso;</a:t>
-            </a:r>
+            <a:endParaRPr lang="pt-BR" sz="2000" b="1" dirty="0">
+              <a:solidFill>
+                <a:srgbClr val="FF0000"/>
+              </a:solidFill>
+              <a:latin typeface="Times New Roman" panose="02020603050405020304" pitchFamily="18" charset="0"/>
+              <a:cs typeface="Times New Roman" panose="02020603050405020304" pitchFamily="18" charset="0"/>
+            </a:endParaRPr>
           </a:p>
           <a:p>
             <a:pPr algn="just">
@@ -7422,6 +7636,16 @@
               <a:buChar char="§"/>
             </a:pPr>
             <a:r>
+              <a:rPr lang="pt-BR" sz="2000" b="1" dirty="0">
+                <a:solidFill>
+                  <a:schemeClr val="tx1"/>
+                </a:solidFill>
+                <a:latin typeface="Times New Roman" panose="02020603050405020304" pitchFamily="18" charset="0"/>
+                <a:cs typeface="Times New Roman" panose="02020603050405020304" pitchFamily="18" charset="0"/>
+              </a:rPr>
+              <a:t>Evite o uso de alocação dinâmica</a:t>
+            </a:r>
+            <a:r>
               <a:rPr lang="pt-BR" sz="2000" dirty="0">
                 <a:solidFill>
                   <a:schemeClr val="tx1"/>
@@ -7429,7 +7653,66 @@
                 <a:latin typeface="Times New Roman" panose="02020603050405020304" pitchFamily="18" charset="0"/>
                 <a:cs typeface="Times New Roman" panose="02020603050405020304" pitchFamily="18" charset="0"/>
               </a:rPr>
-              <a:t>Evite sempre que possível o uso do comando goto;</a:t>
+              <a:t>. A alocação dinâmica pode gerar fragmentação da memória e até risco de ausência de memória. Diretivas de programação segura para ambiente automotivo como o MISRA C (MISRA, 2004), proíbem qualquer uso desse tipo de recurso;</a:t>
+            </a:r>
+          </a:p>
+          <a:p>
+            <a:pPr algn="just">
+              <a:buFont typeface="Wingdings" panose="05000000000000000000" pitchFamily="2" charset="2"/>
+              <a:buChar char="§"/>
+            </a:pPr>
+            <a:endParaRPr lang="pt-BR" sz="2000" dirty="0">
+              <a:solidFill>
+                <a:schemeClr val="tx1"/>
+              </a:solidFill>
+              <a:latin typeface="Times New Roman" panose="02020603050405020304" pitchFamily="18" charset="0"/>
+              <a:cs typeface="Times New Roman" panose="02020603050405020304" pitchFamily="18" charset="0"/>
+            </a:endParaRPr>
+          </a:p>
+          <a:p>
+            <a:pPr algn="just">
+              <a:buFont typeface="Wingdings" panose="05000000000000000000" pitchFamily="2" charset="2"/>
+              <a:buChar char="§"/>
+            </a:pPr>
+            <a:r>
+              <a:rPr lang="pt-BR" sz="2000" b="1" dirty="0">
+                <a:solidFill>
+                  <a:schemeClr val="tx1"/>
+                </a:solidFill>
+                <a:latin typeface="Times New Roman" panose="02020603050405020304" pitchFamily="18" charset="0"/>
+                <a:cs typeface="Times New Roman" panose="02020603050405020304" pitchFamily="18" charset="0"/>
+              </a:rPr>
+              <a:t>Evite</a:t>
+            </a:r>
+            <a:r>
+              <a:rPr lang="pt-BR" sz="2000" dirty="0">
+                <a:solidFill>
+                  <a:schemeClr val="tx1"/>
+                </a:solidFill>
+                <a:latin typeface="Times New Roman" panose="02020603050405020304" pitchFamily="18" charset="0"/>
+                <a:cs typeface="Times New Roman" panose="02020603050405020304" pitchFamily="18" charset="0"/>
+              </a:rPr>
+              <a:t> sempre que possível o uso do </a:t>
+            </a:r>
+            <a:r>
+              <a:rPr lang="pt-BR" sz="2000" b="1" dirty="0">
+                <a:solidFill>
+                  <a:srgbClr val="FF0000"/>
+                </a:solidFill>
+                <a:latin typeface="Times New Roman" panose="02020603050405020304" pitchFamily="18" charset="0"/>
+                <a:cs typeface="Times New Roman" panose="02020603050405020304" pitchFamily="18" charset="0"/>
+              </a:rPr>
+              <a:t>comando goto</a:t>
+            </a:r>
+            <a:r>
+              <a:rPr lang="pt-BR" sz="2000" dirty="0">
+                <a:solidFill>
+                  <a:schemeClr val="tx1"/>
+                </a:solidFill>
+                <a:latin typeface="Times New Roman" panose="02020603050405020304" pitchFamily="18" charset="0"/>
+                <a:cs typeface="Times New Roman" panose="02020603050405020304" pitchFamily="18" charset="0"/>
+              </a:rPr>
+              <a:t>;</a:t>
             </a:r>
           </a:p>
         </p:txBody>
@@ -7577,7 +7860,27 @@
                 <a:latin typeface="Times New Roman" panose="02020603050405020304" pitchFamily="18" charset="0"/>
                 <a:cs typeface="Times New Roman" panose="02020603050405020304" pitchFamily="18" charset="0"/>
               </a:rPr>
-              <a:t>Não use números no código, dê preferência para macros e sempre comente a sua finalidade;</a:t>
+              <a:t>Não use números no código, </a:t>
+            </a:r>
+            <a:r>
+              <a:rPr lang="pt-BR" sz="2000" b="1" dirty="0">
+                <a:solidFill>
+                  <a:schemeClr val="tx1"/>
+                </a:solidFill>
+                <a:latin typeface="Times New Roman" panose="02020603050405020304" pitchFamily="18" charset="0"/>
+                <a:cs typeface="Times New Roman" panose="02020603050405020304" pitchFamily="18" charset="0"/>
+              </a:rPr>
+              <a:t>dê preferência para macros </a:t>
+            </a:r>
+            <a:r>
+              <a:rPr lang="pt-BR" sz="2000" dirty="0">
+                <a:solidFill>
+                  <a:schemeClr val="tx1"/>
+                </a:solidFill>
+                <a:latin typeface="Times New Roman" panose="02020603050405020304" pitchFamily="18" charset="0"/>
+                <a:cs typeface="Times New Roman" panose="02020603050405020304" pitchFamily="18" charset="0"/>
+              </a:rPr>
+              <a:t>e sempre comente a sua finalidade;</a:t>
             </a:r>
           </a:p>
           <a:p>
@@ -7586,6 +7889,16 @@
               <a:buChar char="§"/>
             </a:pPr>
             <a:r>
+              <a:rPr lang="pt-BR" sz="2000" b="1" dirty="0">
+                <a:solidFill>
+                  <a:schemeClr val="tx1"/>
+                </a:solidFill>
+                <a:latin typeface="Times New Roman" panose="02020603050405020304" pitchFamily="18" charset="0"/>
+                <a:cs typeface="Times New Roman" panose="02020603050405020304" pitchFamily="18" charset="0"/>
+              </a:rPr>
+              <a:t>Modularize o código </a:t>
+            </a:r>
+            <a:r>
               <a:rPr lang="pt-BR" sz="2000" dirty="0">
                 <a:solidFill>
                   <a:schemeClr val="tx1"/>
@@ -7593,7 +7906,7 @@
                 <a:latin typeface="Times New Roman" panose="02020603050405020304" pitchFamily="18" charset="0"/>
                 <a:cs typeface="Times New Roman" panose="02020603050405020304" pitchFamily="18" charset="0"/>
               </a:rPr>
-              <a:t>Modularize o código separando as funcionalidades em vários arquivos de aplicação (*. c) e exporte somente o necessário através dos arquivos de interface (*. h);</a:t>
+              <a:t>separando as funcionalidades em vários arquivos de aplicação (*. c) e exporte somente o necessário através dos arquivos de interface (*. h);</a:t>
             </a:r>
           </a:p>
           <a:p>
@@ -7609,7 +7922,27 @@
                 <a:latin typeface="Times New Roman" panose="02020603050405020304" pitchFamily="18" charset="0"/>
                 <a:cs typeface="Times New Roman" panose="02020603050405020304" pitchFamily="18" charset="0"/>
               </a:rPr>
-              <a:t>Não exporte variáveis (variáveis globais), garanta acesso a elas através de funções;</a:t>
+              <a:t>Não exporte variáveis (</a:t>
+            </a:r>
+            <a:r>
+              <a:rPr lang="pt-BR" sz="2000" b="1" dirty="0">
+                <a:solidFill>
+                  <a:schemeClr val="tx1"/>
+                </a:solidFill>
+                <a:latin typeface="Times New Roman" panose="02020603050405020304" pitchFamily="18" charset="0"/>
+                <a:cs typeface="Times New Roman" panose="02020603050405020304" pitchFamily="18" charset="0"/>
+              </a:rPr>
+              <a:t>variáveis globais</a:t>
+            </a:r>
+            <a:r>
+              <a:rPr lang="pt-BR" sz="2000" dirty="0">
+                <a:solidFill>
+                  <a:schemeClr val="tx1"/>
+                </a:solidFill>
+                <a:latin typeface="Times New Roman" panose="02020603050405020304" pitchFamily="18" charset="0"/>
+                <a:cs typeface="Times New Roman" panose="02020603050405020304" pitchFamily="18" charset="0"/>
+              </a:rPr>
+              <a:t>), garanta acesso a elas através de funções;</a:t>
             </a:r>
           </a:p>
           <a:p>
@@ -7618,6 +7951,16 @@
               <a:buChar char="§"/>
             </a:pPr>
             <a:r>
+              <a:rPr lang="pt-BR" sz="2000" b="1" dirty="0">
+                <a:solidFill>
+                  <a:schemeClr val="tx1"/>
+                </a:solidFill>
+                <a:latin typeface="Times New Roman" panose="02020603050405020304" pitchFamily="18" charset="0"/>
+                <a:cs typeface="Times New Roman" panose="02020603050405020304" pitchFamily="18" charset="0"/>
+              </a:rPr>
+              <a:t>Prefira passagem por valor </a:t>
+            </a:r>
+            <a:r>
               <a:rPr lang="pt-BR" sz="2000" dirty="0">
                 <a:solidFill>
                   <a:schemeClr val="tx1"/>
@@ -7625,7 +7968,7 @@
                 <a:latin typeface="Times New Roman" panose="02020603050405020304" pitchFamily="18" charset="0"/>
                 <a:cs typeface="Times New Roman" panose="02020603050405020304" pitchFamily="18" charset="0"/>
               </a:rPr>
-              <a:t>Prefira passagem por valor a passagem por referência.</a:t>
+              <a:t>a passagem por referência.</a:t>
             </a:r>
           </a:p>
         </p:txBody>
@@ -7792,7 +8135,7 @@
                 <a:latin typeface="Times New Roman" panose="02020603050405020304" pitchFamily="18" charset="0"/>
                 <a:cs typeface="Times New Roman" panose="02020603050405020304" pitchFamily="18" charset="0"/>
               </a:rPr>
-              <a:t> que trarão poder computacional ao seu projeto, devemos </a:t>
+              <a:t> que trarão poder computacional ao seu projeto de eletrônica, devemos </a:t>
             </a:r>
             <a:r>
               <a:rPr lang="pt-BR" sz="2000" b="1" dirty="0">
@@ -7840,7 +8183,127 @@
                 <a:latin typeface="Times New Roman" panose="02020603050405020304" pitchFamily="18" charset="0"/>
                 <a:cs typeface="Times New Roman" panose="02020603050405020304" pitchFamily="18" charset="0"/>
               </a:rPr>
-              <a:t>Qual valor quero pagar pelo chip?</a:t>
+              <a:t>Qual </a:t>
+            </a:r>
+            <a:r>
+              <a:rPr lang="pt-BR" sz="2000" b="1" dirty="0">
+                <a:solidFill>
+                  <a:schemeClr val="tx1"/>
+                </a:solidFill>
+                <a:latin typeface="Times New Roman" panose="02020603050405020304" pitchFamily="18" charset="0"/>
+                <a:cs typeface="Times New Roman" panose="02020603050405020304" pitchFamily="18" charset="0"/>
+              </a:rPr>
+              <a:t>valor</a:t>
+            </a:r>
+            <a:r>
+              <a:rPr lang="pt-BR" sz="2000" dirty="0">
+                <a:solidFill>
+                  <a:schemeClr val="tx1"/>
+                </a:solidFill>
+                <a:latin typeface="Times New Roman" panose="02020603050405020304" pitchFamily="18" charset="0"/>
+                <a:cs typeface="Times New Roman" panose="02020603050405020304" pitchFamily="18" charset="0"/>
+              </a:rPr>
+              <a:t> </a:t>
+            </a:r>
+            <a:r>
+              <a:rPr lang="pt-BR" sz="2000" b="1" dirty="0">
+                <a:solidFill>
+                  <a:srgbClr val="FF0000"/>
+                </a:solidFill>
+                <a:latin typeface="Times New Roman" panose="02020603050405020304" pitchFamily="18" charset="0"/>
+                <a:cs typeface="Times New Roman" panose="02020603050405020304" pitchFamily="18" charset="0"/>
+              </a:rPr>
+              <a:t>quero pagar </a:t>
+            </a:r>
+            <a:r>
+              <a:rPr lang="pt-BR" sz="2000" dirty="0">
+                <a:solidFill>
+                  <a:schemeClr val="tx1"/>
+                </a:solidFill>
+                <a:latin typeface="Times New Roman" panose="02020603050405020304" pitchFamily="18" charset="0"/>
+                <a:cs typeface="Times New Roman" panose="02020603050405020304" pitchFamily="18" charset="0"/>
+              </a:rPr>
+              <a:t>pelo </a:t>
+            </a:r>
+            <a:r>
+              <a:rPr lang="pt-BR" sz="2000" b="1" dirty="0">
+                <a:solidFill>
+                  <a:schemeClr val="tx1"/>
+                </a:solidFill>
+                <a:latin typeface="Times New Roman" panose="02020603050405020304" pitchFamily="18" charset="0"/>
+                <a:cs typeface="Times New Roman" panose="02020603050405020304" pitchFamily="18" charset="0"/>
+              </a:rPr>
+              <a:t>chip</a:t>
+            </a:r>
+            <a:r>
+              <a:rPr lang="pt-BR" sz="2000" dirty="0">
+                <a:solidFill>
+                  <a:schemeClr val="tx1"/>
+                </a:solidFill>
+                <a:latin typeface="Times New Roman" panose="02020603050405020304" pitchFamily="18" charset="0"/>
+                <a:cs typeface="Times New Roman" panose="02020603050405020304" pitchFamily="18" charset="0"/>
+              </a:rPr>
+              <a:t>? </a:t>
+            </a:r>
+            <a:r>
+              <a:rPr lang="pt-BR" sz="2000" b="1" dirty="0">
+                <a:solidFill>
+                  <a:schemeClr val="tx1"/>
+                </a:solidFill>
+                <a:latin typeface="Times New Roman" panose="02020603050405020304" pitchFamily="18" charset="0"/>
+                <a:cs typeface="Times New Roman" panose="02020603050405020304" pitchFamily="18" charset="0"/>
+              </a:rPr>
+              <a:t>baratos</a:t>
+            </a:r>
+            <a:r>
+              <a:rPr lang="pt-BR" sz="2000" dirty="0">
+                <a:solidFill>
+                  <a:schemeClr val="tx1"/>
+                </a:solidFill>
+                <a:latin typeface="Times New Roman" panose="02020603050405020304" pitchFamily="18" charset="0"/>
+                <a:cs typeface="Times New Roman" panose="02020603050405020304" pitchFamily="18" charset="0"/>
+              </a:rPr>
+              <a:t> (como </a:t>
+            </a:r>
+            <a:r>
+              <a:rPr lang="pt-BR" sz="2000" b="1" dirty="0">
+                <a:solidFill>
+                  <a:srgbClr val="FF0000"/>
+                </a:solidFill>
+                <a:latin typeface="Times New Roman" panose="02020603050405020304" pitchFamily="18" charset="0"/>
+                <a:cs typeface="Times New Roman" panose="02020603050405020304" pitchFamily="18" charset="0"/>
+              </a:rPr>
+              <a:t>ATmega328P</a:t>
+            </a:r>
+            <a:r>
+              <a:rPr lang="pt-BR" sz="2000" dirty="0">
+                <a:solidFill>
+                  <a:schemeClr val="tx1"/>
+                </a:solidFill>
+                <a:latin typeface="Times New Roman" panose="02020603050405020304" pitchFamily="18" charset="0"/>
+                <a:cs typeface="Times New Roman" panose="02020603050405020304" pitchFamily="18" charset="0"/>
+              </a:rPr>
+              <a:t> ou </a:t>
+            </a:r>
+            <a:r>
+              <a:rPr lang="pt-BR" sz="2000" b="1" dirty="0">
+                <a:solidFill>
+                  <a:srgbClr val="FF0000"/>
+                </a:solidFill>
+                <a:latin typeface="Times New Roman" panose="02020603050405020304" pitchFamily="18" charset="0"/>
+                <a:cs typeface="Times New Roman" panose="02020603050405020304" pitchFamily="18" charset="0"/>
+              </a:rPr>
+              <a:t>ESP8266</a:t>
+            </a:r>
+            <a:r>
+              <a:rPr lang="pt-BR" sz="2000" dirty="0">
+                <a:solidFill>
+                  <a:schemeClr val="tx1"/>
+                </a:solidFill>
+                <a:latin typeface="Times New Roman" panose="02020603050405020304" pitchFamily="18" charset="0"/>
+                <a:cs typeface="Times New Roman" panose="02020603050405020304" pitchFamily="18" charset="0"/>
+              </a:rPr>
+              <a:t>).</a:t>
             </a:r>
           </a:p>
           <a:p>
@@ -7856,7 +8319,27 @@
                 <a:latin typeface="Times New Roman" panose="02020603050405020304" pitchFamily="18" charset="0"/>
                 <a:cs typeface="Times New Roman" panose="02020603050405020304" pitchFamily="18" charset="0"/>
               </a:rPr>
-              <a:t>Que tipo de comunicação este </a:t>
+              <a:t>Que tipo de </a:t>
+            </a:r>
+            <a:r>
+              <a:rPr lang="pt-BR" sz="2000" b="1" dirty="0">
+                <a:solidFill>
+                  <a:schemeClr val="tx1"/>
+                </a:solidFill>
+                <a:latin typeface="Times New Roman" panose="02020603050405020304" pitchFamily="18" charset="0"/>
+                <a:cs typeface="Times New Roman" panose="02020603050405020304" pitchFamily="18" charset="0"/>
+              </a:rPr>
+              <a:t>comunicação</a:t>
+            </a:r>
+            <a:r>
+              <a:rPr lang="pt-BR" sz="2000" dirty="0">
+                <a:solidFill>
+                  <a:schemeClr val="tx1"/>
+                </a:solidFill>
+                <a:latin typeface="Times New Roman" panose="02020603050405020304" pitchFamily="18" charset="0"/>
+                <a:cs typeface="Times New Roman" panose="02020603050405020304" pitchFamily="18" charset="0"/>
+              </a:rPr>
+              <a:t> este </a:t>
             </a:r>
             <a:r>
               <a:rPr lang="pt-BR" sz="2000" dirty="0" err="1">
@@ -7876,7 +8359,27 @@
                 <a:latin typeface="Times New Roman" panose="02020603050405020304" pitchFamily="18" charset="0"/>
                 <a:cs typeface="Times New Roman" panose="02020603050405020304" pitchFamily="18" charset="0"/>
               </a:rPr>
-              <a:t> deve ter com outros eletrônicos?</a:t>
+              <a:t> deve ter </a:t>
+            </a:r>
+            <a:r>
+              <a:rPr lang="pt-BR" sz="2000" b="1" dirty="0">
+                <a:solidFill>
+                  <a:srgbClr val="FF0000"/>
+                </a:solidFill>
+                <a:latin typeface="Times New Roman" panose="02020603050405020304" pitchFamily="18" charset="0"/>
+                <a:cs typeface="Times New Roman" panose="02020603050405020304" pitchFamily="18" charset="0"/>
+              </a:rPr>
+              <a:t>com outros eletrônicos</a:t>
+            </a:r>
+            <a:r>
+              <a:rPr lang="pt-BR" sz="2000" dirty="0">
+                <a:solidFill>
+                  <a:schemeClr val="tx1"/>
+                </a:solidFill>
+                <a:latin typeface="Times New Roman" panose="02020603050405020304" pitchFamily="18" charset="0"/>
+                <a:cs typeface="Times New Roman" panose="02020603050405020304" pitchFamily="18" charset="0"/>
+              </a:rPr>
+              <a:t>? UART, SPI, I²C, USB, CAN, Ethernet, etc.</a:t>
             </a:r>
           </a:p>
           <a:p>
@@ -7892,7 +8395,47 @@
                 <a:latin typeface="Times New Roman" panose="02020603050405020304" pitchFamily="18" charset="0"/>
                 <a:cs typeface="Times New Roman" panose="02020603050405020304" pitchFamily="18" charset="0"/>
               </a:rPr>
-              <a:t>A principal aplicação é digital ou analógica?</a:t>
+              <a:t>A </a:t>
+            </a:r>
+            <a:r>
+              <a:rPr lang="pt-BR" sz="2000" b="1" dirty="0">
+                <a:solidFill>
+                  <a:schemeClr val="tx1"/>
+                </a:solidFill>
+                <a:latin typeface="Times New Roman" panose="02020603050405020304" pitchFamily="18" charset="0"/>
+                <a:cs typeface="Times New Roman" panose="02020603050405020304" pitchFamily="18" charset="0"/>
+              </a:rPr>
+              <a:t>principal aplicação </a:t>
+            </a:r>
+            <a:r>
+              <a:rPr lang="pt-BR" sz="2000" dirty="0">
+                <a:solidFill>
+                  <a:schemeClr val="tx1"/>
+                </a:solidFill>
+                <a:latin typeface="Times New Roman" panose="02020603050405020304" pitchFamily="18" charset="0"/>
+                <a:cs typeface="Times New Roman" panose="02020603050405020304" pitchFamily="18" charset="0"/>
+              </a:rPr>
+              <a:t>é </a:t>
+            </a:r>
+            <a:r>
+              <a:rPr lang="pt-BR" sz="2000" b="1" dirty="0">
+                <a:solidFill>
+                  <a:srgbClr val="FF0000"/>
+                </a:solidFill>
+                <a:latin typeface="Times New Roman" panose="02020603050405020304" pitchFamily="18" charset="0"/>
+                <a:cs typeface="Times New Roman" panose="02020603050405020304" pitchFamily="18" charset="0"/>
+              </a:rPr>
+              <a:t>digital ou analógica</a:t>
+            </a:r>
+            <a:r>
+              <a:rPr lang="pt-BR" sz="2000" dirty="0">
+                <a:solidFill>
+                  <a:schemeClr val="tx1"/>
+                </a:solidFill>
+                <a:latin typeface="Times New Roman" panose="02020603050405020304" pitchFamily="18" charset="0"/>
+                <a:cs typeface="Times New Roman" panose="02020603050405020304" pitchFamily="18" charset="0"/>
+              </a:rPr>
+              <a:t>?</a:t>
             </a:r>
           </a:p>
           <a:p>
@@ -7908,7 +8451,67 @@
                 <a:latin typeface="Times New Roman" panose="02020603050405020304" pitchFamily="18" charset="0"/>
                 <a:cs typeface="Times New Roman" panose="02020603050405020304" pitchFamily="18" charset="0"/>
               </a:rPr>
-              <a:t>Qual complexidade e quantidade de dispositivos irei conectar neste </a:t>
+              <a:t>Qual </a:t>
+            </a:r>
+            <a:r>
+              <a:rPr lang="pt-BR" sz="2000" b="1" dirty="0">
+                <a:solidFill>
+                  <a:schemeClr val="tx1"/>
+                </a:solidFill>
+                <a:latin typeface="Times New Roman" panose="02020603050405020304" pitchFamily="18" charset="0"/>
+                <a:cs typeface="Times New Roman" panose="02020603050405020304" pitchFamily="18" charset="0"/>
+              </a:rPr>
+              <a:t>complexidade</a:t>
+            </a:r>
+            <a:r>
+              <a:rPr lang="pt-BR" sz="2000" dirty="0">
+                <a:solidFill>
+                  <a:schemeClr val="tx1"/>
+                </a:solidFill>
+                <a:latin typeface="Times New Roman" panose="02020603050405020304" pitchFamily="18" charset="0"/>
+                <a:cs typeface="Times New Roman" panose="02020603050405020304" pitchFamily="18" charset="0"/>
+              </a:rPr>
+              <a:t> e </a:t>
+            </a:r>
+            <a:r>
+              <a:rPr lang="pt-BR" sz="2000" b="1" dirty="0">
+                <a:solidFill>
+                  <a:schemeClr val="tx1"/>
+                </a:solidFill>
+                <a:latin typeface="Times New Roman" panose="02020603050405020304" pitchFamily="18" charset="0"/>
+                <a:cs typeface="Times New Roman" panose="02020603050405020304" pitchFamily="18" charset="0"/>
+              </a:rPr>
+              <a:t>quantidade de dispositivos </a:t>
+            </a:r>
+            <a:r>
+              <a:rPr lang="pt-BR" sz="2000" dirty="0">
+                <a:solidFill>
+                  <a:schemeClr val="tx1"/>
+                </a:solidFill>
+                <a:latin typeface="Times New Roman" panose="02020603050405020304" pitchFamily="18" charset="0"/>
+                <a:cs typeface="Times New Roman" panose="02020603050405020304" pitchFamily="18" charset="0"/>
+              </a:rPr>
+              <a:t>irei </a:t>
+            </a:r>
+            <a:r>
+              <a:rPr lang="pt-BR" sz="2000" b="1" dirty="0">
+                <a:solidFill>
+                  <a:srgbClr val="FF0000"/>
+                </a:solidFill>
+                <a:latin typeface="Times New Roman" panose="02020603050405020304" pitchFamily="18" charset="0"/>
+                <a:cs typeface="Times New Roman" panose="02020603050405020304" pitchFamily="18" charset="0"/>
+              </a:rPr>
+              <a:t>conectar</a:t>
+            </a:r>
+            <a:r>
+              <a:rPr lang="pt-BR" sz="2000" dirty="0">
+                <a:solidFill>
+                  <a:schemeClr val="tx1"/>
+                </a:solidFill>
+                <a:latin typeface="Times New Roman" panose="02020603050405020304" pitchFamily="18" charset="0"/>
+                <a:cs typeface="Times New Roman" panose="02020603050405020304" pitchFamily="18" charset="0"/>
+              </a:rPr>
+              <a:t> neste </a:t>
             </a:r>
             <a:r>
               <a:rPr lang="pt-BR" sz="2000" dirty="0" err="1">
@@ -7937,6 +8540,16 @@
               <a:buChar char="§"/>
             </a:pPr>
             <a:r>
+              <a:rPr lang="pt-BR" sz="2000" b="1" dirty="0">
+                <a:solidFill>
+                  <a:schemeClr val="tx1"/>
+                </a:solidFill>
+                <a:latin typeface="Times New Roman" panose="02020603050405020304" pitchFamily="18" charset="0"/>
+                <a:cs typeface="Times New Roman" panose="02020603050405020304" pitchFamily="18" charset="0"/>
+              </a:rPr>
+              <a:t>Quantos pinos </a:t>
+            </a:r>
+            <a:r>
               <a:rPr lang="pt-BR" sz="2000" dirty="0">
                 <a:solidFill>
                   <a:schemeClr val="tx1"/>
@@ -7944,7 +8557,47 @@
                 <a:latin typeface="Times New Roman" panose="02020603050405020304" pitchFamily="18" charset="0"/>
                 <a:cs typeface="Times New Roman" panose="02020603050405020304" pitchFamily="18" charset="0"/>
               </a:rPr>
-              <a:t>Quantos pinos de entrada ou saída de sinais serão precisos?</a:t>
+              <a:t>de </a:t>
+            </a:r>
+            <a:r>
+              <a:rPr lang="pt-BR" sz="2000" b="1" dirty="0">
+                <a:solidFill>
+                  <a:srgbClr val="FF0000"/>
+                </a:solidFill>
+                <a:latin typeface="Times New Roman" panose="02020603050405020304" pitchFamily="18" charset="0"/>
+                <a:cs typeface="Times New Roman" panose="02020603050405020304" pitchFamily="18" charset="0"/>
+              </a:rPr>
+              <a:t>entrada ou saída de sinais </a:t>
+            </a:r>
+            <a:r>
+              <a:rPr lang="pt-BR" sz="2000" dirty="0">
+                <a:solidFill>
+                  <a:schemeClr val="tx1"/>
+                </a:solidFill>
+                <a:latin typeface="Times New Roman" panose="02020603050405020304" pitchFamily="18" charset="0"/>
+                <a:cs typeface="Times New Roman" panose="02020603050405020304" pitchFamily="18" charset="0"/>
+              </a:rPr>
+              <a:t>serão precisos? </a:t>
+            </a:r>
+            <a:r>
+              <a:rPr lang="pt-BR" sz="2000" b="1" dirty="0">
+                <a:solidFill>
+                  <a:srgbClr val="FF0000"/>
+                </a:solidFill>
+                <a:latin typeface="Times New Roman" panose="02020603050405020304" pitchFamily="18" charset="0"/>
+                <a:cs typeface="Times New Roman" panose="02020603050405020304" pitchFamily="18" charset="0"/>
+              </a:rPr>
+              <a:t>Multiplexação</a:t>
+            </a:r>
+            <a:r>
+              <a:rPr lang="pt-BR" sz="2000" dirty="0">
+                <a:solidFill>
+                  <a:schemeClr val="tx1"/>
+                </a:solidFill>
+                <a:latin typeface="Times New Roman" panose="02020603050405020304" pitchFamily="18" charset="0"/>
+                <a:cs typeface="Times New Roman" panose="02020603050405020304" pitchFamily="18" charset="0"/>
+              </a:rPr>
+              <a:t>.</a:t>
             </a:r>
           </a:p>
           <a:p>
@@ -7960,7 +8613,67 @@
                 <a:latin typeface="Times New Roman" panose="02020603050405020304" pitchFamily="18" charset="0"/>
                 <a:cs typeface="Times New Roman" panose="02020603050405020304" pitchFamily="18" charset="0"/>
               </a:rPr>
-              <a:t>Qual o tamanho e qualidade da comunidade para este </a:t>
+              <a:t>Qual o </a:t>
+            </a:r>
+            <a:r>
+              <a:rPr lang="pt-BR" sz="2000" b="1" dirty="0">
+                <a:solidFill>
+                  <a:schemeClr val="tx1"/>
+                </a:solidFill>
+                <a:latin typeface="Times New Roman" panose="02020603050405020304" pitchFamily="18" charset="0"/>
+                <a:cs typeface="Times New Roman" panose="02020603050405020304" pitchFamily="18" charset="0"/>
+              </a:rPr>
+              <a:t>tamanho</a:t>
+            </a:r>
+            <a:r>
+              <a:rPr lang="pt-BR" sz="2000" dirty="0">
+                <a:solidFill>
+                  <a:schemeClr val="tx1"/>
+                </a:solidFill>
+                <a:latin typeface="Times New Roman" panose="02020603050405020304" pitchFamily="18" charset="0"/>
+                <a:cs typeface="Times New Roman" panose="02020603050405020304" pitchFamily="18" charset="0"/>
+              </a:rPr>
+              <a:t> e </a:t>
+            </a:r>
+            <a:r>
+              <a:rPr lang="pt-BR" sz="2000" b="1" dirty="0">
+                <a:solidFill>
+                  <a:schemeClr val="tx1"/>
+                </a:solidFill>
+                <a:latin typeface="Times New Roman" panose="02020603050405020304" pitchFamily="18" charset="0"/>
+                <a:cs typeface="Times New Roman" panose="02020603050405020304" pitchFamily="18" charset="0"/>
+              </a:rPr>
+              <a:t>qualidade</a:t>
+            </a:r>
+            <a:r>
+              <a:rPr lang="pt-BR" sz="2000" dirty="0">
+                <a:solidFill>
+                  <a:schemeClr val="tx1"/>
+                </a:solidFill>
+                <a:latin typeface="Times New Roman" panose="02020603050405020304" pitchFamily="18" charset="0"/>
+                <a:cs typeface="Times New Roman" panose="02020603050405020304" pitchFamily="18" charset="0"/>
+              </a:rPr>
+              <a:t> da </a:t>
+            </a:r>
+            <a:r>
+              <a:rPr lang="pt-BR" sz="2000" b="1" dirty="0">
+                <a:solidFill>
+                  <a:srgbClr val="FF0000"/>
+                </a:solidFill>
+                <a:latin typeface="Times New Roman" panose="02020603050405020304" pitchFamily="18" charset="0"/>
+                <a:cs typeface="Times New Roman" panose="02020603050405020304" pitchFamily="18" charset="0"/>
+              </a:rPr>
+              <a:t>comunidade</a:t>
+            </a:r>
+            <a:r>
+              <a:rPr lang="pt-BR" sz="2000" dirty="0">
+                <a:solidFill>
+                  <a:schemeClr val="tx1"/>
+                </a:solidFill>
+                <a:latin typeface="Times New Roman" panose="02020603050405020304" pitchFamily="18" charset="0"/>
+                <a:cs typeface="Times New Roman" panose="02020603050405020304" pitchFamily="18" charset="0"/>
+              </a:rPr>
+              <a:t> para este </a:t>
             </a:r>
             <a:r>
               <a:rPr lang="pt-BR" sz="2000" dirty="0" err="1">
@@ -7980,7 +8693,27 @@
                 <a:latin typeface="Times New Roman" panose="02020603050405020304" pitchFamily="18" charset="0"/>
                 <a:cs typeface="Times New Roman" panose="02020603050405020304" pitchFamily="18" charset="0"/>
               </a:rPr>
-              <a:t>?</a:t>
+              <a:t>? </a:t>
+            </a:r>
+            <a:r>
+              <a:rPr lang="pt-BR" sz="2000" b="1" dirty="0">
+                <a:solidFill>
+                  <a:srgbClr val="FF0000"/>
+                </a:solidFill>
+                <a:latin typeface="Times New Roman" panose="02020603050405020304" pitchFamily="18" charset="0"/>
+                <a:cs typeface="Times New Roman" panose="02020603050405020304" pitchFamily="18" charset="0"/>
+              </a:rPr>
+              <a:t>Comunidade</a:t>
+            </a:r>
+            <a:r>
+              <a:rPr lang="pt-BR" sz="2000" dirty="0">
+                <a:solidFill>
+                  <a:schemeClr val="tx1"/>
+                </a:solidFill>
+                <a:latin typeface="Times New Roman" panose="02020603050405020304" pitchFamily="18" charset="0"/>
+                <a:cs typeface="Times New Roman" panose="02020603050405020304" pitchFamily="18" charset="0"/>
+              </a:rPr>
+              <a:t>.</a:t>
             </a:r>
           </a:p>
         </p:txBody>
